--- a/G4-wk11.pptx
+++ b/G4-wk11.pptx
@@ -26,6 +26,7 @@
     <p:sldId id="271" r:id="rId22"/>
     <p:sldId id="272" r:id="rId23"/>
     <p:sldId id="273" r:id="rId24"/>
+    <p:sldId id="274" r:id="rId25"/>
   </p:sldIdLst>
   <p:sldSz cy="6858000" cx="12192000"/>
   <p:notesSz cx="6858000" cy="9144000"/>
@@ -274,7 +275,7 @@
       </p15:sldGuideLst>
     </p:ext>
     <p:ext uri="GoogleSlidesCustomDataVersion2">
-      <go:slidesCustomData xmlns:go="http://customooxmlschemas.google.com/" r:id="rId25" roundtripDataSignature="AMtx7mh8X2yuwzQMkz1lj0YvLdRfW3KsBg=="/>
+      <go:slidesCustomData xmlns:go="http://customooxmlschemas.google.com/" r:id="rId26" roundtripDataSignature="AMtx7mheRQcx6kwnhqhp5FA+1tsBRKZupg=="/>
     </p:ext>
   </p:extLst>
 </p:presentation>
@@ -1830,7 +1831,7 @@
   <p:cSld>
     <p:spTree>
       <p:nvGrpSpPr>
-        <p:cNvPr id="81" name="Shape 81"/>
+        <p:cNvPr id="82" name="Shape 82"/>
         <p:cNvGrpSpPr/>
         <p:nvPr/>
       </p:nvGrpSpPr>
@@ -1844,7 +1845,7 @@
       </p:grpSpPr>
       <p:sp>
         <p:nvSpPr>
-          <p:cNvPr id="82" name="Google Shape;82;g34a0d171e5d_0_22:notes"/>
+          <p:cNvPr id="83" name="Google Shape;83;g34a0d171e5d_0_8:notes"/>
           <p:cNvSpPr txBox="1"/>
           <p:nvPr>
             <p:ph idx="1" type="body"/>
@@ -1883,8 +1884,7 @@
               <a:buNone/>
             </a:pPr>
             <a:r>
-              <a:rPr lang="en-US"/>
-              <a:t>Joe</a:t>
+              <a:t/>
             </a:r>
             <a:endParaRPr/>
           </a:p>
@@ -1892,7 +1892,7 @@
       </p:sp>
       <p:sp>
         <p:nvSpPr>
-          <p:cNvPr id="83" name="Google Shape;83;g34a0d171e5d_0_22:notes"/>
+          <p:cNvPr id="84" name="Google Shape;84;g34a0d171e5d_0_8:notes"/>
           <p:cNvSpPr/>
           <p:nvPr>
             <p:ph idx="2" type="sldImg"/>
@@ -1948,7 +1948,7 @@
   <p:cSld>
     <p:spTree>
       <p:nvGrpSpPr>
-        <p:cNvPr id="94" name="Shape 94"/>
+        <p:cNvPr id="88" name="Shape 88"/>
         <p:cNvGrpSpPr/>
         <p:nvPr/>
       </p:nvGrpSpPr>
@@ -1962,7 +1962,7 @@
       </p:grpSpPr>
       <p:sp>
         <p:nvSpPr>
-          <p:cNvPr id="95" name="Google Shape;95;g3470fe63cff_0_0:notes"/>
+          <p:cNvPr id="89" name="Google Shape;89;g34a0d171e5d_0_22:notes"/>
           <p:cNvSpPr txBox="1"/>
           <p:nvPr>
             <p:ph idx="1" type="body"/>
@@ -2009,7 +2009,7 @@
       </p:sp>
       <p:sp>
         <p:nvSpPr>
-          <p:cNvPr id="96" name="Google Shape;96;g3470fe63cff_0_0:notes"/>
+          <p:cNvPr id="90" name="Google Shape;90;g34a0d171e5d_0_22:notes"/>
           <p:cNvSpPr/>
           <p:nvPr>
             <p:ph idx="2" type="sldImg"/>
@@ -2065,7 +2065,7 @@
   <p:cSld>
     <p:spTree>
       <p:nvGrpSpPr>
-        <p:cNvPr id="99" name="Shape 99"/>
+        <p:cNvPr id="101" name="Shape 101"/>
         <p:cNvGrpSpPr/>
         <p:nvPr/>
       </p:nvGrpSpPr>
@@ -2079,151 +2079,7 @@
       </p:grpSpPr>
       <p:sp>
         <p:nvSpPr>
-          <p:cNvPr id="100" name="Google Shape;100;g34a116c0306_2_5:notes"/>
-          <p:cNvSpPr/>
-          <p:nvPr>
-            <p:ph idx="2" type="sldImg"/>
-          </p:nvPr>
-        </p:nvSpPr>
-        <p:spPr>
-          <a:xfrm>
-            <a:off x="685800" y="1143000"/>
-            <a:ext cx="5486400" cy="3086100"/>
-          </a:xfrm>
-          <a:custGeom>
-            <a:rect b="b" l="l" r="r" t="t"/>
-            <a:pathLst>
-              <a:path extrusionOk="0" h="120000" w="120000">
-                <a:moveTo>
-                  <a:pt x="0" y="0"/>
-                </a:moveTo>
-                <a:lnTo>
-                  <a:pt x="120000" y="0"/>
-                </a:lnTo>
-                <a:lnTo>
-                  <a:pt x="120000" y="120000"/>
-                </a:lnTo>
-                <a:lnTo>
-                  <a:pt x="0" y="120000"/>
-                </a:lnTo>
-                <a:close/>
-              </a:path>
-            </a:pathLst>
-          </a:custGeom>
-        </p:spPr>
-      </p:sp>
-      <p:sp>
-        <p:nvSpPr>
-          <p:cNvPr id="101" name="Google Shape;101;g34a116c0306_2_5:notes"/>
-          <p:cNvSpPr txBox="1"/>
-          <p:nvPr>
-            <p:ph idx="1" type="body"/>
-          </p:nvPr>
-        </p:nvSpPr>
-        <p:spPr>
-          <a:xfrm>
-            <a:off x="685800" y="4400550"/>
-            <a:ext cx="5486400" cy="3600600"/>
-          </a:xfrm>
-          <a:prstGeom prst="rect">
-            <a:avLst/>
-          </a:prstGeom>
-        </p:spPr>
-        <p:txBody>
-          <a:bodyPr anchorCtr="0" anchor="t" bIns="45700" lIns="91425" spcFirstLastPara="1" rIns="91425" wrap="square" tIns="45700">
-            <a:noAutofit/>
-          </a:bodyPr>
-          <a:lstStyle/>
-          <a:p>
-            <a:pPr indent="0" lvl="0" marL="0" rtl="0" algn="l">
-              <a:spcBef>
-                <a:spcPts val="0"/>
-              </a:spcBef>
-              <a:spcAft>
-                <a:spcPts val="0"/>
-              </a:spcAft>
-              <a:buNone/>
-            </a:pPr>
-            <a:r>
-              <a:t/>
-            </a:r>
-            <a:endParaRPr/>
-          </a:p>
-        </p:txBody>
-      </p:sp>
-      <p:sp>
-        <p:nvSpPr>
-          <p:cNvPr id="102" name="Google Shape;102;g34a116c0306_2_5:notes"/>
-          <p:cNvSpPr txBox="1"/>
-          <p:nvPr>
-            <p:ph idx="12" type="sldNum"/>
-          </p:nvPr>
-        </p:nvSpPr>
-        <p:spPr>
-          <a:xfrm>
-            <a:off x="3884613" y="8685213"/>
-            <a:ext cx="2971800" cy="458700"/>
-          </a:xfrm>
-          <a:prstGeom prst="rect">
-            <a:avLst/>
-          </a:prstGeom>
-        </p:spPr>
-        <p:txBody>
-          <a:bodyPr anchorCtr="0" anchor="b" bIns="45700" lIns="91425" spcFirstLastPara="1" rIns="91425" wrap="square" tIns="45700">
-            <a:noAutofit/>
-          </a:bodyPr>
-          <a:lstStyle/>
-          <a:p>
-            <a:pPr indent="0" lvl="0" marL="0" rtl="0" algn="r">
-              <a:spcBef>
-                <a:spcPts val="0"/>
-              </a:spcBef>
-              <a:spcAft>
-                <a:spcPts val="0"/>
-              </a:spcAft>
-              <a:buClr>
-                <a:srgbClr val="000000"/>
-              </a:buClr>
-              <a:buSzPts val="1200"/>
-              <a:buFont typeface="Arial"/>
-              <a:buNone/>
-            </a:pPr>
-            <a:fld id="{00000000-1234-1234-1234-123412341234}" type="slidenum">
-              <a:rPr lang="en-US"/>
-              <a:t>‹#›</a:t>
-            </a:fld>
-            <a:endParaRPr/>
-          </a:p>
-        </p:txBody>
-      </p:sp>
-    </p:spTree>
-  </p:cSld>
-  <p:clrMapOvr>
-    <a:masterClrMapping/>
-  </p:clrMapOvr>
-</p:notes>
-</file>
-
-<file path=ppt/notesSlides/notesSlide13.xml><?xml version="1.0" encoding="utf-8"?>
-<p:notes xmlns:a="http://schemas.openxmlformats.org/drawingml/2006/main" xmlns:r="http://schemas.openxmlformats.org/officeDocument/2006/relationships" xmlns:mc="http://schemas.openxmlformats.org/markup-compatibility/2006" xmlns:mv="urn:schemas-microsoft-com:mac:vml" xmlns:p="http://schemas.openxmlformats.org/presentationml/2006/main" xmlns:c="http://schemas.openxmlformats.org/drawingml/2006/chart" xmlns:dgm="http://schemas.openxmlformats.org/drawingml/2006/diagram" xmlns:o="urn:schemas-microsoft-com:office:office" xmlns:v="urn:schemas-microsoft-com:vml" xmlns:pvml="urn:schemas-microsoft-com:office:powerpoint" xmlns:com="http://schemas.openxmlformats.org/drawingml/2006/compatibility" xmlns:p14="http://schemas.microsoft.com/office/powerpoint/2010/main" xmlns:p15="http://schemas.microsoft.com/office/powerpoint/2012/main" xmlns:ahyp="http://schemas.microsoft.com/office/drawing/2018/hyperlinkcolor" showMasterPhAnim="0" showMasterSp="0">
-  <p:cSld>
-    <p:spTree>
-      <p:nvGrpSpPr>
-        <p:cNvPr id="105" name="Shape 105"/>
-        <p:cNvGrpSpPr/>
-        <p:nvPr/>
-      </p:nvGrpSpPr>
-      <p:grpSpPr>
-        <a:xfrm>
-          <a:off x="0" y="0"/>
-          <a:ext cx="0" cy="0"/>
-          <a:chOff x="0" y="0"/>
-          <a:chExt cx="0" cy="0"/>
-        </a:xfrm>
-      </p:grpSpPr>
-      <p:sp>
-        <p:nvSpPr>
-          <p:cNvPr id="106" name="Google Shape;106;g3470fe63cff_0_45:notes"/>
+          <p:cNvPr id="102" name="Google Shape;102;g3470fe63cff_0_0:notes"/>
           <p:cNvSpPr txBox="1"/>
           <p:nvPr>
             <p:ph idx="1" type="body"/>
@@ -2262,8 +2118,7 @@
               <a:buNone/>
             </a:pPr>
             <a:r>
-              <a:rPr lang="en-US"/>
-              <a:t>Nathan</a:t>
+              <a:t/>
             </a:r>
             <a:endParaRPr/>
           </a:p>
@@ -2271,7 +2126,7 @@
       </p:sp>
       <p:sp>
         <p:nvSpPr>
-          <p:cNvPr id="107" name="Google Shape;107;g3470fe63cff_0_45:notes"/>
+          <p:cNvPr id="103" name="Google Shape;103;g3470fe63cff_0_0:notes"/>
           <p:cNvSpPr/>
           <p:nvPr>
             <p:ph idx="2" type="sldImg"/>
@@ -2322,12 +2177,12 @@
 </p:notes>
 </file>
 
-<file path=ppt/notesSlides/notesSlide14.xml><?xml version="1.0" encoding="utf-8"?>
+<file path=ppt/notesSlides/notesSlide13.xml><?xml version="1.0" encoding="utf-8"?>
 <p:notes xmlns:a="http://schemas.openxmlformats.org/drawingml/2006/main" xmlns:r="http://schemas.openxmlformats.org/officeDocument/2006/relationships" xmlns:mc="http://schemas.openxmlformats.org/markup-compatibility/2006" xmlns:mv="urn:schemas-microsoft-com:mac:vml" xmlns:p="http://schemas.openxmlformats.org/presentationml/2006/main" xmlns:c="http://schemas.openxmlformats.org/drawingml/2006/chart" xmlns:dgm="http://schemas.openxmlformats.org/drawingml/2006/diagram" xmlns:o="urn:schemas-microsoft-com:office:office" xmlns:v="urn:schemas-microsoft-com:vml" xmlns:pvml="urn:schemas-microsoft-com:office:powerpoint" xmlns:com="http://schemas.openxmlformats.org/drawingml/2006/compatibility" xmlns:p14="http://schemas.microsoft.com/office/powerpoint/2010/main" xmlns:p15="http://schemas.microsoft.com/office/powerpoint/2012/main" xmlns:ahyp="http://schemas.microsoft.com/office/drawing/2018/hyperlinkcolor" showMasterPhAnim="0" showMasterSp="0">
   <p:cSld>
     <p:spTree>
       <p:nvGrpSpPr>
-        <p:cNvPr id="110" name="Shape 110"/>
+        <p:cNvPr id="106" name="Shape 106"/>
         <p:cNvGrpSpPr/>
         <p:nvPr/>
       </p:nvGrpSpPr>
@@ -2341,7 +2196,7 @@
       </p:grpSpPr>
       <p:sp>
         <p:nvSpPr>
-          <p:cNvPr id="111" name="Google Shape;111;g34a116c0306_2_0:notes"/>
+          <p:cNvPr id="107" name="Google Shape;107;g34a116c0306_2_5:notes"/>
           <p:cNvSpPr/>
           <p:nvPr>
             <p:ph idx="2" type="sldImg"/>
@@ -2376,7 +2231,7 @@
       </p:sp>
       <p:sp>
         <p:nvSpPr>
-          <p:cNvPr id="112" name="Google Shape;112;g34a116c0306_2_0:notes"/>
+          <p:cNvPr id="108" name="Google Shape;108;g34a116c0306_2_5:notes"/>
           <p:cNvSpPr txBox="1"/>
           <p:nvPr>
             <p:ph idx="1" type="body"/>
@@ -2407,12 +2262,7 @@
               <a:buNone/>
             </a:pPr>
             <a:r>
-              <a:rPr lang="en-US">
-                <a:solidFill>
-                  <a:srgbClr val="13294B"/>
-                </a:solidFill>
-              </a:rPr>
-              <a:t>Diffusion Coefficient of U(4+) in FLiBe is 1.269e-6 cm2/s</a:t>
+              <a:t/>
             </a:r>
             <a:endParaRPr/>
           </a:p>
@@ -2420,7 +2270,7 @@
       </p:sp>
       <p:sp>
         <p:nvSpPr>
-          <p:cNvPr id="113" name="Google Shape;113;g34a116c0306_2_0:notes"/>
+          <p:cNvPr id="109" name="Google Shape;109;g34a116c0306_2_5:notes"/>
           <p:cNvSpPr txBox="1"/>
           <p:nvPr>
             <p:ph idx="12" type="sldNum"/>
@@ -2471,12 +2321,12 @@
 </p:notes>
 </file>
 
-<file path=ppt/notesSlides/notesSlide15.xml><?xml version="1.0" encoding="utf-8"?>
+<file path=ppt/notesSlides/notesSlide14.xml><?xml version="1.0" encoding="utf-8"?>
 <p:notes xmlns:a="http://schemas.openxmlformats.org/drawingml/2006/main" xmlns:r="http://schemas.openxmlformats.org/officeDocument/2006/relationships" xmlns:mc="http://schemas.openxmlformats.org/markup-compatibility/2006" xmlns:mv="urn:schemas-microsoft-com:mac:vml" xmlns:p="http://schemas.openxmlformats.org/presentationml/2006/main" xmlns:c="http://schemas.openxmlformats.org/drawingml/2006/chart" xmlns:dgm="http://schemas.openxmlformats.org/drawingml/2006/diagram" xmlns:o="urn:schemas-microsoft-com:office:office" xmlns:v="urn:schemas-microsoft-com:vml" xmlns:pvml="urn:schemas-microsoft-com:office:powerpoint" xmlns:com="http://schemas.openxmlformats.org/drawingml/2006/compatibility" xmlns:p14="http://schemas.microsoft.com/office/powerpoint/2010/main" xmlns:p15="http://schemas.microsoft.com/office/powerpoint/2012/main" xmlns:ahyp="http://schemas.microsoft.com/office/drawing/2018/hyperlinkcolor" showMasterPhAnim="0" showMasterSp="0">
   <p:cSld>
     <p:spTree>
       <p:nvGrpSpPr>
-        <p:cNvPr id="116" name="Shape 116"/>
+        <p:cNvPr id="112" name="Shape 112"/>
         <p:cNvGrpSpPr/>
         <p:nvPr/>
       </p:nvGrpSpPr>
@@ -2490,7 +2340,7 @@
       </p:grpSpPr>
       <p:sp>
         <p:nvSpPr>
-          <p:cNvPr id="117" name="Google Shape;117;g34389be0845_3_4:notes"/>
+          <p:cNvPr id="113" name="Google Shape;113;g3470fe63cff_0_45:notes"/>
           <p:cNvSpPr txBox="1"/>
           <p:nvPr>
             <p:ph idx="1" type="body"/>
@@ -2537,7 +2387,7 @@
       </p:sp>
       <p:sp>
         <p:nvSpPr>
-          <p:cNvPr id="118" name="Google Shape;118;g34389be0845_3_4:notes"/>
+          <p:cNvPr id="114" name="Google Shape;114;g3470fe63cff_0_45:notes"/>
           <p:cNvSpPr/>
           <p:nvPr>
             <p:ph idx="2" type="sldImg"/>
@@ -2588,12 +2438,12 @@
 </p:notes>
 </file>
 
-<file path=ppt/notesSlides/notesSlide16.xml><?xml version="1.0" encoding="utf-8"?>
+<file path=ppt/notesSlides/notesSlide15.xml><?xml version="1.0" encoding="utf-8"?>
 <p:notes xmlns:a="http://schemas.openxmlformats.org/drawingml/2006/main" xmlns:r="http://schemas.openxmlformats.org/officeDocument/2006/relationships" xmlns:mc="http://schemas.openxmlformats.org/markup-compatibility/2006" xmlns:mv="urn:schemas-microsoft-com:mac:vml" xmlns:p="http://schemas.openxmlformats.org/presentationml/2006/main" xmlns:c="http://schemas.openxmlformats.org/drawingml/2006/chart" xmlns:dgm="http://schemas.openxmlformats.org/drawingml/2006/diagram" xmlns:o="urn:schemas-microsoft-com:office:office" xmlns:v="urn:schemas-microsoft-com:vml" xmlns:pvml="urn:schemas-microsoft-com:office:powerpoint" xmlns:com="http://schemas.openxmlformats.org/drawingml/2006/compatibility" xmlns:p14="http://schemas.microsoft.com/office/powerpoint/2010/main" xmlns:p15="http://schemas.microsoft.com/office/powerpoint/2012/main" xmlns:ahyp="http://schemas.microsoft.com/office/drawing/2018/hyperlinkcolor" showMasterPhAnim="0" showMasterSp="0">
   <p:cSld>
     <p:spTree>
       <p:nvGrpSpPr>
-        <p:cNvPr id="121" name="Shape 121"/>
+        <p:cNvPr id="117" name="Shape 117"/>
         <p:cNvGrpSpPr/>
         <p:nvPr/>
       </p:nvGrpSpPr>
@@ -2607,7 +2457,156 @@
       </p:grpSpPr>
       <p:sp>
         <p:nvSpPr>
-          <p:cNvPr id="122" name="Google Shape;122;g34389be0845_5_1:notes"/>
+          <p:cNvPr id="118" name="Google Shape;118;g34a116c0306_2_0:notes"/>
+          <p:cNvSpPr/>
+          <p:nvPr>
+            <p:ph idx="2" type="sldImg"/>
+          </p:nvPr>
+        </p:nvSpPr>
+        <p:spPr>
+          <a:xfrm>
+            <a:off x="685800" y="1143000"/>
+            <a:ext cx="5486400" cy="3086100"/>
+          </a:xfrm>
+          <a:custGeom>
+            <a:rect b="b" l="l" r="r" t="t"/>
+            <a:pathLst>
+              <a:path extrusionOk="0" h="120000" w="120000">
+                <a:moveTo>
+                  <a:pt x="0" y="0"/>
+                </a:moveTo>
+                <a:lnTo>
+                  <a:pt x="120000" y="0"/>
+                </a:lnTo>
+                <a:lnTo>
+                  <a:pt x="120000" y="120000"/>
+                </a:lnTo>
+                <a:lnTo>
+                  <a:pt x="0" y="120000"/>
+                </a:lnTo>
+                <a:close/>
+              </a:path>
+            </a:pathLst>
+          </a:custGeom>
+        </p:spPr>
+      </p:sp>
+      <p:sp>
+        <p:nvSpPr>
+          <p:cNvPr id="119" name="Google Shape;119;g34a116c0306_2_0:notes"/>
+          <p:cNvSpPr txBox="1"/>
+          <p:nvPr>
+            <p:ph idx="1" type="body"/>
+          </p:nvPr>
+        </p:nvSpPr>
+        <p:spPr>
+          <a:xfrm>
+            <a:off x="685800" y="4400550"/>
+            <a:ext cx="5486400" cy="3600600"/>
+          </a:xfrm>
+          <a:prstGeom prst="rect">
+            <a:avLst/>
+          </a:prstGeom>
+        </p:spPr>
+        <p:txBody>
+          <a:bodyPr anchorCtr="0" anchor="t" bIns="45700" lIns="91425" spcFirstLastPara="1" rIns="91425" wrap="square" tIns="45700">
+            <a:noAutofit/>
+          </a:bodyPr>
+          <a:lstStyle/>
+          <a:p>
+            <a:pPr indent="0" lvl="0" marL="0" rtl="0" algn="l">
+              <a:spcBef>
+                <a:spcPts val="0"/>
+              </a:spcBef>
+              <a:spcAft>
+                <a:spcPts val="0"/>
+              </a:spcAft>
+              <a:buNone/>
+            </a:pPr>
+            <a:r>
+              <a:rPr lang="en-US">
+                <a:solidFill>
+                  <a:srgbClr val="13294B"/>
+                </a:solidFill>
+              </a:rPr>
+              <a:t>Diffusion Coefficient of U(4+) in FLiBe is 1.269e-6 cm2/s</a:t>
+            </a:r>
+            <a:endParaRPr/>
+          </a:p>
+        </p:txBody>
+      </p:sp>
+      <p:sp>
+        <p:nvSpPr>
+          <p:cNvPr id="120" name="Google Shape;120;g34a116c0306_2_0:notes"/>
+          <p:cNvSpPr txBox="1"/>
+          <p:nvPr>
+            <p:ph idx="12" type="sldNum"/>
+          </p:nvPr>
+        </p:nvSpPr>
+        <p:spPr>
+          <a:xfrm>
+            <a:off x="3884613" y="8685213"/>
+            <a:ext cx="2971800" cy="458700"/>
+          </a:xfrm>
+          <a:prstGeom prst="rect">
+            <a:avLst/>
+          </a:prstGeom>
+        </p:spPr>
+        <p:txBody>
+          <a:bodyPr anchorCtr="0" anchor="b" bIns="45700" lIns="91425" spcFirstLastPara="1" rIns="91425" wrap="square" tIns="45700">
+            <a:noAutofit/>
+          </a:bodyPr>
+          <a:lstStyle/>
+          <a:p>
+            <a:pPr indent="0" lvl="0" marL="0" rtl="0" algn="r">
+              <a:spcBef>
+                <a:spcPts val="0"/>
+              </a:spcBef>
+              <a:spcAft>
+                <a:spcPts val="0"/>
+              </a:spcAft>
+              <a:buClr>
+                <a:srgbClr val="000000"/>
+              </a:buClr>
+              <a:buSzPts val="1200"/>
+              <a:buFont typeface="Arial"/>
+              <a:buNone/>
+            </a:pPr>
+            <a:fld id="{00000000-1234-1234-1234-123412341234}" type="slidenum">
+              <a:rPr lang="en-US"/>
+              <a:t>‹#›</a:t>
+            </a:fld>
+            <a:endParaRPr/>
+          </a:p>
+        </p:txBody>
+      </p:sp>
+    </p:spTree>
+  </p:cSld>
+  <p:clrMapOvr>
+    <a:masterClrMapping/>
+  </p:clrMapOvr>
+</p:notes>
+</file>
+
+<file path=ppt/notesSlides/notesSlide16.xml><?xml version="1.0" encoding="utf-8"?>
+<p:notes xmlns:a="http://schemas.openxmlformats.org/drawingml/2006/main" xmlns:r="http://schemas.openxmlformats.org/officeDocument/2006/relationships" xmlns:mc="http://schemas.openxmlformats.org/markup-compatibility/2006" xmlns:mv="urn:schemas-microsoft-com:mac:vml" xmlns:p="http://schemas.openxmlformats.org/presentationml/2006/main" xmlns:c="http://schemas.openxmlformats.org/drawingml/2006/chart" xmlns:dgm="http://schemas.openxmlformats.org/drawingml/2006/diagram" xmlns:o="urn:schemas-microsoft-com:office:office" xmlns:v="urn:schemas-microsoft-com:vml" xmlns:pvml="urn:schemas-microsoft-com:office:powerpoint" xmlns:com="http://schemas.openxmlformats.org/drawingml/2006/compatibility" xmlns:p14="http://schemas.microsoft.com/office/powerpoint/2010/main" xmlns:p15="http://schemas.microsoft.com/office/powerpoint/2012/main" xmlns:ahyp="http://schemas.microsoft.com/office/drawing/2018/hyperlinkcolor" showMasterPhAnim="0" showMasterSp="0">
+  <p:cSld>
+    <p:spTree>
+      <p:nvGrpSpPr>
+        <p:cNvPr id="123" name="Shape 123"/>
+        <p:cNvGrpSpPr/>
+        <p:nvPr/>
+      </p:nvGrpSpPr>
+      <p:grpSpPr>
+        <a:xfrm>
+          <a:off x="0" y="0"/>
+          <a:ext cx="0" cy="0"/>
+          <a:chOff x="0" y="0"/>
+          <a:chExt cx="0" cy="0"/>
+        </a:xfrm>
+      </p:grpSpPr>
+      <p:sp>
+        <p:nvSpPr>
+          <p:cNvPr id="124" name="Google Shape;124;g34389be0845_3_4:notes"/>
           <p:cNvSpPr txBox="1"/>
           <p:nvPr>
             <p:ph idx="1" type="body"/>
@@ -2646,28 +2645,7 @@
               <a:buNone/>
             </a:pPr>
             <a:r>
-              <a:rPr lang="en-US"/>
-              <a:t>David</a:t>
-            </a:r>
-            <a:endParaRPr/>
-          </a:p>
-          <a:p>
-            <a:pPr indent="-317500" lvl="0" marL="457200" rtl="0" algn="l">
-              <a:lnSpc>
-                <a:spcPct val="100000"/>
-              </a:lnSpc>
-              <a:spcBef>
-                <a:spcPts val="0"/>
-              </a:spcBef>
-              <a:spcAft>
-                <a:spcPts val="0"/>
-              </a:spcAft>
-              <a:buSzPts val="1400"/>
-              <a:buAutoNum type="arabicPeriod"/>
-            </a:pPr>
-            <a:r>
-              <a:rPr lang="en-US"/>
-              <a:t>infinite batch burnup 412 equations</a:t>
+              <a:t/>
             </a:r>
             <a:endParaRPr/>
           </a:p>
@@ -2675,7 +2653,7 @@
       </p:sp>
       <p:sp>
         <p:nvSpPr>
-          <p:cNvPr id="123" name="Google Shape;123;g34389be0845_5_1:notes"/>
+          <p:cNvPr id="125" name="Google Shape;125;g34389be0845_3_4:notes"/>
           <p:cNvSpPr/>
           <p:nvPr>
             <p:ph idx="2" type="sldImg"/>
@@ -2731,7 +2709,7 @@
   <p:cSld>
     <p:spTree>
       <p:nvGrpSpPr>
-        <p:cNvPr id="127" name="Shape 127"/>
+        <p:cNvPr id="128" name="Shape 128"/>
         <p:cNvGrpSpPr/>
         <p:nvPr/>
       </p:nvGrpSpPr>
@@ -2745,7 +2723,7 @@
       </p:grpSpPr>
       <p:sp>
         <p:nvSpPr>
-          <p:cNvPr id="128" name="Google Shape;128;g34a116c0306_2_20:notes"/>
+          <p:cNvPr id="129" name="Google Shape;129;g34389be0845_5_1:notes"/>
           <p:cNvSpPr txBox="1"/>
           <p:nvPr>
             <p:ph idx="1" type="body"/>
@@ -2780,32 +2758,10 @@
               <a:spcAft>
                 <a:spcPts val="0"/>
               </a:spcAft>
-              <a:buSzPts val="1400"/>
               <a:buNone/>
             </a:pPr>
             <a:r>
-              <a:rPr lang="en-US"/>
-              <a:t>David</a:t>
-            </a:r>
-            <a:endParaRPr/>
-          </a:p>
-          <a:p>
-            <a:pPr indent="-317500" lvl="0" marL="457200" rtl="0" algn="l">
-              <a:lnSpc>
-                <a:spcPct val="100000"/>
-              </a:lnSpc>
-              <a:spcBef>
-                <a:spcPts val="0"/>
-              </a:spcBef>
-              <a:spcAft>
-                <a:spcPts val="0"/>
-              </a:spcAft>
-              <a:buSzPts val="1400"/>
-              <a:buAutoNum type="arabicPeriod"/>
-            </a:pPr>
-            <a:r>
-              <a:rPr lang="en-US"/>
-              <a:t>infinite batch burnup 412 equations</a:t>
+              <a:t/>
             </a:r>
             <a:endParaRPr/>
           </a:p>
@@ -2813,7 +2769,7 @@
       </p:sp>
       <p:sp>
         <p:nvSpPr>
-          <p:cNvPr id="129" name="Google Shape;129;g34a116c0306_2_20:notes"/>
+          <p:cNvPr id="130" name="Google Shape;130;g34389be0845_5_1:notes"/>
           <p:cNvSpPr/>
           <p:nvPr>
             <p:ph idx="2" type="sldImg"/>
@@ -2883,7 +2839,7 @@
       </p:grpSpPr>
       <p:sp>
         <p:nvSpPr>
-          <p:cNvPr id="135" name="Google Shape;135;g34a116c0306_2_10:notes"/>
+          <p:cNvPr id="135" name="Google Shape;135;g34a116c0306_2_20:notes"/>
           <p:cNvSpPr txBox="1"/>
           <p:nvPr>
             <p:ph idx="1" type="body"/>
@@ -2922,6 +2878,144 @@
               <a:buNone/>
             </a:pPr>
             <a:r>
+              <a:rPr lang="en-US"/>
+              <a:t>David</a:t>
+            </a:r>
+            <a:endParaRPr/>
+          </a:p>
+          <a:p>
+            <a:pPr indent="-317500" lvl="0" marL="457200" rtl="0" algn="l">
+              <a:lnSpc>
+                <a:spcPct val="100000"/>
+              </a:lnSpc>
+              <a:spcBef>
+                <a:spcPts val="0"/>
+              </a:spcBef>
+              <a:spcAft>
+                <a:spcPts val="0"/>
+              </a:spcAft>
+              <a:buSzPts val="1400"/>
+              <a:buAutoNum type="arabicPeriod"/>
+            </a:pPr>
+            <a:r>
+              <a:rPr lang="en-US"/>
+              <a:t>infinite batch burnup 412 equations</a:t>
+            </a:r>
+            <a:endParaRPr/>
+          </a:p>
+        </p:txBody>
+      </p:sp>
+      <p:sp>
+        <p:nvSpPr>
+          <p:cNvPr id="136" name="Google Shape;136;g34a116c0306_2_20:notes"/>
+          <p:cNvSpPr/>
+          <p:nvPr>
+            <p:ph idx="2" type="sldImg"/>
+          </p:nvPr>
+        </p:nvSpPr>
+        <p:spPr>
+          <a:xfrm>
+            <a:off x="685800" y="1143000"/>
+            <a:ext cx="5486400" cy="3086100"/>
+          </a:xfrm>
+          <a:custGeom>
+            <a:rect b="b" l="l" r="r" t="t"/>
+            <a:pathLst>
+              <a:path extrusionOk="0" h="120000" w="120000">
+                <a:moveTo>
+                  <a:pt x="0" y="0"/>
+                </a:moveTo>
+                <a:lnTo>
+                  <a:pt x="120000" y="0"/>
+                </a:lnTo>
+                <a:lnTo>
+                  <a:pt x="120000" y="120000"/>
+                </a:lnTo>
+                <a:lnTo>
+                  <a:pt x="0" y="120000"/>
+                </a:lnTo>
+                <a:close/>
+              </a:path>
+            </a:pathLst>
+          </a:custGeom>
+          <a:noFill/>
+          <a:ln cap="flat" cmpd="sng" w="12700">
+            <a:solidFill>
+              <a:srgbClr val="000000"/>
+            </a:solidFill>
+            <a:prstDash val="solid"/>
+            <a:round/>
+            <a:headEnd len="sm" w="sm" type="none"/>
+            <a:tailEnd len="sm" w="sm" type="none"/>
+          </a:ln>
+        </p:spPr>
+      </p:sp>
+    </p:spTree>
+  </p:cSld>
+  <p:clrMapOvr>
+    <a:masterClrMapping/>
+  </p:clrMapOvr>
+</p:notes>
+</file>
+
+<file path=ppt/notesSlides/notesSlide19.xml><?xml version="1.0" encoding="utf-8"?>
+<p:notes xmlns:a="http://schemas.openxmlformats.org/drawingml/2006/main" xmlns:r="http://schemas.openxmlformats.org/officeDocument/2006/relationships" xmlns:mc="http://schemas.openxmlformats.org/markup-compatibility/2006" xmlns:mv="urn:schemas-microsoft-com:mac:vml" xmlns:p="http://schemas.openxmlformats.org/presentationml/2006/main" xmlns:c="http://schemas.openxmlformats.org/drawingml/2006/chart" xmlns:dgm="http://schemas.openxmlformats.org/drawingml/2006/diagram" xmlns:o="urn:schemas-microsoft-com:office:office" xmlns:v="urn:schemas-microsoft-com:vml" xmlns:pvml="urn:schemas-microsoft-com:office:powerpoint" xmlns:com="http://schemas.openxmlformats.org/drawingml/2006/compatibility" xmlns:p14="http://schemas.microsoft.com/office/powerpoint/2010/main" xmlns:p15="http://schemas.microsoft.com/office/powerpoint/2012/main" xmlns:ahyp="http://schemas.microsoft.com/office/drawing/2018/hyperlinkcolor" showMasterPhAnim="0" showMasterSp="0">
+  <p:cSld>
+    <p:spTree>
+      <p:nvGrpSpPr>
+        <p:cNvPr id="141" name="Shape 141"/>
+        <p:cNvGrpSpPr/>
+        <p:nvPr/>
+      </p:nvGrpSpPr>
+      <p:grpSpPr>
+        <a:xfrm>
+          <a:off x="0" y="0"/>
+          <a:ext cx="0" cy="0"/>
+          <a:chOff x="0" y="0"/>
+          <a:chExt cx="0" cy="0"/>
+        </a:xfrm>
+      </p:grpSpPr>
+      <p:sp>
+        <p:nvSpPr>
+          <p:cNvPr id="142" name="Google Shape;142;g34a116c0306_2_10:notes"/>
+          <p:cNvSpPr txBox="1"/>
+          <p:nvPr>
+            <p:ph idx="1" type="body"/>
+          </p:nvPr>
+        </p:nvSpPr>
+        <p:spPr>
+          <a:xfrm>
+            <a:off x="685800" y="4400550"/>
+            <a:ext cx="5486400" cy="3600600"/>
+          </a:xfrm>
+          <a:prstGeom prst="rect">
+            <a:avLst/>
+          </a:prstGeom>
+          <a:noFill/>
+          <a:ln>
+            <a:noFill/>
+          </a:ln>
+        </p:spPr>
+        <p:txBody>
+          <a:bodyPr anchorCtr="0" anchor="t" bIns="45700" lIns="91425" spcFirstLastPara="1" rIns="91425" wrap="square" tIns="45700">
+            <a:noAutofit/>
+          </a:bodyPr>
+          <a:lstStyle/>
+          <a:p>
+            <a:pPr indent="0" lvl="0" marL="0" rtl="0" algn="l">
+              <a:lnSpc>
+                <a:spcPct val="100000"/>
+              </a:lnSpc>
+              <a:spcBef>
+                <a:spcPts val="0"/>
+              </a:spcBef>
+              <a:spcAft>
+                <a:spcPts val="0"/>
+              </a:spcAft>
+              <a:buSzPts val="1400"/>
+              <a:buNone/>
+            </a:pPr>
+            <a:r>
               <a:t/>
             </a:r>
             <a:endParaRPr/>
@@ -2930,7 +3024,7 @@
       </p:sp>
       <p:sp>
         <p:nvSpPr>
-          <p:cNvPr id="136" name="Google Shape;136;g34a116c0306_2_10:notes"/>
+          <p:cNvPr id="143" name="Google Shape;143;g34a116c0306_2_10:notes"/>
           <p:cNvSpPr/>
           <p:nvPr>
             <p:ph idx="2" type="sldImg"/>
@@ -3000,7 +3094,7 @@
       </p:grpSpPr>
       <p:sp>
         <p:nvSpPr>
-          <p:cNvPr id="36" name="Google Shape;36;g33b43524e75_0_25:notes"/>
+          <p:cNvPr id="36" name="Google Shape;36;g34a0d171e5d_0_68:notes"/>
           <p:cNvSpPr txBox="1"/>
           <p:nvPr>
             <p:ph idx="1" type="body"/>
@@ -3039,8 +3133,7 @@
               <a:buNone/>
             </a:pPr>
             <a:r>
-              <a:rPr lang="en-US"/>
-              <a:t>say like we took a step back this past week to review our design in context of what has been done </a:t>
+              <a:t/>
             </a:r>
             <a:endParaRPr/>
           </a:p>
@@ -3048,7 +3141,7 @@
       </p:sp>
       <p:sp>
         <p:nvSpPr>
-          <p:cNvPr id="37" name="Google Shape;37;g33b43524e75_0_25:notes"/>
+          <p:cNvPr id="37" name="Google Shape;37;g34a0d171e5d_0_68:notes"/>
           <p:cNvSpPr/>
           <p:nvPr>
             <p:ph idx="2" type="sldImg"/>
@@ -3104,7 +3197,7 @@
   <p:cSld>
     <p:spTree>
       <p:nvGrpSpPr>
-        <p:cNvPr id="40" name="Shape 40"/>
+        <p:cNvPr id="42" name="Shape 42"/>
         <p:cNvGrpSpPr/>
         <p:nvPr/>
       </p:nvGrpSpPr>
@@ -3118,7 +3211,7 @@
       </p:grpSpPr>
       <p:sp>
         <p:nvSpPr>
-          <p:cNvPr id="41" name="Google Shape;41;p2:notes"/>
+          <p:cNvPr id="43" name="Google Shape;43;g33b43524e75_0_25:notes"/>
           <p:cNvSpPr txBox="1"/>
           <p:nvPr>
             <p:ph idx="1" type="body"/>
@@ -3127,7 +3220,7 @@
         <p:spPr>
           <a:xfrm>
             <a:off x="685800" y="4400550"/>
-            <a:ext cx="5486400" cy="3600450"/>
+            <a:ext cx="5486400" cy="3600600"/>
           </a:xfrm>
           <a:prstGeom prst="rect">
             <a:avLst/>
@@ -3157,8 +3250,7 @@
               <a:buNone/>
             </a:pPr>
             <a:r>
-              <a:rPr lang="en-US"/>
-              <a:t>david</a:t>
+              <a:t/>
             </a:r>
             <a:endParaRPr/>
           </a:p>
@@ -3166,7 +3258,7 @@
       </p:sp>
       <p:sp>
         <p:nvSpPr>
-          <p:cNvPr id="42" name="Google Shape;42;p2:notes"/>
+          <p:cNvPr id="44" name="Google Shape;44;g33b43524e75_0_25:notes"/>
           <p:cNvSpPr/>
           <p:nvPr>
             <p:ph idx="2" type="sldImg"/>
@@ -3222,7 +3314,7 @@
   <p:cSld>
     <p:spTree>
       <p:nvGrpSpPr>
-        <p:cNvPr id="46" name="Shape 46"/>
+        <p:cNvPr id="47" name="Shape 47"/>
         <p:cNvGrpSpPr/>
         <p:nvPr/>
       </p:nvGrpSpPr>
@@ -3236,7 +3328,7 @@
       </p:grpSpPr>
       <p:sp>
         <p:nvSpPr>
-          <p:cNvPr id="47" name="Google Shape;47;g33b43524e75_0_0:notes"/>
+          <p:cNvPr id="48" name="Google Shape;48;p2:notes"/>
           <p:cNvSpPr txBox="1"/>
           <p:nvPr>
             <p:ph idx="1" type="body"/>
@@ -3245,7 +3337,7 @@
         <p:spPr>
           <a:xfrm>
             <a:off x="685800" y="4400550"/>
-            <a:ext cx="5486400" cy="3600600"/>
+            <a:ext cx="5486400" cy="3600450"/>
           </a:xfrm>
           <a:prstGeom prst="rect">
             <a:avLst/>
@@ -3271,16 +3363,11 @@
               <a:spcAft>
                 <a:spcPts val="0"/>
               </a:spcAft>
-              <a:buClr>
-                <a:schemeClr val="dk1"/>
-              </a:buClr>
               <a:buSzPts val="1400"/>
-              <a:buFont typeface="Arial"/>
               <a:buNone/>
             </a:pPr>
             <a:r>
-              <a:rPr lang="en-US"/>
-              <a:t>david</a:t>
+              <a:t/>
             </a:r>
             <a:endParaRPr/>
           </a:p>
@@ -3288,7 +3375,7 @@
       </p:sp>
       <p:sp>
         <p:nvSpPr>
-          <p:cNvPr id="48" name="Google Shape;48;g33b43524e75_0_0:notes"/>
+          <p:cNvPr id="49" name="Google Shape;49;p2:notes"/>
           <p:cNvSpPr/>
           <p:nvPr>
             <p:ph idx="2" type="sldImg"/>
@@ -3344,7 +3431,7 @@
   <p:cSld>
     <p:spTree>
       <p:nvGrpSpPr>
-        <p:cNvPr id="52" name="Shape 52"/>
+        <p:cNvPr id="53" name="Shape 53"/>
         <p:cNvGrpSpPr/>
         <p:nvPr/>
       </p:nvGrpSpPr>
@@ -3358,7 +3445,7 @@
       </p:grpSpPr>
       <p:sp>
         <p:nvSpPr>
-          <p:cNvPr id="53" name="Google Shape;53;g33b43524e75_0_74:notes"/>
+          <p:cNvPr id="54" name="Google Shape;54;g33b43524e75_0_0:notes"/>
           <p:cNvSpPr txBox="1"/>
           <p:nvPr>
             <p:ph idx="1" type="body"/>
@@ -3401,8 +3488,7 @@
               <a:buNone/>
             </a:pPr>
             <a:r>
-              <a:rPr lang="en-US"/>
-              <a:t>david</a:t>
+              <a:t/>
             </a:r>
             <a:endParaRPr/>
           </a:p>
@@ -3410,7 +3496,7 @@
       </p:sp>
       <p:sp>
         <p:nvSpPr>
-          <p:cNvPr id="54" name="Google Shape;54;g33b43524e75_0_74:notes"/>
+          <p:cNvPr id="55" name="Google Shape;55;g33b43524e75_0_0:notes"/>
           <p:cNvSpPr/>
           <p:nvPr>
             <p:ph idx="2" type="sldImg"/>
@@ -3466,7 +3552,7 @@
   <p:cSld>
     <p:spTree>
       <p:nvGrpSpPr>
-        <p:cNvPr id="58" name="Shape 58"/>
+        <p:cNvPr id="59" name="Shape 59"/>
         <p:cNvGrpSpPr/>
         <p:nvPr/>
       </p:nvGrpSpPr>
@@ -3480,7 +3566,7 @@
       </p:grpSpPr>
       <p:sp>
         <p:nvSpPr>
-          <p:cNvPr id="59" name="Google Shape;59;g33b4860b625_1_51:notes"/>
+          <p:cNvPr id="60" name="Google Shape;60;g33b43524e75_0_74:notes"/>
           <p:cNvSpPr txBox="1"/>
           <p:nvPr>
             <p:ph idx="1" type="body"/>
@@ -3515,7 +3601,11 @@
               <a:spcAft>
                 <a:spcPts val="0"/>
               </a:spcAft>
+              <a:buClr>
+                <a:schemeClr val="dk1"/>
+              </a:buClr>
               <a:buSzPts val="1400"/>
+              <a:buFont typeface="Arial"/>
               <a:buNone/>
             </a:pPr>
             <a:r>
@@ -3527,7 +3617,7 @@
       </p:sp>
       <p:sp>
         <p:nvSpPr>
-          <p:cNvPr id="60" name="Google Shape;60;g33b4860b625_1_51:notes"/>
+          <p:cNvPr id="61" name="Google Shape;61;g33b43524e75_0_74:notes"/>
           <p:cNvSpPr/>
           <p:nvPr>
             <p:ph idx="2" type="sldImg"/>
@@ -3583,7 +3673,7 @@
   <p:cSld>
     <p:spTree>
       <p:nvGrpSpPr>
-        <p:cNvPr id="63" name="Shape 63"/>
+        <p:cNvPr id="65" name="Shape 65"/>
         <p:cNvGrpSpPr/>
         <p:nvPr/>
       </p:nvGrpSpPr>
@@ -3597,7 +3687,7 @@
       </p:grpSpPr>
       <p:sp>
         <p:nvSpPr>
-          <p:cNvPr id="64" name="Google Shape;64;g33b4860b625_1_69:notes"/>
+          <p:cNvPr id="66" name="Google Shape;66;g33b4860b625_1_51:notes"/>
           <p:cNvSpPr txBox="1"/>
           <p:nvPr>
             <p:ph idx="1" type="body"/>
@@ -3636,8 +3726,7 @@
               <a:buNone/>
             </a:pPr>
             <a:r>
-              <a:rPr lang="en-US"/>
-              <a:t>Joe</a:t>
+              <a:t/>
             </a:r>
             <a:endParaRPr/>
           </a:p>
@@ -3645,7 +3734,7 @@
       </p:sp>
       <p:sp>
         <p:nvSpPr>
-          <p:cNvPr id="65" name="Google Shape;65;g33b4860b625_1_69:notes"/>
+          <p:cNvPr id="67" name="Google Shape;67;g33b4860b625_1_51:notes"/>
           <p:cNvSpPr/>
           <p:nvPr>
             <p:ph idx="2" type="sldImg"/>
@@ -3701,7 +3790,7 @@
   <p:cSld>
     <p:spTree>
       <p:nvGrpSpPr>
-        <p:cNvPr id="69" name="Shape 69"/>
+        <p:cNvPr id="70" name="Shape 70"/>
         <p:cNvGrpSpPr/>
         <p:nvPr/>
       </p:nvGrpSpPr>
@@ -3715,7 +3804,7 @@
       </p:grpSpPr>
       <p:sp>
         <p:nvSpPr>
-          <p:cNvPr id="70" name="Google Shape;70;g34389be0845_0_17:notes"/>
+          <p:cNvPr id="71" name="Google Shape;71;g33b4860b625_1_69:notes"/>
           <p:cNvSpPr txBox="1"/>
           <p:nvPr>
             <p:ph idx="1" type="body"/>
@@ -3754,8 +3843,7 @@
               <a:buNone/>
             </a:pPr>
             <a:r>
-              <a:rPr lang="en-US"/>
-              <a:t>Joe</a:t>
+              <a:t/>
             </a:r>
             <a:endParaRPr/>
           </a:p>
@@ -3763,7 +3851,7 @@
       </p:sp>
       <p:sp>
         <p:nvSpPr>
-          <p:cNvPr id="71" name="Google Shape;71;g34389be0845_0_17:notes"/>
+          <p:cNvPr id="72" name="Google Shape;72;g33b4860b625_1_69:notes"/>
           <p:cNvSpPr/>
           <p:nvPr>
             <p:ph idx="2" type="sldImg"/>
@@ -3819,7 +3907,7 @@
   <p:cSld>
     <p:spTree>
       <p:nvGrpSpPr>
-        <p:cNvPr id="75" name="Shape 75"/>
+        <p:cNvPr id="76" name="Shape 76"/>
         <p:cNvGrpSpPr/>
         <p:nvPr/>
       </p:nvGrpSpPr>
@@ -3833,7 +3921,7 @@
       </p:grpSpPr>
       <p:sp>
         <p:nvSpPr>
-          <p:cNvPr id="76" name="Google Shape;76;g34a0d171e5d_0_8:notes"/>
+          <p:cNvPr id="77" name="Google Shape;77;g34389be0845_0_17:notes"/>
           <p:cNvSpPr txBox="1"/>
           <p:nvPr>
             <p:ph idx="1" type="body"/>
@@ -3872,8 +3960,7 @@
               <a:buNone/>
             </a:pPr>
             <a:r>
-              <a:rPr lang="en-US"/>
-              <a:t>Joe</a:t>
+              <a:t/>
             </a:r>
             <a:endParaRPr/>
           </a:p>
@@ -3881,7 +3968,7 @@
       </p:sp>
       <p:sp>
         <p:nvSpPr>
-          <p:cNvPr id="77" name="Google Shape;77;g34a0d171e5d_0_8:notes"/>
+          <p:cNvPr id="78" name="Google Shape;78;g34389be0845_0_17:notes"/>
           <p:cNvSpPr/>
           <p:nvPr>
             <p:ph idx="2" type="sldImg"/>
@@ -8366,7 +8453,7 @@
   <p:cSld>
     <p:spTree>
       <p:nvGrpSpPr>
-        <p:cNvPr id="84" name="Shape 84"/>
+        <p:cNvPr id="85" name="Shape 85"/>
         <p:cNvGrpSpPr/>
         <p:nvPr/>
       </p:nvGrpSpPr>
@@ -8380,7 +8467,7 @@
       </p:grpSpPr>
       <p:sp>
         <p:nvSpPr>
-          <p:cNvPr id="85" name="Google Shape;85;g34a0d171e5d_0_22"/>
+          <p:cNvPr id="86" name="Google Shape;86;g34a0d171e5d_0_8"/>
           <p:cNvSpPr txBox="1"/>
           <p:nvPr>
             <p:ph idx="4294967295" type="title"/>
@@ -8424,7 +8511,7 @@
             </a:pPr>
             <a:r>
               <a:rPr lang="en-US"/>
-              <a:t>Electrochemistry Module</a:t>
+              <a:t>Noble Metal Removal</a:t>
             </a:r>
             <a:endParaRPr/>
           </a:p>
@@ -8432,7 +8519,7 @@
       </p:sp>
       <p:sp>
         <p:nvSpPr>
-          <p:cNvPr id="86" name="Google Shape;86;g34a0d171e5d_0_22"/>
+          <p:cNvPr id="87" name="Google Shape;87;g34a0d171e5d_0_8"/>
           <p:cNvSpPr txBox="1"/>
           <p:nvPr/>
         </p:nvSpPr>
@@ -8482,6 +8569,333 @@
                 <a:cs typeface="Calibri"/>
                 <a:sym typeface="Calibri"/>
               </a:rPr>
+              <a:t>High surface area </a:t>
+            </a:r>
+            <a:r>
+              <a:rPr lang="en-US" sz="3000">
+                <a:solidFill>
+                  <a:srgbClr val="13294B"/>
+                </a:solidFill>
+                <a:latin typeface="Calibri"/>
+                <a:ea typeface="Calibri"/>
+                <a:cs typeface="Calibri"/>
+                <a:sym typeface="Calibri"/>
+              </a:rPr>
+              <a:t>nickel</a:t>
+            </a:r>
+            <a:r>
+              <a:rPr lang="en-US" sz="3000">
+                <a:solidFill>
+                  <a:srgbClr val="13294B"/>
+                </a:solidFill>
+                <a:latin typeface="Calibri"/>
+                <a:ea typeface="Calibri"/>
+                <a:cs typeface="Calibri"/>
+                <a:sym typeface="Calibri"/>
+              </a:rPr>
+              <a:t> “sponge”</a:t>
+            </a:r>
+            <a:endParaRPr sz="3000">
+              <a:solidFill>
+                <a:srgbClr val="13294B"/>
+              </a:solidFill>
+              <a:latin typeface="Calibri"/>
+              <a:ea typeface="Calibri"/>
+              <a:cs typeface="Calibri"/>
+              <a:sym typeface="Calibri"/>
+            </a:endParaRPr>
+          </a:p>
+          <a:p>
+            <a:pPr indent="-419100" lvl="0" marL="457200" marR="0" rtl="0" algn="l">
+              <a:lnSpc>
+                <a:spcPct val="100000"/>
+              </a:lnSpc>
+              <a:spcBef>
+                <a:spcPts val="0"/>
+              </a:spcBef>
+              <a:spcAft>
+                <a:spcPts val="0"/>
+              </a:spcAft>
+              <a:buClr>
+                <a:srgbClr val="13294B"/>
+              </a:buClr>
+              <a:buSzPts val="3000"/>
+              <a:buFont typeface="Calibri"/>
+              <a:buChar char="●"/>
+            </a:pPr>
+            <a:r>
+              <a:rPr lang="en-US" sz="3000">
+                <a:solidFill>
+                  <a:srgbClr val="13294B"/>
+                </a:solidFill>
+                <a:latin typeface="Calibri"/>
+                <a:ea typeface="Calibri"/>
+                <a:cs typeface="Calibri"/>
+                <a:sym typeface="Calibri"/>
+              </a:rPr>
+              <a:t>most of noble metals settle to the bottom of molten salt	</a:t>
+            </a:r>
+            <a:endParaRPr sz="3000">
+              <a:solidFill>
+                <a:srgbClr val="13294B"/>
+              </a:solidFill>
+              <a:latin typeface="Calibri"/>
+              <a:ea typeface="Calibri"/>
+              <a:cs typeface="Calibri"/>
+              <a:sym typeface="Calibri"/>
+            </a:endParaRPr>
+          </a:p>
+          <a:p>
+            <a:pPr indent="-419100" lvl="1" marL="914400" marR="0" rtl="0" algn="l">
+              <a:lnSpc>
+                <a:spcPct val="100000"/>
+              </a:lnSpc>
+              <a:spcBef>
+                <a:spcPts val="0"/>
+              </a:spcBef>
+              <a:spcAft>
+                <a:spcPts val="0"/>
+              </a:spcAft>
+              <a:buClr>
+                <a:srgbClr val="13294B"/>
+              </a:buClr>
+              <a:buSzPts val="3000"/>
+              <a:buFont typeface="Calibri"/>
+              <a:buChar char="○"/>
+            </a:pPr>
+            <a:r>
+              <a:rPr lang="en-US" sz="3000">
+                <a:solidFill>
+                  <a:srgbClr val="13294B"/>
+                </a:solidFill>
+                <a:latin typeface="Calibri"/>
+                <a:ea typeface="Calibri"/>
+                <a:cs typeface="Calibri"/>
+                <a:sym typeface="Calibri"/>
+              </a:rPr>
+              <a:t>They are typically insoluble in FLiBe, form particulates</a:t>
+            </a:r>
+            <a:endParaRPr sz="3000">
+              <a:solidFill>
+                <a:srgbClr val="13294B"/>
+              </a:solidFill>
+              <a:latin typeface="Calibri"/>
+              <a:ea typeface="Calibri"/>
+              <a:cs typeface="Calibri"/>
+              <a:sym typeface="Calibri"/>
+            </a:endParaRPr>
+          </a:p>
+          <a:p>
+            <a:pPr indent="-419100" lvl="0" marL="457200" marR="0" rtl="0" algn="l">
+              <a:lnSpc>
+                <a:spcPct val="100000"/>
+              </a:lnSpc>
+              <a:spcBef>
+                <a:spcPts val="0"/>
+              </a:spcBef>
+              <a:spcAft>
+                <a:spcPts val="0"/>
+              </a:spcAft>
+              <a:buClr>
+                <a:srgbClr val="13294B"/>
+              </a:buClr>
+              <a:buSzPts val="3000"/>
+              <a:buFont typeface="Calibri"/>
+              <a:buChar char="●"/>
+            </a:pPr>
+            <a:r>
+              <a:rPr lang="en-US" sz="3000">
+                <a:solidFill>
+                  <a:srgbClr val="13294B"/>
+                </a:solidFill>
+                <a:latin typeface="Calibri"/>
+                <a:ea typeface="Calibri"/>
+                <a:cs typeface="Calibri"/>
+                <a:sym typeface="Calibri"/>
+              </a:rPr>
+              <a:t>forms alloys with noble metals</a:t>
+            </a:r>
+            <a:endParaRPr sz="3000">
+              <a:solidFill>
+                <a:srgbClr val="13294B"/>
+              </a:solidFill>
+              <a:latin typeface="Calibri"/>
+              <a:ea typeface="Calibri"/>
+              <a:cs typeface="Calibri"/>
+              <a:sym typeface="Calibri"/>
+            </a:endParaRPr>
+          </a:p>
+          <a:p>
+            <a:pPr indent="-419100" lvl="0" marL="457200" marR="0" rtl="0" algn="l">
+              <a:lnSpc>
+                <a:spcPct val="100000"/>
+              </a:lnSpc>
+              <a:spcBef>
+                <a:spcPts val="0"/>
+              </a:spcBef>
+              <a:spcAft>
+                <a:spcPts val="0"/>
+              </a:spcAft>
+              <a:buClr>
+                <a:srgbClr val="13294B"/>
+              </a:buClr>
+              <a:buSzPts val="3000"/>
+              <a:buFont typeface="Calibri"/>
+              <a:buChar char="●"/>
+            </a:pPr>
+            <a:r>
+              <a:rPr lang="en-US" sz="3000">
+                <a:solidFill>
+                  <a:srgbClr val="13294B"/>
+                </a:solidFill>
+                <a:latin typeface="Calibri"/>
+                <a:ea typeface="Calibri"/>
+                <a:cs typeface="Calibri"/>
+                <a:sym typeface="Calibri"/>
+              </a:rPr>
+              <a:t>Nickel is corrosion resistant</a:t>
+            </a:r>
+            <a:endParaRPr sz="3000">
+              <a:solidFill>
+                <a:srgbClr val="13294B"/>
+              </a:solidFill>
+              <a:latin typeface="Calibri"/>
+              <a:ea typeface="Calibri"/>
+              <a:cs typeface="Calibri"/>
+              <a:sym typeface="Calibri"/>
+            </a:endParaRPr>
+          </a:p>
+        </p:txBody>
+      </p:sp>
+    </p:spTree>
+  </p:cSld>
+  <p:clrMapOvr>
+    <a:masterClrMapping/>
+  </p:clrMapOvr>
+</p:sld>
+</file>
+
+<file path=ppt/slides/slide11.xml><?xml version="1.0" encoding="utf-8"?>
+<p:sld xmlns:a="http://schemas.openxmlformats.org/drawingml/2006/main" xmlns:r="http://schemas.openxmlformats.org/officeDocument/2006/relationships" xmlns:mc="http://schemas.openxmlformats.org/markup-compatibility/2006" xmlns:mv="urn:schemas-microsoft-com:mac:vml" xmlns:p="http://schemas.openxmlformats.org/presentationml/2006/main" xmlns:c="http://schemas.openxmlformats.org/drawingml/2006/chart" xmlns:dgm="http://schemas.openxmlformats.org/drawingml/2006/diagram" xmlns:o="urn:schemas-microsoft-com:office:office" xmlns:v="urn:schemas-microsoft-com:vml" xmlns:pvml="urn:schemas-microsoft-com:office:powerpoint" xmlns:com="http://schemas.openxmlformats.org/drawingml/2006/compatibility" xmlns:p14="http://schemas.microsoft.com/office/powerpoint/2010/main" xmlns:p15="http://schemas.microsoft.com/office/powerpoint/2012/main" xmlns:ahyp="http://schemas.microsoft.com/office/drawing/2018/hyperlinkcolor">
+  <p:cSld>
+    <p:spTree>
+      <p:nvGrpSpPr>
+        <p:cNvPr id="91" name="Shape 91"/>
+        <p:cNvGrpSpPr/>
+        <p:nvPr/>
+      </p:nvGrpSpPr>
+      <p:grpSpPr>
+        <a:xfrm>
+          <a:off x="0" y="0"/>
+          <a:ext cx="0" cy="0"/>
+          <a:chOff x="0" y="0"/>
+          <a:chExt cx="0" cy="0"/>
+        </a:xfrm>
+      </p:grpSpPr>
+      <p:sp>
+        <p:nvSpPr>
+          <p:cNvPr id="92" name="Google Shape;92;g34a0d171e5d_0_22"/>
+          <p:cNvSpPr txBox="1"/>
+          <p:nvPr>
+            <p:ph idx="4294967295" type="title"/>
+          </p:nvPr>
+        </p:nvSpPr>
+        <p:spPr>
+          <a:xfrm>
+            <a:off x="709625" y="365125"/>
+            <a:ext cx="10995300" cy="1325700"/>
+          </a:xfrm>
+          <a:prstGeom prst="rect">
+            <a:avLst/>
+          </a:prstGeom>
+          <a:noFill/>
+          <a:ln>
+            <a:noFill/>
+          </a:ln>
+        </p:spPr>
+        <p:txBody>
+          <a:bodyPr anchorCtr="0" anchor="ctr" bIns="45700" lIns="91425" spcFirstLastPara="1" rIns="91425" wrap="square" tIns="45700">
+            <a:normAutofit/>
+          </a:bodyPr>
+          <a:lstStyle/>
+          <a:p>
+            <a:pPr indent="0" lvl="0" marL="0" rtl="0" algn="l">
+              <a:lnSpc>
+                <a:spcPct val="90000"/>
+              </a:lnSpc>
+              <a:spcBef>
+                <a:spcPts val="0"/>
+              </a:spcBef>
+              <a:spcAft>
+                <a:spcPts val="0"/>
+              </a:spcAft>
+              <a:buClr>
+                <a:srgbClr val="E84A27"/>
+              </a:buClr>
+              <a:buSzPts val="4400"/>
+              <a:buFont typeface="Georgia"/>
+              <a:buNone/>
+            </a:pPr>
+            <a:r>
+              <a:rPr lang="en-US"/>
+              <a:t>Electrochemistry Module</a:t>
+            </a:r>
+            <a:endParaRPr/>
+          </a:p>
+        </p:txBody>
+      </p:sp>
+      <p:sp>
+        <p:nvSpPr>
+          <p:cNvPr id="93" name="Google Shape;93;g34a0d171e5d_0_22"/>
+          <p:cNvSpPr txBox="1"/>
+          <p:nvPr/>
+        </p:nvSpPr>
+        <p:spPr>
+          <a:xfrm>
+            <a:off x="709625" y="1690825"/>
+            <a:ext cx="10995300" cy="4361700"/>
+          </a:xfrm>
+          <a:prstGeom prst="rect">
+            <a:avLst/>
+          </a:prstGeom>
+          <a:noFill/>
+          <a:ln>
+            <a:noFill/>
+          </a:ln>
+        </p:spPr>
+        <p:txBody>
+          <a:bodyPr anchorCtr="0" anchor="t" bIns="91425" lIns="91425" spcFirstLastPara="1" rIns="91425" wrap="square" tIns="91425">
+            <a:noAutofit/>
+          </a:bodyPr>
+          <a:lstStyle/>
+          <a:p>
+            <a:pPr indent="-419100" lvl="0" marL="457200" marR="0" rtl="0" algn="l">
+              <a:lnSpc>
+                <a:spcPct val="100000"/>
+              </a:lnSpc>
+              <a:spcBef>
+                <a:spcPts val="0"/>
+              </a:spcBef>
+              <a:spcAft>
+                <a:spcPts val="0"/>
+              </a:spcAft>
+              <a:buClr>
+                <a:srgbClr val="13294B"/>
+              </a:buClr>
+              <a:buSzPts val="3000"/>
+              <a:buFont typeface="Calibri"/>
+              <a:buChar char="●"/>
+            </a:pPr>
+            <a:r>
+              <a:rPr lang="en-US" sz="3000">
+                <a:solidFill>
+                  <a:srgbClr val="13294B"/>
+                </a:solidFill>
+                <a:latin typeface="Calibri"/>
+                <a:ea typeface="Calibri"/>
+                <a:cs typeface="Calibri"/>
+                <a:sym typeface="Calibri"/>
+              </a:rPr>
               <a:t>Electrochemically remove U and Pa</a:t>
             </a:r>
             <a:endParaRPr sz="3000">
@@ -8738,7 +9152,7 @@
       </p:sp>
       <p:pic>
         <p:nvPicPr>
-          <p:cNvPr id="87" name="Google Shape;87;g34a0d171e5d_0_22"/>
+          <p:cNvPr id="94" name="Google Shape;94;g34a0d171e5d_0_22"/>
           <p:cNvPicPr preferRelativeResize="0"/>
           <p:nvPr/>
         </p:nvPicPr>
@@ -8765,7 +9179,7 @@
       </p:pic>
       <p:sp>
         <p:nvSpPr>
-          <p:cNvPr id="88" name="Google Shape;88;g34a0d171e5d_0_22"/>
+          <p:cNvPr id="95" name="Google Shape;95;g34a0d171e5d_0_22"/>
           <p:cNvSpPr/>
           <p:nvPr/>
         </p:nvSpPr>
@@ -8821,7 +9235,7 @@
       </p:sp>
       <p:sp>
         <p:nvSpPr>
-          <p:cNvPr id="89" name="Google Shape;89;g34a0d171e5d_0_22"/>
+          <p:cNvPr id="96" name="Google Shape;96;g34a0d171e5d_0_22"/>
           <p:cNvSpPr/>
           <p:nvPr/>
         </p:nvSpPr>
@@ -8871,7 +9285,7 @@
       </p:sp>
       <p:pic>
         <p:nvPicPr>
-          <p:cNvPr id="90" name="Google Shape;90;g34a0d171e5d_0_22"/>
+          <p:cNvPr id="97" name="Google Shape;97;g34a0d171e5d_0_22"/>
           <p:cNvPicPr preferRelativeResize="0"/>
           <p:nvPr/>
         </p:nvPicPr>
@@ -8899,7 +9313,7 @@
       </p:pic>
       <p:sp>
         <p:nvSpPr>
-          <p:cNvPr id="91" name="Google Shape;91;g34a0d171e5d_0_22"/>
+          <p:cNvPr id="98" name="Google Shape;98;g34a0d171e5d_0_22"/>
           <p:cNvSpPr/>
           <p:nvPr/>
         </p:nvSpPr>
@@ -8951,9 +9365,9 @@
       </p:sp>
       <p:cxnSp>
         <p:nvCxnSpPr>
-          <p:cNvPr id="92" name="Google Shape;92;g34a0d171e5d_0_22"/>
+          <p:cNvPr id="99" name="Google Shape;99;g34a0d171e5d_0_22"/>
           <p:cNvCxnSpPr>
-            <a:stCxn id="91" idx="2"/>
+            <a:stCxn id="98" idx="2"/>
           </p:cNvCxnSpPr>
           <p:nvPr/>
         </p:nvCxnSpPr>
@@ -8979,9 +9393,9 @@
       </p:cxnSp>
       <p:cxnSp>
         <p:nvCxnSpPr>
-          <p:cNvPr id="93" name="Google Shape;93;g34a0d171e5d_0_22"/>
+          <p:cNvPr id="100" name="Google Shape;100;g34a0d171e5d_0_22"/>
           <p:cNvCxnSpPr>
-            <a:stCxn id="91" idx="5"/>
+            <a:stCxn id="98" idx="5"/>
           </p:cNvCxnSpPr>
           <p:nvPr/>
         </p:nvCxnSpPr>
@@ -9013,12 +9427,12 @@
 </p:sld>
 </file>
 
-<file path=ppt/slides/slide11.xml><?xml version="1.0" encoding="utf-8"?>
+<file path=ppt/slides/slide12.xml><?xml version="1.0" encoding="utf-8"?>
 <p:sld xmlns:a="http://schemas.openxmlformats.org/drawingml/2006/main" xmlns:r="http://schemas.openxmlformats.org/officeDocument/2006/relationships" xmlns:mc="http://schemas.openxmlformats.org/markup-compatibility/2006" xmlns:mv="urn:schemas-microsoft-com:mac:vml" xmlns:p="http://schemas.openxmlformats.org/presentationml/2006/main" xmlns:c="http://schemas.openxmlformats.org/drawingml/2006/chart" xmlns:dgm="http://schemas.openxmlformats.org/drawingml/2006/diagram" xmlns:o="urn:schemas-microsoft-com:office:office" xmlns:v="urn:schemas-microsoft-com:vml" xmlns:pvml="urn:schemas-microsoft-com:office:powerpoint" xmlns:com="http://schemas.openxmlformats.org/drawingml/2006/compatibility" xmlns:p14="http://schemas.microsoft.com/office/powerpoint/2010/main" xmlns:p15="http://schemas.microsoft.com/office/powerpoint/2012/main" xmlns:ahyp="http://schemas.microsoft.com/office/drawing/2018/hyperlinkcolor">
   <p:cSld>
     <p:spTree>
       <p:nvGrpSpPr>
-        <p:cNvPr id="97" name="Shape 97"/>
+        <p:cNvPr id="104" name="Shape 104"/>
         <p:cNvGrpSpPr/>
         <p:nvPr/>
       </p:nvGrpSpPr>
@@ -9032,7 +9446,7 @@
       </p:grpSpPr>
       <p:sp>
         <p:nvSpPr>
-          <p:cNvPr id="98" name="Google Shape;98;g3470fe63cff_0_0"/>
+          <p:cNvPr id="105" name="Google Shape;105;g3470fe63cff_0_0"/>
           <p:cNvSpPr txBox="1"/>
           <p:nvPr/>
         </p:nvSpPr>
@@ -9104,12 +9518,12 @@
 </p:sld>
 </file>
 
-<file path=ppt/slides/slide12.xml><?xml version="1.0" encoding="utf-8"?>
+<file path=ppt/slides/slide13.xml><?xml version="1.0" encoding="utf-8"?>
 <p:sld xmlns:a="http://schemas.openxmlformats.org/drawingml/2006/main" xmlns:r="http://schemas.openxmlformats.org/officeDocument/2006/relationships" xmlns:mc="http://schemas.openxmlformats.org/markup-compatibility/2006" xmlns:mv="urn:schemas-microsoft-com:mac:vml" xmlns:p="http://schemas.openxmlformats.org/presentationml/2006/main" xmlns:c="http://schemas.openxmlformats.org/drawingml/2006/chart" xmlns:dgm="http://schemas.openxmlformats.org/drawingml/2006/diagram" xmlns:o="urn:schemas-microsoft-com:office:office" xmlns:v="urn:schemas-microsoft-com:vml" xmlns:pvml="urn:schemas-microsoft-com:office:powerpoint" xmlns:com="http://schemas.openxmlformats.org/drawingml/2006/compatibility" xmlns:p14="http://schemas.microsoft.com/office/powerpoint/2010/main" xmlns:p15="http://schemas.microsoft.com/office/powerpoint/2012/main" xmlns:ahyp="http://schemas.microsoft.com/office/drawing/2018/hyperlinkcolor">
   <p:cSld>
     <p:spTree>
       <p:nvGrpSpPr>
-        <p:cNvPr id="103" name="Shape 103"/>
+        <p:cNvPr id="110" name="Shape 110"/>
         <p:cNvGrpSpPr/>
         <p:nvPr/>
       </p:nvGrpSpPr>
@@ -9123,7 +9537,7 @@
       </p:grpSpPr>
       <p:pic>
         <p:nvPicPr>
-          <p:cNvPr id="104" name="Google Shape;104;g34a116c0306_2_5" title="total_heat.png"/>
+          <p:cNvPr id="111" name="Google Shape;111;g34a116c0306_2_5" title="total_heat.png"/>
           <p:cNvPicPr preferRelativeResize="0"/>
           <p:nvPr/>
         </p:nvPicPr>
@@ -9157,12 +9571,12 @@
 </p:sld>
 </file>
 
-<file path=ppt/slides/slide13.xml><?xml version="1.0" encoding="utf-8"?>
+<file path=ppt/slides/slide14.xml><?xml version="1.0" encoding="utf-8"?>
 <p:sld xmlns:a="http://schemas.openxmlformats.org/drawingml/2006/main" xmlns:r="http://schemas.openxmlformats.org/officeDocument/2006/relationships" xmlns:mc="http://schemas.openxmlformats.org/markup-compatibility/2006" xmlns:mv="urn:schemas-microsoft-com:mac:vml" xmlns:p="http://schemas.openxmlformats.org/presentationml/2006/main" xmlns:c="http://schemas.openxmlformats.org/drawingml/2006/chart" xmlns:dgm="http://schemas.openxmlformats.org/drawingml/2006/diagram" xmlns:o="urn:schemas-microsoft-com:office:office" xmlns:v="urn:schemas-microsoft-com:vml" xmlns:pvml="urn:schemas-microsoft-com:office:powerpoint" xmlns:com="http://schemas.openxmlformats.org/drawingml/2006/compatibility" xmlns:p14="http://schemas.microsoft.com/office/powerpoint/2010/main" xmlns:p15="http://schemas.microsoft.com/office/powerpoint/2012/main" xmlns:ahyp="http://schemas.microsoft.com/office/drawing/2018/hyperlinkcolor">
   <p:cSld>
     <p:spTree>
       <p:nvGrpSpPr>
-        <p:cNvPr id="108" name="Shape 108"/>
+        <p:cNvPr id="115" name="Shape 115"/>
         <p:cNvGrpSpPr/>
         <p:nvPr/>
       </p:nvGrpSpPr>
@@ -9176,7 +9590,7 @@
       </p:grpSpPr>
       <p:sp>
         <p:nvSpPr>
-          <p:cNvPr id="109" name="Google Shape;109;g3470fe63cff_0_45"/>
+          <p:cNvPr id="116" name="Google Shape;116;g3470fe63cff_0_45"/>
           <p:cNvSpPr txBox="1"/>
           <p:nvPr/>
         </p:nvSpPr>
@@ -9528,12 +9942,12 @@
 </p:sld>
 </file>
 
-<file path=ppt/slides/slide14.xml><?xml version="1.0" encoding="utf-8"?>
+<file path=ppt/slides/slide15.xml><?xml version="1.0" encoding="utf-8"?>
 <p:sld xmlns:a="http://schemas.openxmlformats.org/drawingml/2006/main" xmlns:r="http://schemas.openxmlformats.org/officeDocument/2006/relationships" xmlns:mc="http://schemas.openxmlformats.org/markup-compatibility/2006" xmlns:mv="urn:schemas-microsoft-com:mac:vml" xmlns:p="http://schemas.openxmlformats.org/presentationml/2006/main" xmlns:c="http://schemas.openxmlformats.org/drawingml/2006/chart" xmlns:dgm="http://schemas.openxmlformats.org/drawingml/2006/diagram" xmlns:o="urn:schemas-microsoft-com:office:office" xmlns:v="urn:schemas-microsoft-com:vml" xmlns:pvml="urn:schemas-microsoft-com:office:powerpoint" xmlns:com="http://schemas.openxmlformats.org/drawingml/2006/compatibility" xmlns:p14="http://schemas.microsoft.com/office/powerpoint/2010/main" xmlns:p15="http://schemas.microsoft.com/office/powerpoint/2012/main" xmlns:ahyp="http://schemas.microsoft.com/office/drawing/2018/hyperlinkcolor">
   <p:cSld>
     <p:spTree>
       <p:nvGrpSpPr>
-        <p:cNvPr id="114" name="Shape 114"/>
+        <p:cNvPr id="121" name="Shape 121"/>
         <p:cNvGrpSpPr/>
         <p:nvPr/>
       </p:nvGrpSpPr>
@@ -9547,7 +9961,7 @@
       </p:grpSpPr>
       <p:pic>
         <p:nvPicPr>
-          <p:cNvPr id="115" name="Google Shape;115;g34a116c0306_2_0" title="utime.png"/>
+          <p:cNvPr id="122" name="Google Shape;122;g34a116c0306_2_0" title="utime.png"/>
           <p:cNvPicPr preferRelativeResize="0"/>
           <p:nvPr/>
         </p:nvPicPr>
@@ -9581,12 +9995,12 @@
 </p:sld>
 </file>
 
-<file path=ppt/slides/slide15.xml><?xml version="1.0" encoding="utf-8"?>
+<file path=ppt/slides/slide16.xml><?xml version="1.0" encoding="utf-8"?>
 <p:sld xmlns:a="http://schemas.openxmlformats.org/drawingml/2006/main" xmlns:r="http://schemas.openxmlformats.org/officeDocument/2006/relationships" xmlns:mc="http://schemas.openxmlformats.org/markup-compatibility/2006" xmlns:mv="urn:schemas-microsoft-com:mac:vml" xmlns:p="http://schemas.openxmlformats.org/presentationml/2006/main" xmlns:c="http://schemas.openxmlformats.org/drawingml/2006/chart" xmlns:dgm="http://schemas.openxmlformats.org/drawingml/2006/diagram" xmlns:o="urn:schemas-microsoft-com:office:office" xmlns:v="urn:schemas-microsoft-com:vml" xmlns:pvml="urn:schemas-microsoft-com:office:powerpoint" xmlns:com="http://schemas.openxmlformats.org/drawingml/2006/compatibility" xmlns:p14="http://schemas.microsoft.com/office/powerpoint/2010/main" xmlns:p15="http://schemas.microsoft.com/office/powerpoint/2012/main" xmlns:ahyp="http://schemas.microsoft.com/office/drawing/2018/hyperlinkcolor">
   <p:cSld>
     <p:spTree>
       <p:nvGrpSpPr>
-        <p:cNvPr id="119" name="Shape 119"/>
+        <p:cNvPr id="126" name="Shape 126"/>
         <p:cNvGrpSpPr/>
         <p:nvPr/>
       </p:nvGrpSpPr>
@@ -9600,7 +10014,7 @@
       </p:grpSpPr>
       <p:sp>
         <p:nvSpPr>
-          <p:cNvPr id="120" name="Google Shape;120;g34389be0845_3_4"/>
+          <p:cNvPr id="127" name="Google Shape;127;g34389be0845_3_4"/>
           <p:cNvSpPr txBox="1"/>
           <p:nvPr/>
         </p:nvSpPr>
@@ -9672,12 +10086,12 @@
 </p:sld>
 </file>
 
-<file path=ppt/slides/slide16.xml><?xml version="1.0" encoding="utf-8"?>
+<file path=ppt/slides/slide17.xml><?xml version="1.0" encoding="utf-8"?>
 <p:sld xmlns:a="http://schemas.openxmlformats.org/drawingml/2006/main" xmlns:r="http://schemas.openxmlformats.org/officeDocument/2006/relationships" xmlns:mc="http://schemas.openxmlformats.org/markup-compatibility/2006" xmlns:mv="urn:schemas-microsoft-com:mac:vml" xmlns:p="http://schemas.openxmlformats.org/presentationml/2006/main" xmlns:c="http://schemas.openxmlformats.org/drawingml/2006/chart" xmlns:dgm="http://schemas.openxmlformats.org/drawingml/2006/diagram" xmlns:o="urn:schemas-microsoft-com:office:office" xmlns:v="urn:schemas-microsoft-com:vml" xmlns:pvml="urn:schemas-microsoft-com:office:powerpoint" xmlns:com="http://schemas.openxmlformats.org/drawingml/2006/compatibility" xmlns:p14="http://schemas.microsoft.com/office/powerpoint/2010/main" xmlns:p15="http://schemas.microsoft.com/office/powerpoint/2012/main" xmlns:ahyp="http://schemas.microsoft.com/office/drawing/2018/hyperlinkcolor">
   <p:cSld>
     <p:spTree>
       <p:nvGrpSpPr>
-        <p:cNvPr id="124" name="Shape 124"/>
+        <p:cNvPr id="131" name="Shape 131"/>
         <p:cNvGrpSpPr/>
         <p:nvPr/>
       </p:nvGrpSpPr>
@@ -9691,7 +10105,7 @@
       </p:grpSpPr>
       <p:sp>
         <p:nvSpPr>
-          <p:cNvPr id="125" name="Google Shape;125;g34389be0845_5_1"/>
+          <p:cNvPr id="132" name="Google Shape;132;g34389be0845_5_1"/>
           <p:cNvSpPr txBox="1"/>
           <p:nvPr>
             <p:ph idx="4294967295" type="title"/>
@@ -9743,7 +10157,7 @@
       </p:sp>
       <p:sp>
         <p:nvSpPr>
-          <p:cNvPr id="126" name="Google Shape;126;g34389be0845_5_1"/>
+          <p:cNvPr id="133" name="Google Shape;133;g34389be0845_5_1"/>
           <p:cNvSpPr txBox="1"/>
           <p:nvPr/>
         </p:nvSpPr>
@@ -9994,1729 +10408,6 @@
                 <a:sym typeface="Calibri"/>
               </a:rPr>
               <a:t>Full lifetime economic analysis</a:t>
-            </a:r>
-            <a:endParaRPr sz="3000">
-              <a:solidFill>
-                <a:srgbClr val="13294B"/>
-              </a:solidFill>
-              <a:latin typeface="Calibri"/>
-              <a:ea typeface="Calibri"/>
-              <a:cs typeface="Calibri"/>
-              <a:sym typeface="Calibri"/>
-            </a:endParaRPr>
-          </a:p>
-        </p:txBody>
-      </p:sp>
-    </p:spTree>
-  </p:cSld>
-  <p:clrMapOvr>
-    <a:masterClrMapping/>
-  </p:clrMapOvr>
-</p:sld>
-</file>
-
-<file path=ppt/slides/slide17.xml><?xml version="1.0" encoding="utf-8"?>
-<p:sld xmlns:a="http://schemas.openxmlformats.org/drawingml/2006/main" xmlns:r="http://schemas.openxmlformats.org/officeDocument/2006/relationships" xmlns:mc="http://schemas.openxmlformats.org/markup-compatibility/2006" xmlns:mv="urn:schemas-microsoft-com:mac:vml" xmlns:p="http://schemas.openxmlformats.org/presentationml/2006/main" xmlns:c="http://schemas.openxmlformats.org/drawingml/2006/chart" xmlns:dgm="http://schemas.openxmlformats.org/drawingml/2006/diagram" xmlns:o="urn:schemas-microsoft-com:office:office" xmlns:v="urn:schemas-microsoft-com:vml" xmlns:pvml="urn:schemas-microsoft-com:office:powerpoint" xmlns:com="http://schemas.openxmlformats.org/drawingml/2006/compatibility" xmlns:p14="http://schemas.microsoft.com/office/powerpoint/2010/main" xmlns:p15="http://schemas.microsoft.com/office/powerpoint/2012/main" xmlns:ahyp="http://schemas.microsoft.com/office/drawing/2018/hyperlinkcolor">
-  <p:cSld>
-    <p:spTree>
-      <p:nvGrpSpPr>
-        <p:cNvPr id="130" name="Shape 130"/>
-        <p:cNvGrpSpPr/>
-        <p:nvPr/>
-      </p:nvGrpSpPr>
-      <p:grpSpPr>
-        <a:xfrm>
-          <a:off x="0" y="0"/>
-          <a:ext cx="0" cy="0"/>
-          <a:chOff x="0" y="0"/>
-          <a:chExt cx="0" cy="0"/>
-        </a:xfrm>
-      </p:grpSpPr>
-      <p:sp>
-        <p:nvSpPr>
-          <p:cNvPr id="131" name="Google Shape;131;g34a116c0306_2_20"/>
-          <p:cNvSpPr txBox="1"/>
-          <p:nvPr>
-            <p:ph idx="4294967295" type="title"/>
-          </p:nvPr>
-        </p:nvSpPr>
-        <p:spPr>
-          <a:xfrm>
-            <a:off x="709625" y="365125"/>
-            <a:ext cx="10995300" cy="1325700"/>
-          </a:xfrm>
-          <a:prstGeom prst="rect">
-            <a:avLst/>
-          </a:prstGeom>
-          <a:noFill/>
-          <a:ln>
-            <a:noFill/>
-          </a:ln>
-        </p:spPr>
-        <p:txBody>
-          <a:bodyPr anchorCtr="0" anchor="ctr" bIns="45700" lIns="91425" spcFirstLastPara="1" rIns="91425" wrap="square" tIns="45700">
-            <a:normAutofit/>
-          </a:bodyPr>
-          <a:lstStyle/>
-          <a:p>
-            <a:pPr indent="0" lvl="0" marL="0" rtl="0" algn="l">
-              <a:lnSpc>
-                <a:spcPct val="90000"/>
-              </a:lnSpc>
-              <a:spcBef>
-                <a:spcPts val="0"/>
-              </a:spcBef>
-              <a:spcAft>
-                <a:spcPts val="0"/>
-              </a:spcAft>
-              <a:buClr>
-                <a:srgbClr val="E84A27"/>
-              </a:buClr>
-              <a:buSzPts val="4400"/>
-              <a:buFont typeface="Georgia"/>
-              <a:buNone/>
-            </a:pPr>
-            <a:r>
-              <a:rPr lang="en-US"/>
-              <a:t>References</a:t>
-            </a:r>
-            <a:endParaRPr/>
-          </a:p>
-        </p:txBody>
-      </p:sp>
-      <p:sp>
-        <p:nvSpPr>
-          <p:cNvPr id="132" name="Google Shape;132;g34a116c0306_2_20"/>
-          <p:cNvSpPr txBox="1"/>
-          <p:nvPr/>
-        </p:nvSpPr>
-        <p:spPr>
-          <a:xfrm>
-            <a:off x="709625" y="1690825"/>
-            <a:ext cx="5506500" cy="4361700"/>
-          </a:xfrm>
-          <a:prstGeom prst="rect">
-            <a:avLst/>
-          </a:prstGeom>
-          <a:noFill/>
-          <a:ln>
-            <a:noFill/>
-          </a:ln>
-        </p:spPr>
-        <p:txBody>
-          <a:bodyPr anchorCtr="0" anchor="t" bIns="91425" lIns="91425" spcFirstLastPara="1" rIns="91425" wrap="square" tIns="91425">
-            <a:noAutofit/>
-          </a:bodyPr>
-          <a:lstStyle/>
-          <a:p>
-            <a:pPr indent="0" lvl="0" marL="0" rtl="0" algn="l">
-              <a:spcBef>
-                <a:spcPts val="0"/>
-              </a:spcBef>
-              <a:spcAft>
-                <a:spcPts val="0"/>
-              </a:spcAft>
-              <a:buNone/>
-            </a:pPr>
-            <a:r>
-              <a:rPr lang="en-US" sz="1000">
-                <a:solidFill>
-                  <a:srgbClr val="13294B"/>
-                </a:solidFill>
-                <a:latin typeface="Calibri"/>
-                <a:ea typeface="Calibri"/>
-                <a:cs typeface="Calibri"/>
-                <a:sym typeface="Calibri"/>
-              </a:rPr>
-              <a:t>[1] U. S. D. of Energy. Pathways to Commercial Liftoff: Advanced Nuclear. Tech. rep. Department</a:t>
-            </a:r>
-            <a:endParaRPr sz="1000">
-              <a:solidFill>
-                <a:srgbClr val="13294B"/>
-              </a:solidFill>
-              <a:latin typeface="Calibri"/>
-              <a:ea typeface="Calibri"/>
-              <a:cs typeface="Calibri"/>
-              <a:sym typeface="Calibri"/>
-            </a:endParaRPr>
-          </a:p>
-          <a:p>
-            <a:pPr indent="0" lvl="0" marL="0" rtl="0" algn="l">
-              <a:spcBef>
-                <a:spcPts val="0"/>
-              </a:spcBef>
-              <a:spcAft>
-                <a:spcPts val="0"/>
-              </a:spcAft>
-              <a:buNone/>
-            </a:pPr>
-            <a:r>
-              <a:rPr lang="en-US" sz="1000">
-                <a:solidFill>
-                  <a:srgbClr val="13294B"/>
-                </a:solidFill>
-                <a:latin typeface="Calibri"/>
-                <a:ea typeface="Calibri"/>
-                <a:cs typeface="Calibri"/>
-                <a:sym typeface="Calibri"/>
-              </a:rPr>
-              <a:t>of Energy, 2024.</a:t>
-            </a:r>
-            <a:endParaRPr sz="1000">
-              <a:solidFill>
-                <a:srgbClr val="13294B"/>
-              </a:solidFill>
-              <a:latin typeface="Calibri"/>
-              <a:ea typeface="Calibri"/>
-              <a:cs typeface="Calibri"/>
-              <a:sym typeface="Calibri"/>
-            </a:endParaRPr>
-          </a:p>
-          <a:p>
-            <a:pPr indent="0" lvl="0" marL="0" rtl="0" algn="l">
-              <a:spcBef>
-                <a:spcPts val="0"/>
-              </a:spcBef>
-              <a:spcAft>
-                <a:spcPts val="0"/>
-              </a:spcAft>
-              <a:buNone/>
-            </a:pPr>
-            <a:r>
-              <a:rPr lang="en-US" sz="1000">
-                <a:solidFill>
-                  <a:srgbClr val="13294B"/>
-                </a:solidFill>
-                <a:latin typeface="Calibri"/>
-                <a:ea typeface="Calibri"/>
-                <a:cs typeface="Calibri"/>
-                <a:sym typeface="Calibri"/>
-              </a:rPr>
-              <a:t>[2] A. P. P. Association. “America’s Electricity Generating Capacity”. In: (2024).</a:t>
-            </a:r>
-            <a:endParaRPr sz="1000">
-              <a:solidFill>
-                <a:srgbClr val="13294B"/>
-              </a:solidFill>
-              <a:latin typeface="Calibri"/>
-              <a:ea typeface="Calibri"/>
-              <a:cs typeface="Calibri"/>
-              <a:sym typeface="Calibri"/>
-            </a:endParaRPr>
-          </a:p>
-          <a:p>
-            <a:pPr indent="0" lvl="0" marL="0" rtl="0" algn="l">
-              <a:spcBef>
-                <a:spcPts val="0"/>
-              </a:spcBef>
-              <a:spcAft>
-                <a:spcPts val="0"/>
-              </a:spcAft>
-              <a:buNone/>
-            </a:pPr>
-            <a:r>
-              <a:rPr lang="en-US" sz="1000">
-                <a:solidFill>
-                  <a:srgbClr val="13294B"/>
-                </a:solidFill>
-                <a:latin typeface="Calibri"/>
-                <a:ea typeface="Calibri"/>
-                <a:cs typeface="Calibri"/>
-                <a:sym typeface="Calibri"/>
-              </a:rPr>
-              <a:t>[3] W. N. Association. “Nuclear Power Reactors”. In: (2025).</a:t>
-            </a:r>
-            <a:endParaRPr sz="1000">
-              <a:solidFill>
-                <a:srgbClr val="13294B"/>
-              </a:solidFill>
-              <a:latin typeface="Calibri"/>
-              <a:ea typeface="Calibri"/>
-              <a:cs typeface="Calibri"/>
-              <a:sym typeface="Calibri"/>
-            </a:endParaRPr>
-          </a:p>
-          <a:p>
-            <a:pPr indent="0" lvl="0" marL="0" rtl="0" algn="l">
-              <a:spcBef>
-                <a:spcPts val="0"/>
-              </a:spcBef>
-              <a:spcAft>
-                <a:spcPts val="0"/>
-              </a:spcAft>
-              <a:buNone/>
-            </a:pPr>
-            <a:r>
-              <a:rPr lang="en-US" sz="1000">
-                <a:solidFill>
-                  <a:srgbClr val="13294B"/>
-                </a:solidFill>
-                <a:latin typeface="Calibri"/>
-                <a:ea typeface="Calibri"/>
-                <a:cs typeface="Calibri"/>
-                <a:sym typeface="Calibri"/>
-              </a:rPr>
-              <a:t>[4] GIF R&amp;D OUTLOOK FOR GENERATION IV NUCLEAR ENERGY SYSTEMS. Tech. rep.</a:t>
-            </a:r>
-            <a:endParaRPr sz="1000">
-              <a:solidFill>
-                <a:srgbClr val="13294B"/>
-              </a:solidFill>
-              <a:latin typeface="Calibri"/>
-              <a:ea typeface="Calibri"/>
-              <a:cs typeface="Calibri"/>
-              <a:sym typeface="Calibri"/>
-            </a:endParaRPr>
-          </a:p>
-          <a:p>
-            <a:pPr indent="0" lvl="0" marL="0" rtl="0" algn="l">
-              <a:spcBef>
-                <a:spcPts val="0"/>
-              </a:spcBef>
-              <a:spcAft>
-                <a:spcPts val="0"/>
-              </a:spcAft>
-              <a:buNone/>
-            </a:pPr>
-            <a:r>
-              <a:rPr lang="en-US" sz="1000">
-                <a:solidFill>
-                  <a:srgbClr val="13294B"/>
-                </a:solidFill>
-                <a:latin typeface="Calibri"/>
-                <a:ea typeface="Calibri"/>
-                <a:cs typeface="Calibri"/>
-                <a:sym typeface="Calibri"/>
-              </a:rPr>
-              <a:t>Generation IV International Forum, 2018. url: https : / / www . gen - 4 . org / resources /</a:t>
-            </a:r>
-            <a:endParaRPr sz="1000">
-              <a:solidFill>
-                <a:srgbClr val="13294B"/>
-              </a:solidFill>
-              <a:latin typeface="Calibri"/>
-              <a:ea typeface="Calibri"/>
-              <a:cs typeface="Calibri"/>
-              <a:sym typeface="Calibri"/>
-            </a:endParaRPr>
-          </a:p>
-          <a:p>
-            <a:pPr indent="0" lvl="0" marL="0" rtl="0" algn="l">
-              <a:spcBef>
-                <a:spcPts val="0"/>
-              </a:spcBef>
-              <a:spcAft>
-                <a:spcPts val="0"/>
-              </a:spcAft>
-              <a:buNone/>
-            </a:pPr>
-            <a:r>
-              <a:rPr lang="en-US" sz="1000">
-                <a:solidFill>
-                  <a:srgbClr val="13294B"/>
-                </a:solidFill>
-                <a:latin typeface="Calibri"/>
-                <a:ea typeface="Calibri"/>
-                <a:cs typeface="Calibri"/>
-                <a:sym typeface="Calibri"/>
-              </a:rPr>
-              <a:t>reports/gif- research- and- development- outlook- generation- iv- nuclear- energy-</a:t>
-            </a:r>
-            <a:endParaRPr sz="1000">
-              <a:solidFill>
-                <a:srgbClr val="13294B"/>
-              </a:solidFill>
-              <a:latin typeface="Calibri"/>
-              <a:ea typeface="Calibri"/>
-              <a:cs typeface="Calibri"/>
-              <a:sym typeface="Calibri"/>
-            </a:endParaRPr>
-          </a:p>
-          <a:p>
-            <a:pPr indent="0" lvl="0" marL="0" rtl="0" algn="l">
-              <a:spcBef>
-                <a:spcPts val="0"/>
-              </a:spcBef>
-              <a:spcAft>
-                <a:spcPts val="0"/>
-              </a:spcAft>
-              <a:buNone/>
-            </a:pPr>
-            <a:r>
-              <a:rPr lang="en-US" sz="1000">
-                <a:solidFill>
-                  <a:srgbClr val="13294B"/>
-                </a:solidFill>
-                <a:latin typeface="Calibri"/>
-                <a:ea typeface="Calibri"/>
-                <a:cs typeface="Calibri"/>
-                <a:sym typeface="Calibri"/>
-              </a:rPr>
-              <a:t>systems-2018.</a:t>
-            </a:r>
-            <a:endParaRPr sz="1000">
-              <a:solidFill>
-                <a:srgbClr val="13294B"/>
-              </a:solidFill>
-              <a:latin typeface="Calibri"/>
-              <a:ea typeface="Calibri"/>
-              <a:cs typeface="Calibri"/>
-              <a:sym typeface="Calibri"/>
-            </a:endParaRPr>
-          </a:p>
-          <a:p>
-            <a:pPr indent="0" lvl="0" marL="0" rtl="0" algn="l">
-              <a:spcBef>
-                <a:spcPts val="0"/>
-              </a:spcBef>
-              <a:spcAft>
-                <a:spcPts val="0"/>
-              </a:spcAft>
-              <a:buNone/>
-            </a:pPr>
-            <a:r>
-              <a:rPr lang="en-US" sz="1000">
-                <a:solidFill>
-                  <a:srgbClr val="13294B"/>
-                </a:solidFill>
-                <a:latin typeface="Calibri"/>
-                <a:ea typeface="Calibri"/>
-                <a:cs typeface="Calibri"/>
-                <a:sym typeface="Calibri"/>
-              </a:rPr>
-              <a:t>[5] H. Li et al. “Study on tritium transport characteristics in fluoride-salt-cooled high-temperature</a:t>
-            </a:r>
-            <a:endParaRPr sz="1000">
-              <a:solidFill>
-                <a:srgbClr val="13294B"/>
-              </a:solidFill>
-              <a:latin typeface="Calibri"/>
-              <a:ea typeface="Calibri"/>
-              <a:cs typeface="Calibri"/>
-              <a:sym typeface="Calibri"/>
-            </a:endParaRPr>
-          </a:p>
-          <a:p>
-            <a:pPr indent="0" lvl="0" marL="0" rtl="0" algn="l">
-              <a:spcBef>
-                <a:spcPts val="0"/>
-              </a:spcBef>
-              <a:spcAft>
-                <a:spcPts val="0"/>
-              </a:spcAft>
-              <a:buNone/>
-            </a:pPr>
-            <a:r>
-              <a:rPr lang="en-US" sz="1000">
-                <a:solidFill>
-                  <a:srgbClr val="13294B"/>
-                </a:solidFill>
-                <a:latin typeface="Calibri"/>
-                <a:ea typeface="Calibri"/>
-                <a:cs typeface="Calibri"/>
-                <a:sym typeface="Calibri"/>
-              </a:rPr>
-              <a:t>advanced reactor”. In: International Journal of Hydrogen Energy 56 (2024), pp. 1101–1110.</a:t>
-            </a:r>
-            <a:endParaRPr sz="1000">
-              <a:solidFill>
-                <a:srgbClr val="13294B"/>
-              </a:solidFill>
-              <a:latin typeface="Calibri"/>
-              <a:ea typeface="Calibri"/>
-              <a:cs typeface="Calibri"/>
-              <a:sym typeface="Calibri"/>
-            </a:endParaRPr>
-          </a:p>
-          <a:p>
-            <a:pPr indent="0" lvl="0" marL="0" rtl="0" algn="l">
-              <a:spcBef>
-                <a:spcPts val="0"/>
-              </a:spcBef>
-              <a:spcAft>
-                <a:spcPts val="0"/>
-              </a:spcAft>
-              <a:buNone/>
-            </a:pPr>
-            <a:r>
-              <a:rPr lang="en-US" sz="1000">
-                <a:solidFill>
-                  <a:srgbClr val="13294B"/>
-                </a:solidFill>
-                <a:latin typeface="Calibri"/>
-                <a:ea typeface="Calibri"/>
-                <a:cs typeface="Calibri"/>
-                <a:sym typeface="Calibri"/>
-              </a:rPr>
-              <a:t>issn: 0360-3199. doi: https://doi.org/10.1016/j.ijhydene.2023.12.199. url: https:</a:t>
-            </a:r>
-            <a:endParaRPr sz="1000">
-              <a:solidFill>
-                <a:srgbClr val="13294B"/>
-              </a:solidFill>
-              <a:latin typeface="Calibri"/>
-              <a:ea typeface="Calibri"/>
-              <a:cs typeface="Calibri"/>
-              <a:sym typeface="Calibri"/>
-            </a:endParaRPr>
-          </a:p>
-          <a:p>
-            <a:pPr indent="0" lvl="0" marL="0" rtl="0" algn="l">
-              <a:spcBef>
-                <a:spcPts val="0"/>
-              </a:spcBef>
-              <a:spcAft>
-                <a:spcPts val="0"/>
-              </a:spcAft>
-              <a:buNone/>
-            </a:pPr>
-            <a:r>
-              <a:rPr lang="en-US" sz="1000">
-                <a:solidFill>
-                  <a:srgbClr val="13294B"/>
-                </a:solidFill>
-                <a:latin typeface="Calibri"/>
-                <a:ea typeface="Calibri"/>
-                <a:cs typeface="Calibri"/>
-                <a:sym typeface="Calibri"/>
-              </a:rPr>
-              <a:t>//www.sciencedirect.com/science/article/pii/S0360319923064996.</a:t>
-            </a:r>
-            <a:endParaRPr sz="1000">
-              <a:solidFill>
-                <a:srgbClr val="13294B"/>
-              </a:solidFill>
-              <a:latin typeface="Calibri"/>
-              <a:ea typeface="Calibri"/>
-              <a:cs typeface="Calibri"/>
-              <a:sym typeface="Calibri"/>
-            </a:endParaRPr>
-          </a:p>
-          <a:p>
-            <a:pPr indent="0" lvl="0" marL="0" rtl="0" algn="l">
-              <a:spcBef>
-                <a:spcPts val="0"/>
-              </a:spcBef>
-              <a:spcAft>
-                <a:spcPts val="0"/>
-              </a:spcAft>
-              <a:buNone/>
-            </a:pPr>
-            <a:r>
-              <a:rPr lang="en-US" sz="1000">
-                <a:solidFill>
-                  <a:srgbClr val="13294B"/>
-                </a:solidFill>
-                <a:latin typeface="Calibri"/>
-                <a:ea typeface="Calibri"/>
-                <a:cs typeface="Calibri"/>
-                <a:sym typeface="Calibri"/>
-              </a:rPr>
-              <a:t>[6] P. N. Haubenreich and J. R. Engel. “Experience with the Molten-Salt Reactor Experiment”.</a:t>
-            </a:r>
-            <a:endParaRPr sz="1000">
-              <a:solidFill>
-                <a:srgbClr val="13294B"/>
-              </a:solidFill>
-              <a:latin typeface="Calibri"/>
-              <a:ea typeface="Calibri"/>
-              <a:cs typeface="Calibri"/>
-              <a:sym typeface="Calibri"/>
-            </a:endParaRPr>
-          </a:p>
-          <a:p>
-            <a:pPr indent="0" lvl="0" marL="0" rtl="0" algn="l">
-              <a:spcBef>
-                <a:spcPts val="0"/>
-              </a:spcBef>
-              <a:spcAft>
-                <a:spcPts val="0"/>
-              </a:spcAft>
-              <a:buNone/>
-            </a:pPr>
-            <a:r>
-              <a:rPr lang="en-US" sz="1000">
-                <a:solidFill>
-                  <a:srgbClr val="13294B"/>
-                </a:solidFill>
-                <a:latin typeface="Calibri"/>
-                <a:ea typeface="Calibri"/>
-                <a:cs typeface="Calibri"/>
-                <a:sym typeface="Calibri"/>
-              </a:rPr>
-              <a:t>In: Nuclear Applications and Technology 8.2 (1970), pp. 118–136. doi: 10.13182/NT8-2-118.</a:t>
-            </a:r>
-            <a:endParaRPr sz="1000">
-              <a:solidFill>
-                <a:srgbClr val="13294B"/>
-              </a:solidFill>
-              <a:latin typeface="Calibri"/>
-              <a:ea typeface="Calibri"/>
-              <a:cs typeface="Calibri"/>
-              <a:sym typeface="Calibri"/>
-            </a:endParaRPr>
-          </a:p>
-          <a:p>
-            <a:pPr indent="0" lvl="0" marL="0" rtl="0" algn="l">
-              <a:spcBef>
-                <a:spcPts val="0"/>
-              </a:spcBef>
-              <a:spcAft>
-                <a:spcPts val="0"/>
-              </a:spcAft>
-              <a:buNone/>
-            </a:pPr>
-            <a:r>
-              <a:rPr lang="en-US" sz="1000">
-                <a:solidFill>
-                  <a:srgbClr val="13294B"/>
-                </a:solidFill>
-                <a:latin typeface="Calibri"/>
-                <a:ea typeface="Calibri"/>
-                <a:cs typeface="Calibri"/>
-                <a:sym typeface="Calibri"/>
-              </a:rPr>
-              <a:t>eprint: https://doi.org/10.13182/NT8-2-118. url: https://doi.org/10.13182/NT8-2-</a:t>
-            </a:r>
-            <a:endParaRPr sz="1000">
-              <a:solidFill>
-                <a:srgbClr val="13294B"/>
-              </a:solidFill>
-              <a:latin typeface="Calibri"/>
-              <a:ea typeface="Calibri"/>
-              <a:cs typeface="Calibri"/>
-              <a:sym typeface="Calibri"/>
-            </a:endParaRPr>
-          </a:p>
-          <a:p>
-            <a:pPr indent="0" lvl="0" marL="0" rtl="0" algn="l">
-              <a:spcBef>
-                <a:spcPts val="0"/>
-              </a:spcBef>
-              <a:spcAft>
-                <a:spcPts val="0"/>
-              </a:spcAft>
-              <a:buNone/>
-            </a:pPr>
-            <a:r>
-              <a:rPr lang="en-US" sz="1000">
-                <a:solidFill>
-                  <a:srgbClr val="13294B"/>
-                </a:solidFill>
-                <a:latin typeface="Calibri"/>
-                <a:ea typeface="Calibri"/>
-                <a:cs typeface="Calibri"/>
-                <a:sym typeface="Calibri"/>
-              </a:rPr>
-              <a:t>118.</a:t>
-            </a:r>
-            <a:endParaRPr sz="1000">
-              <a:solidFill>
-                <a:srgbClr val="13294B"/>
-              </a:solidFill>
-              <a:latin typeface="Calibri"/>
-              <a:ea typeface="Calibri"/>
-              <a:cs typeface="Calibri"/>
-              <a:sym typeface="Calibri"/>
-            </a:endParaRPr>
-          </a:p>
-          <a:p>
-            <a:pPr indent="0" lvl="0" marL="0" rtl="0" algn="l">
-              <a:spcBef>
-                <a:spcPts val="0"/>
-              </a:spcBef>
-              <a:spcAft>
-                <a:spcPts val="0"/>
-              </a:spcAft>
-              <a:buNone/>
-            </a:pPr>
-            <a:r>
-              <a:rPr lang="en-US" sz="1000">
-                <a:solidFill>
-                  <a:srgbClr val="13294B"/>
-                </a:solidFill>
-                <a:latin typeface="Calibri"/>
-                <a:ea typeface="Calibri"/>
-                <a:cs typeface="Calibri"/>
-                <a:sym typeface="Calibri"/>
-              </a:rPr>
-              <a:t>[7] R. C. Robertson. CONCEPTUAL DESIGN STUDY OF A SINGLE-FLUID MOLTEN-SALT</a:t>
-            </a:r>
-            <a:endParaRPr sz="1000">
-              <a:solidFill>
-                <a:srgbClr val="13294B"/>
-              </a:solidFill>
-              <a:latin typeface="Calibri"/>
-              <a:ea typeface="Calibri"/>
-              <a:cs typeface="Calibri"/>
-              <a:sym typeface="Calibri"/>
-            </a:endParaRPr>
-          </a:p>
-          <a:p>
-            <a:pPr indent="0" lvl="0" marL="0" rtl="0" algn="l">
-              <a:spcBef>
-                <a:spcPts val="0"/>
-              </a:spcBef>
-              <a:spcAft>
-                <a:spcPts val="0"/>
-              </a:spcAft>
-              <a:buNone/>
-            </a:pPr>
-            <a:r>
-              <a:rPr lang="en-US" sz="1000">
-                <a:solidFill>
-                  <a:srgbClr val="13294B"/>
-                </a:solidFill>
-                <a:latin typeface="Calibri"/>
-                <a:ea typeface="Calibri"/>
-                <a:cs typeface="Calibri"/>
-                <a:sym typeface="Calibri"/>
-              </a:rPr>
-              <a:t>BREEDER REACTOR. Tech. rep. comp.; Oak Ridge National Lab. (ORNL), Oak Ridge, TN</a:t>
-            </a:r>
-            <a:endParaRPr sz="1000">
-              <a:solidFill>
-                <a:srgbClr val="13294B"/>
-              </a:solidFill>
-              <a:latin typeface="Calibri"/>
-              <a:ea typeface="Calibri"/>
-              <a:cs typeface="Calibri"/>
-              <a:sym typeface="Calibri"/>
-            </a:endParaRPr>
-          </a:p>
-          <a:p>
-            <a:pPr indent="0" lvl="0" marL="0" rtl="0" algn="l">
-              <a:spcBef>
-                <a:spcPts val="0"/>
-              </a:spcBef>
-              <a:spcAft>
-                <a:spcPts val="0"/>
-              </a:spcAft>
-              <a:buNone/>
-            </a:pPr>
-            <a:r>
-              <a:rPr lang="en-US" sz="1000">
-                <a:solidFill>
-                  <a:srgbClr val="13294B"/>
-                </a:solidFill>
-                <a:latin typeface="Calibri"/>
-                <a:ea typeface="Calibri"/>
-                <a:cs typeface="Calibri"/>
-                <a:sym typeface="Calibri"/>
-              </a:rPr>
-              <a:t>(United States), Jan. 1971. doi: 10.2172/4030941. url: https://www.osti.gov/biblio/</a:t>
-            </a:r>
-            <a:endParaRPr sz="1000">
-              <a:solidFill>
-                <a:srgbClr val="13294B"/>
-              </a:solidFill>
-              <a:latin typeface="Calibri"/>
-              <a:ea typeface="Calibri"/>
-              <a:cs typeface="Calibri"/>
-              <a:sym typeface="Calibri"/>
-            </a:endParaRPr>
-          </a:p>
-          <a:p>
-            <a:pPr indent="0" lvl="0" marL="0" rtl="0" algn="l">
-              <a:spcBef>
-                <a:spcPts val="0"/>
-              </a:spcBef>
-              <a:spcAft>
-                <a:spcPts val="0"/>
-              </a:spcAft>
-              <a:buNone/>
-            </a:pPr>
-            <a:r>
-              <a:rPr lang="en-US" sz="1000">
-                <a:solidFill>
-                  <a:srgbClr val="13294B"/>
-                </a:solidFill>
-                <a:latin typeface="Calibri"/>
-                <a:ea typeface="Calibri"/>
-                <a:cs typeface="Calibri"/>
-                <a:sym typeface="Calibri"/>
-              </a:rPr>
-              <a:t>4030941.</a:t>
-            </a:r>
-            <a:endParaRPr sz="1000">
-              <a:solidFill>
-                <a:srgbClr val="13294B"/>
-              </a:solidFill>
-              <a:latin typeface="Calibri"/>
-              <a:ea typeface="Calibri"/>
-              <a:cs typeface="Calibri"/>
-              <a:sym typeface="Calibri"/>
-            </a:endParaRPr>
-          </a:p>
-          <a:p>
-            <a:pPr indent="0" lvl="0" marL="0" rtl="0" algn="l">
-              <a:spcBef>
-                <a:spcPts val="0"/>
-              </a:spcBef>
-              <a:spcAft>
-                <a:spcPts val="0"/>
-              </a:spcAft>
-              <a:buNone/>
-            </a:pPr>
-            <a:r>
-              <a:rPr lang="en-US" sz="1000">
-                <a:solidFill>
-                  <a:srgbClr val="13294B"/>
-                </a:solidFill>
-                <a:latin typeface="Calibri"/>
-                <a:ea typeface="Calibri"/>
-                <a:cs typeface="Calibri"/>
-                <a:sym typeface="Calibri"/>
-              </a:rPr>
-              <a:t>18</a:t>
-            </a:r>
-            <a:endParaRPr sz="1000">
-              <a:solidFill>
-                <a:srgbClr val="13294B"/>
-              </a:solidFill>
-              <a:latin typeface="Calibri"/>
-              <a:ea typeface="Calibri"/>
-              <a:cs typeface="Calibri"/>
-              <a:sym typeface="Calibri"/>
-            </a:endParaRPr>
-          </a:p>
-          <a:p>
-            <a:pPr indent="0" lvl="0" marL="0" rtl="0" algn="l">
-              <a:spcBef>
-                <a:spcPts val="0"/>
-              </a:spcBef>
-              <a:spcAft>
-                <a:spcPts val="0"/>
-              </a:spcAft>
-              <a:buNone/>
-            </a:pPr>
-            <a:r>
-              <a:rPr lang="en-US" sz="1000">
-                <a:solidFill>
-                  <a:srgbClr val="13294B"/>
-                </a:solidFill>
-                <a:latin typeface="Calibri"/>
-                <a:ea typeface="Calibri"/>
-                <a:cs typeface="Calibri"/>
-                <a:sym typeface="Calibri"/>
-              </a:rPr>
-              <a:t>[8] Molten Salt Reactors and Thorium Energy. en. Elsevier, 2024. isbn: 9780323993555. doi:</a:t>
-            </a:r>
-            <a:endParaRPr sz="1000">
-              <a:solidFill>
-                <a:srgbClr val="13294B"/>
-              </a:solidFill>
-              <a:latin typeface="Calibri"/>
-              <a:ea typeface="Calibri"/>
-              <a:cs typeface="Calibri"/>
-              <a:sym typeface="Calibri"/>
-            </a:endParaRPr>
-          </a:p>
-          <a:p>
-            <a:pPr indent="0" lvl="0" marL="0" rtl="0" algn="l">
-              <a:spcBef>
-                <a:spcPts val="0"/>
-              </a:spcBef>
-              <a:spcAft>
-                <a:spcPts val="0"/>
-              </a:spcAft>
-              <a:buNone/>
-            </a:pPr>
-            <a:r>
-              <a:rPr lang="en-US" sz="1000">
-                <a:solidFill>
-                  <a:srgbClr val="13294B"/>
-                </a:solidFill>
-                <a:latin typeface="Calibri"/>
-                <a:ea typeface="Calibri"/>
-                <a:cs typeface="Calibri"/>
-                <a:sym typeface="Calibri"/>
-              </a:rPr>
-              <a:t>10.1016/C2021- 0- 01689- 8. url: https://linkinghub.elsevier.com/retrieve/pii/</a:t>
-            </a:r>
-            <a:endParaRPr sz="1000">
-              <a:solidFill>
-                <a:srgbClr val="13294B"/>
-              </a:solidFill>
-              <a:latin typeface="Calibri"/>
-              <a:ea typeface="Calibri"/>
-              <a:cs typeface="Calibri"/>
-              <a:sym typeface="Calibri"/>
-            </a:endParaRPr>
-          </a:p>
-          <a:p>
-            <a:pPr indent="0" lvl="0" marL="0" rtl="0" algn="l">
-              <a:spcBef>
-                <a:spcPts val="0"/>
-              </a:spcBef>
-              <a:spcAft>
-                <a:spcPts val="0"/>
-              </a:spcAft>
-              <a:buNone/>
-            </a:pPr>
-            <a:r>
-              <a:rPr lang="en-US" sz="1000">
-                <a:solidFill>
-                  <a:srgbClr val="13294B"/>
-                </a:solidFill>
-                <a:latin typeface="Calibri"/>
-                <a:ea typeface="Calibri"/>
-                <a:cs typeface="Calibri"/>
-                <a:sym typeface="Calibri"/>
-              </a:rPr>
-              <a:t>C20210016898 (visited on 03/22/2025).</a:t>
-            </a:r>
-            <a:endParaRPr sz="1000">
-              <a:solidFill>
-                <a:srgbClr val="13294B"/>
-              </a:solidFill>
-              <a:latin typeface="Calibri"/>
-              <a:ea typeface="Calibri"/>
-              <a:cs typeface="Calibri"/>
-              <a:sym typeface="Calibri"/>
-            </a:endParaRPr>
-          </a:p>
-          <a:p>
-            <a:pPr indent="0" lvl="0" marL="0" rtl="0" algn="l">
-              <a:spcBef>
-                <a:spcPts val="0"/>
-              </a:spcBef>
-              <a:spcAft>
-                <a:spcPts val="0"/>
-              </a:spcAft>
-              <a:buNone/>
-            </a:pPr>
-            <a:r>
-              <a:rPr lang="en-US" sz="1000">
-                <a:solidFill>
-                  <a:srgbClr val="13294B"/>
-                </a:solidFill>
-                <a:latin typeface="Calibri"/>
-                <a:ea typeface="Calibri"/>
-                <a:cs typeface="Calibri"/>
-                <a:sym typeface="Calibri"/>
-              </a:rPr>
-              <a:t>[9] Advanced Nuclear. en-US. url: https : / / liftoff . energy . gov / advanced - nuclear - 2/</a:t>
-            </a:r>
-            <a:endParaRPr sz="1000">
-              <a:solidFill>
-                <a:srgbClr val="13294B"/>
-              </a:solidFill>
-              <a:latin typeface="Calibri"/>
-              <a:ea typeface="Calibri"/>
-              <a:cs typeface="Calibri"/>
-              <a:sym typeface="Calibri"/>
-            </a:endParaRPr>
-          </a:p>
-          <a:p>
-            <a:pPr indent="0" lvl="0" marL="0" rtl="0" algn="l">
-              <a:spcBef>
-                <a:spcPts val="0"/>
-              </a:spcBef>
-              <a:spcAft>
-                <a:spcPts val="0"/>
-              </a:spcAft>
-              <a:buNone/>
-            </a:pPr>
-            <a:r>
-              <a:rPr lang="en-US" sz="1000">
-                <a:solidFill>
-                  <a:srgbClr val="13294B"/>
-                </a:solidFill>
-                <a:latin typeface="Calibri"/>
-                <a:ea typeface="Calibri"/>
-                <a:cs typeface="Calibri"/>
-                <a:sym typeface="Calibri"/>
-              </a:rPr>
-              <a:t>(visited on 03/22/2025).</a:t>
-            </a:r>
-            <a:endParaRPr sz="3000">
-              <a:solidFill>
-                <a:srgbClr val="13294B"/>
-              </a:solidFill>
-              <a:latin typeface="Calibri"/>
-              <a:ea typeface="Calibri"/>
-              <a:cs typeface="Calibri"/>
-              <a:sym typeface="Calibri"/>
-            </a:endParaRPr>
-          </a:p>
-        </p:txBody>
-      </p:sp>
-      <p:sp>
-        <p:nvSpPr>
-          <p:cNvPr id="133" name="Google Shape;133;g34a116c0306_2_20"/>
-          <p:cNvSpPr txBox="1"/>
-          <p:nvPr/>
-        </p:nvSpPr>
-        <p:spPr>
-          <a:xfrm>
-            <a:off x="6216125" y="1690825"/>
-            <a:ext cx="5506500" cy="4361700"/>
-          </a:xfrm>
-          <a:prstGeom prst="rect">
-            <a:avLst/>
-          </a:prstGeom>
-          <a:noFill/>
-          <a:ln>
-            <a:noFill/>
-          </a:ln>
-        </p:spPr>
-        <p:txBody>
-          <a:bodyPr anchorCtr="0" anchor="t" bIns="91425" lIns="91425" spcFirstLastPara="1" rIns="91425" wrap="square" tIns="91425">
-            <a:noAutofit/>
-          </a:bodyPr>
-          <a:lstStyle/>
-          <a:p>
-            <a:pPr indent="0" lvl="0" marL="0" rtl="0" algn="l">
-              <a:spcBef>
-                <a:spcPts val="0"/>
-              </a:spcBef>
-              <a:spcAft>
-                <a:spcPts val="0"/>
-              </a:spcAft>
-              <a:buNone/>
-            </a:pPr>
-            <a:r>
-              <a:rPr lang="en-US" sz="1000">
-                <a:solidFill>
-                  <a:srgbClr val="13294B"/>
-                </a:solidFill>
-                <a:latin typeface="Calibri"/>
-                <a:ea typeface="Calibri"/>
-                <a:cs typeface="Calibri"/>
-                <a:sym typeface="Calibri"/>
-              </a:rPr>
-              <a:t>[10] U. A. E. C. D. of Reactor Development and Technology. AN EVALUATION OF THE MOLTEN</a:t>
-            </a:r>
-            <a:endParaRPr sz="1000">
-              <a:solidFill>
-                <a:srgbClr val="13294B"/>
-              </a:solidFill>
-              <a:latin typeface="Calibri"/>
-              <a:ea typeface="Calibri"/>
-              <a:cs typeface="Calibri"/>
-              <a:sym typeface="Calibri"/>
-            </a:endParaRPr>
-          </a:p>
-          <a:p>
-            <a:pPr indent="0" lvl="0" marL="0" rtl="0" algn="l">
-              <a:spcBef>
-                <a:spcPts val="0"/>
-              </a:spcBef>
-              <a:spcAft>
-                <a:spcPts val="0"/>
-              </a:spcAft>
-              <a:buNone/>
-            </a:pPr>
-            <a:r>
-              <a:rPr lang="en-US" sz="1000">
-                <a:solidFill>
-                  <a:srgbClr val="13294B"/>
-                </a:solidFill>
-                <a:latin typeface="Calibri"/>
-                <a:ea typeface="Calibri"/>
-                <a:cs typeface="Calibri"/>
-                <a:sym typeface="Calibri"/>
-              </a:rPr>
-              <a:t>SALT BREEDER REACTOR. Tech. rep. US ATOMIC ENERGY COMISSION, 1972.</a:t>
-            </a:r>
-            <a:endParaRPr sz="1000">
-              <a:solidFill>
-                <a:srgbClr val="13294B"/>
-              </a:solidFill>
-              <a:latin typeface="Calibri"/>
-              <a:ea typeface="Calibri"/>
-              <a:cs typeface="Calibri"/>
-              <a:sym typeface="Calibri"/>
-            </a:endParaRPr>
-          </a:p>
-          <a:p>
-            <a:pPr indent="0" lvl="0" marL="0" rtl="0" algn="l">
-              <a:spcBef>
-                <a:spcPts val="0"/>
-              </a:spcBef>
-              <a:spcAft>
-                <a:spcPts val="0"/>
-              </a:spcAft>
-              <a:buNone/>
-            </a:pPr>
-            <a:r>
-              <a:rPr lang="en-US" sz="1000">
-                <a:solidFill>
-                  <a:srgbClr val="13294B"/>
-                </a:solidFill>
-                <a:latin typeface="Calibri"/>
-                <a:ea typeface="Calibri"/>
-                <a:cs typeface="Calibri"/>
-                <a:sym typeface="Calibri"/>
-              </a:rPr>
-              <a:t>[11] V. Dostál. “A supercritical carbon dioxide cycle for next generation nuclear reactors /”. In:</a:t>
-            </a:r>
-            <a:endParaRPr sz="1000">
-              <a:solidFill>
-                <a:srgbClr val="13294B"/>
-              </a:solidFill>
-              <a:latin typeface="Calibri"/>
-              <a:ea typeface="Calibri"/>
-              <a:cs typeface="Calibri"/>
-              <a:sym typeface="Calibri"/>
-            </a:endParaRPr>
-          </a:p>
-          <a:p>
-            <a:pPr indent="0" lvl="0" marL="0" rtl="0" algn="l">
-              <a:spcBef>
-                <a:spcPts val="0"/>
-              </a:spcBef>
-              <a:spcAft>
-                <a:spcPts val="0"/>
-              </a:spcAft>
-              <a:buNone/>
-            </a:pPr>
-            <a:r>
-              <a:rPr lang="en-US" sz="1000">
-                <a:solidFill>
-                  <a:srgbClr val="13294B"/>
-                </a:solidFill>
-                <a:latin typeface="Calibri"/>
-                <a:ea typeface="Calibri"/>
-                <a:cs typeface="Calibri"/>
-                <a:sym typeface="Calibri"/>
-              </a:rPr>
-              <a:t>154 (June 2005).</a:t>
-            </a:r>
-            <a:endParaRPr sz="1000">
-              <a:solidFill>
-                <a:srgbClr val="13294B"/>
-              </a:solidFill>
-              <a:latin typeface="Calibri"/>
-              <a:ea typeface="Calibri"/>
-              <a:cs typeface="Calibri"/>
-              <a:sym typeface="Calibri"/>
-            </a:endParaRPr>
-          </a:p>
-          <a:p>
-            <a:pPr indent="0" lvl="0" marL="0" rtl="0" algn="l">
-              <a:spcBef>
-                <a:spcPts val="0"/>
-              </a:spcBef>
-              <a:spcAft>
-                <a:spcPts val="0"/>
-              </a:spcAft>
-              <a:buNone/>
-            </a:pPr>
-            <a:r>
-              <a:rPr lang="en-US" sz="1000">
-                <a:solidFill>
-                  <a:srgbClr val="13294B"/>
-                </a:solidFill>
-                <a:latin typeface="Calibri"/>
-                <a:ea typeface="Calibri"/>
-                <a:cs typeface="Calibri"/>
-                <a:sym typeface="Calibri"/>
-              </a:rPr>
-              <a:t>[12] C. W. Forsberg et al. “Tritium Control and Capture in Salt-Cooled Fission and Fusion</a:t>
-            </a:r>
-            <a:endParaRPr sz="1000">
-              <a:solidFill>
-                <a:srgbClr val="13294B"/>
-              </a:solidFill>
-              <a:latin typeface="Calibri"/>
-              <a:ea typeface="Calibri"/>
-              <a:cs typeface="Calibri"/>
-              <a:sym typeface="Calibri"/>
-            </a:endParaRPr>
-          </a:p>
-          <a:p>
-            <a:pPr indent="0" lvl="0" marL="0" rtl="0" algn="l">
-              <a:spcBef>
-                <a:spcPts val="0"/>
-              </a:spcBef>
-              <a:spcAft>
-                <a:spcPts val="0"/>
-              </a:spcAft>
-              <a:buNone/>
-            </a:pPr>
-            <a:r>
-              <a:rPr lang="en-US" sz="1000">
-                <a:solidFill>
-                  <a:srgbClr val="13294B"/>
-                </a:solidFill>
-                <a:latin typeface="Calibri"/>
-                <a:ea typeface="Calibri"/>
-                <a:cs typeface="Calibri"/>
-                <a:sym typeface="Calibri"/>
-              </a:rPr>
-              <a:t>Reactors: Status, Challenges, and Path Forward”. In: Nuclear Technology 197.2 (2017), pp. 119–139.</a:t>
-            </a:r>
-            <a:endParaRPr sz="1000">
-              <a:solidFill>
-                <a:srgbClr val="13294B"/>
-              </a:solidFill>
-              <a:latin typeface="Calibri"/>
-              <a:ea typeface="Calibri"/>
-              <a:cs typeface="Calibri"/>
-              <a:sym typeface="Calibri"/>
-            </a:endParaRPr>
-          </a:p>
-          <a:p>
-            <a:pPr indent="0" lvl="0" marL="0" rtl="0" algn="l">
-              <a:spcBef>
-                <a:spcPts val="0"/>
-              </a:spcBef>
-              <a:spcAft>
-                <a:spcPts val="0"/>
-              </a:spcAft>
-              <a:buNone/>
-            </a:pPr>
-            <a:r>
-              <a:rPr lang="en-US" sz="1000">
-                <a:solidFill>
-                  <a:srgbClr val="13294B"/>
-                </a:solidFill>
-                <a:latin typeface="Calibri"/>
-                <a:ea typeface="Calibri"/>
-                <a:cs typeface="Calibri"/>
-                <a:sym typeface="Calibri"/>
-              </a:rPr>
-              <a:t>doi: 10.13182/NT16-101. url: https://doi.org/10.13182/NT16-101.</a:t>
-            </a:r>
-            <a:endParaRPr sz="1000">
-              <a:solidFill>
-                <a:srgbClr val="13294B"/>
-              </a:solidFill>
-              <a:latin typeface="Calibri"/>
-              <a:ea typeface="Calibri"/>
-              <a:cs typeface="Calibri"/>
-              <a:sym typeface="Calibri"/>
-            </a:endParaRPr>
-          </a:p>
-          <a:p>
-            <a:pPr indent="0" lvl="0" marL="0" rtl="0" algn="l">
-              <a:spcBef>
-                <a:spcPts val="0"/>
-              </a:spcBef>
-              <a:spcAft>
-                <a:spcPts val="0"/>
-              </a:spcAft>
-              <a:buNone/>
-            </a:pPr>
-            <a:r>
-              <a:rPr lang="en-US" sz="1000">
-                <a:solidFill>
-                  <a:srgbClr val="13294B"/>
-                </a:solidFill>
-                <a:latin typeface="Calibri"/>
-                <a:ea typeface="Calibri"/>
-                <a:cs typeface="Calibri"/>
-                <a:sym typeface="Calibri"/>
-              </a:rPr>
-              <a:t>[13] M. C. Cannon et al. “Adsorption of Xenon and Argon on Graphite”. In: Nuclear Science and</a:t>
-            </a:r>
-            <a:endParaRPr sz="1000">
-              <a:solidFill>
-                <a:srgbClr val="13294B"/>
-              </a:solidFill>
-              <a:latin typeface="Calibri"/>
-              <a:ea typeface="Calibri"/>
-              <a:cs typeface="Calibri"/>
-              <a:sym typeface="Calibri"/>
-            </a:endParaRPr>
-          </a:p>
-          <a:p>
-            <a:pPr indent="0" lvl="0" marL="0" rtl="0" algn="l">
-              <a:spcBef>
-                <a:spcPts val="0"/>
-              </a:spcBef>
-              <a:spcAft>
-                <a:spcPts val="0"/>
-              </a:spcAft>
-              <a:buNone/>
-            </a:pPr>
-            <a:r>
-              <a:rPr lang="en-US" sz="1000">
-                <a:solidFill>
-                  <a:srgbClr val="13294B"/>
-                </a:solidFill>
-                <a:latin typeface="Calibri"/>
-                <a:ea typeface="Calibri"/>
-                <a:cs typeface="Calibri"/>
-                <a:sym typeface="Calibri"/>
-              </a:rPr>
-              <a:t>Engineering 12.1 (1962), pp. 4–9. doi: 10.13182/NSE62-A25362.</a:t>
-            </a:r>
-            <a:endParaRPr sz="1000">
-              <a:solidFill>
-                <a:srgbClr val="13294B"/>
-              </a:solidFill>
-              <a:latin typeface="Calibri"/>
-              <a:ea typeface="Calibri"/>
-              <a:cs typeface="Calibri"/>
-              <a:sym typeface="Calibri"/>
-            </a:endParaRPr>
-          </a:p>
-          <a:p>
-            <a:pPr indent="0" lvl="0" marL="0" rtl="0" algn="l">
-              <a:spcBef>
-                <a:spcPts val="0"/>
-              </a:spcBef>
-              <a:spcAft>
-                <a:spcPts val="0"/>
-              </a:spcAft>
-              <a:buNone/>
-            </a:pPr>
-            <a:r>
-              <a:rPr lang="en-US" sz="1000">
-                <a:solidFill>
-                  <a:srgbClr val="13294B"/>
-                </a:solidFill>
-                <a:latin typeface="Calibri"/>
-                <a:ea typeface="Calibri"/>
-                <a:cs typeface="Calibri"/>
-                <a:sym typeface="Calibri"/>
-              </a:rPr>
-              <a:t>[14] V. Ignatiev et al. “Intergranular tellurium cracking of nickel-based alloys in molten Li, Be,</a:t>
-            </a:r>
-            <a:endParaRPr sz="1000">
-              <a:solidFill>
-                <a:srgbClr val="13294B"/>
-              </a:solidFill>
-              <a:latin typeface="Calibri"/>
-              <a:ea typeface="Calibri"/>
-              <a:cs typeface="Calibri"/>
-              <a:sym typeface="Calibri"/>
-            </a:endParaRPr>
-          </a:p>
-          <a:p>
-            <a:pPr indent="0" lvl="0" marL="0" rtl="0" algn="l">
-              <a:spcBef>
-                <a:spcPts val="0"/>
-              </a:spcBef>
-              <a:spcAft>
-                <a:spcPts val="0"/>
-              </a:spcAft>
-              <a:buNone/>
-            </a:pPr>
-            <a:r>
-              <a:rPr lang="en-US" sz="1000">
-                <a:solidFill>
-                  <a:srgbClr val="13294B"/>
-                </a:solidFill>
-                <a:latin typeface="Calibri"/>
-                <a:ea typeface="Calibri"/>
-                <a:cs typeface="Calibri"/>
-                <a:sym typeface="Calibri"/>
-              </a:rPr>
-              <a:t>Th, U/F salt mixture”. In: Journal of Nuclear Materials 440.1 (2013), pp. 243–249. issn:</a:t>
-            </a:r>
-            <a:endParaRPr sz="1000">
-              <a:solidFill>
-                <a:srgbClr val="13294B"/>
-              </a:solidFill>
-              <a:latin typeface="Calibri"/>
-              <a:ea typeface="Calibri"/>
-              <a:cs typeface="Calibri"/>
-              <a:sym typeface="Calibri"/>
-            </a:endParaRPr>
-          </a:p>
-          <a:p>
-            <a:pPr indent="0" lvl="0" marL="0" rtl="0" algn="l">
-              <a:spcBef>
-                <a:spcPts val="0"/>
-              </a:spcBef>
-              <a:spcAft>
-                <a:spcPts val="0"/>
-              </a:spcAft>
-              <a:buNone/>
-            </a:pPr>
-            <a:r>
-              <a:rPr lang="en-US" sz="1000">
-                <a:solidFill>
-                  <a:srgbClr val="13294B"/>
-                </a:solidFill>
-                <a:latin typeface="Calibri"/>
-                <a:ea typeface="Calibri"/>
-                <a:cs typeface="Calibri"/>
-                <a:sym typeface="Calibri"/>
-              </a:rPr>
-              <a:t>0022-3115. doi: https : / / doi . org / 10 . 1016 / j . jnucmat . 2013 . 05 . 001. url: https :</a:t>
-            </a:r>
-            <a:endParaRPr sz="1000">
-              <a:solidFill>
-                <a:srgbClr val="13294B"/>
-              </a:solidFill>
-              <a:latin typeface="Calibri"/>
-              <a:ea typeface="Calibri"/>
-              <a:cs typeface="Calibri"/>
-              <a:sym typeface="Calibri"/>
-            </a:endParaRPr>
-          </a:p>
-          <a:p>
-            <a:pPr indent="0" lvl="0" marL="0" rtl="0" algn="l">
-              <a:spcBef>
-                <a:spcPts val="0"/>
-              </a:spcBef>
-              <a:spcAft>
-                <a:spcPts val="0"/>
-              </a:spcAft>
-              <a:buNone/>
-            </a:pPr>
-            <a:r>
-              <a:rPr lang="en-US" sz="1000">
-                <a:solidFill>
-                  <a:srgbClr val="13294B"/>
-                </a:solidFill>
-                <a:latin typeface="Calibri"/>
-                <a:ea typeface="Calibri"/>
-                <a:cs typeface="Calibri"/>
-                <a:sym typeface="Calibri"/>
-              </a:rPr>
-              <a:t>//www.sciencedirect.com/science/article/pii/S0022311513007071.</a:t>
-            </a:r>
-            <a:endParaRPr sz="1000">
-              <a:solidFill>
-                <a:srgbClr val="13294B"/>
-              </a:solidFill>
-              <a:latin typeface="Calibri"/>
-              <a:ea typeface="Calibri"/>
-              <a:cs typeface="Calibri"/>
-              <a:sym typeface="Calibri"/>
-            </a:endParaRPr>
-          </a:p>
-          <a:p>
-            <a:pPr indent="0" lvl="0" marL="0" rtl="0" algn="l">
-              <a:spcBef>
-                <a:spcPts val="0"/>
-              </a:spcBef>
-              <a:spcAft>
-                <a:spcPts val="0"/>
-              </a:spcAft>
-              <a:buNone/>
-            </a:pPr>
-            <a:r>
-              <a:rPr lang="en-US" sz="1000">
-                <a:solidFill>
-                  <a:srgbClr val="13294B"/>
-                </a:solidFill>
-                <a:latin typeface="Calibri"/>
-                <a:ea typeface="Calibri"/>
-                <a:cs typeface="Calibri"/>
-                <a:sym typeface="Calibri"/>
-              </a:rPr>
-              <a:t>[15] B. Gurovich et al. “Fractographic studies and tensile strength of MPG-6 graphite based on</a:t>
-            </a:r>
-            <a:endParaRPr sz="1000">
-              <a:solidFill>
-                <a:srgbClr val="13294B"/>
-              </a:solidFill>
-              <a:latin typeface="Calibri"/>
-              <a:ea typeface="Calibri"/>
-              <a:cs typeface="Calibri"/>
-              <a:sym typeface="Calibri"/>
-            </a:endParaRPr>
-          </a:p>
-          <a:p>
-            <a:pPr indent="0" lvl="0" marL="0" rtl="0" algn="l">
-              <a:spcBef>
-                <a:spcPts val="0"/>
-              </a:spcBef>
-              <a:spcAft>
-                <a:spcPts val="0"/>
-              </a:spcAft>
-              <a:buNone/>
-            </a:pPr>
-            <a:r>
-              <a:rPr lang="en-US" sz="1000">
-                <a:solidFill>
-                  <a:srgbClr val="13294B"/>
-                </a:solidFill>
-                <a:latin typeface="Calibri"/>
-                <a:ea typeface="Calibri"/>
-                <a:cs typeface="Calibri"/>
-                <a:sym typeface="Calibri"/>
-              </a:rPr>
-              <a:t>uncalcined coke, neutron-irradiated at a high temperature”. In: Nuclear Materials and Energy</a:t>
-            </a:r>
-            <a:endParaRPr sz="1000">
-              <a:solidFill>
-                <a:srgbClr val="13294B"/>
-              </a:solidFill>
-              <a:latin typeface="Calibri"/>
-              <a:ea typeface="Calibri"/>
-              <a:cs typeface="Calibri"/>
-              <a:sym typeface="Calibri"/>
-            </a:endParaRPr>
-          </a:p>
-          <a:p>
-            <a:pPr indent="0" lvl="0" marL="0" rtl="0" algn="l">
-              <a:spcBef>
-                <a:spcPts val="0"/>
-              </a:spcBef>
-              <a:spcAft>
-                <a:spcPts val="0"/>
-              </a:spcAft>
-              <a:buNone/>
-            </a:pPr>
-            <a:r>
-              <a:rPr lang="en-US" sz="1000">
-                <a:solidFill>
-                  <a:srgbClr val="13294B"/>
-                </a:solidFill>
-                <a:latin typeface="Calibri"/>
-                <a:ea typeface="Calibri"/>
-                <a:cs typeface="Calibri"/>
-                <a:sym typeface="Calibri"/>
-              </a:rPr>
-              <a:t>35 (2023), p. 101453. issn: 2352-1791. doi: https://doi.org/10.1016/j.nme.2023.101453.</a:t>
-            </a:r>
-            <a:endParaRPr sz="1000">
-              <a:solidFill>
-                <a:srgbClr val="13294B"/>
-              </a:solidFill>
-              <a:latin typeface="Calibri"/>
-              <a:ea typeface="Calibri"/>
-              <a:cs typeface="Calibri"/>
-              <a:sym typeface="Calibri"/>
-            </a:endParaRPr>
-          </a:p>
-          <a:p>
-            <a:pPr indent="0" lvl="0" marL="0" rtl="0" algn="l">
-              <a:spcBef>
-                <a:spcPts val="0"/>
-              </a:spcBef>
-              <a:spcAft>
-                <a:spcPts val="0"/>
-              </a:spcAft>
-              <a:buNone/>
-            </a:pPr>
-            <a:r>
-              <a:rPr lang="en-US" sz="1000">
-                <a:solidFill>
-                  <a:srgbClr val="13294B"/>
-                </a:solidFill>
-                <a:latin typeface="Calibri"/>
-                <a:ea typeface="Calibri"/>
-                <a:cs typeface="Calibri"/>
-                <a:sym typeface="Calibri"/>
-              </a:rPr>
-              <a:t>url: https://www.sciencedirect.com/science/article/pii/S2352179123000923.</a:t>
-            </a:r>
-            <a:endParaRPr sz="1000">
-              <a:solidFill>
-                <a:srgbClr val="13294B"/>
-              </a:solidFill>
-              <a:latin typeface="Calibri"/>
-              <a:ea typeface="Calibri"/>
-              <a:cs typeface="Calibri"/>
-              <a:sym typeface="Calibri"/>
-            </a:endParaRPr>
-          </a:p>
-          <a:p>
-            <a:pPr indent="0" lvl="0" marL="0" rtl="0" algn="l">
-              <a:spcBef>
-                <a:spcPts val="0"/>
-              </a:spcBef>
-              <a:spcAft>
-                <a:spcPts val="0"/>
-              </a:spcAft>
-              <a:buNone/>
-            </a:pPr>
-            <a:r>
-              <a:rPr lang="en-US" sz="1000">
-                <a:solidFill>
-                  <a:srgbClr val="13294B"/>
-                </a:solidFill>
-                <a:latin typeface="Calibri"/>
-                <a:ea typeface="Calibri"/>
-                <a:cs typeface="Calibri"/>
-                <a:sym typeface="Calibri"/>
-              </a:rPr>
-              <a:t>[16] B. J. Riley et al. “Molten salt reactor waste and effluent management strategies: A review”.</a:t>
-            </a:r>
-            <a:endParaRPr sz="1000">
-              <a:solidFill>
-                <a:srgbClr val="13294B"/>
-              </a:solidFill>
-              <a:latin typeface="Calibri"/>
-              <a:ea typeface="Calibri"/>
-              <a:cs typeface="Calibri"/>
-              <a:sym typeface="Calibri"/>
-            </a:endParaRPr>
-          </a:p>
-          <a:p>
-            <a:pPr indent="0" lvl="0" marL="0" rtl="0" algn="l">
-              <a:spcBef>
-                <a:spcPts val="0"/>
-              </a:spcBef>
-              <a:spcAft>
-                <a:spcPts val="0"/>
-              </a:spcAft>
-              <a:buNone/>
-            </a:pPr>
-            <a:r>
-              <a:rPr lang="en-US" sz="1000">
-                <a:solidFill>
-                  <a:srgbClr val="13294B"/>
-                </a:solidFill>
-                <a:latin typeface="Calibri"/>
-                <a:ea typeface="Calibri"/>
-                <a:cs typeface="Calibri"/>
-                <a:sym typeface="Calibri"/>
-              </a:rPr>
-              <a:t>In: Nuclear Engineering and Design 345 (2019), pp. 94–109. issn: 0029-5493. doi: https:</a:t>
-            </a:r>
-            <a:endParaRPr sz="1000">
-              <a:solidFill>
-                <a:srgbClr val="13294B"/>
-              </a:solidFill>
-              <a:latin typeface="Calibri"/>
-              <a:ea typeface="Calibri"/>
-              <a:cs typeface="Calibri"/>
-              <a:sym typeface="Calibri"/>
-            </a:endParaRPr>
-          </a:p>
-          <a:p>
-            <a:pPr indent="0" lvl="0" marL="0" rtl="0" algn="l">
-              <a:spcBef>
-                <a:spcPts val="0"/>
-              </a:spcBef>
-              <a:spcAft>
-                <a:spcPts val="0"/>
-              </a:spcAft>
-              <a:buNone/>
-            </a:pPr>
-            <a:r>
-              <a:rPr lang="en-US" sz="1000">
-                <a:solidFill>
-                  <a:srgbClr val="13294B"/>
-                </a:solidFill>
-                <a:latin typeface="Calibri"/>
-                <a:ea typeface="Calibri"/>
-                <a:cs typeface="Calibri"/>
-                <a:sym typeface="Calibri"/>
-              </a:rPr>
-              <a:t>//doi.org/10.1016/j.nucengdes.2019.02.002. url: https://www.sciencedirect.com/</a:t>
-            </a:r>
-            <a:endParaRPr sz="1000">
-              <a:solidFill>
-                <a:srgbClr val="13294B"/>
-              </a:solidFill>
-              <a:latin typeface="Calibri"/>
-              <a:ea typeface="Calibri"/>
-              <a:cs typeface="Calibri"/>
-              <a:sym typeface="Calibri"/>
-            </a:endParaRPr>
-          </a:p>
-          <a:p>
-            <a:pPr indent="0" lvl="0" marL="0" rtl="0" algn="l">
-              <a:spcBef>
-                <a:spcPts val="0"/>
-              </a:spcBef>
-              <a:spcAft>
-                <a:spcPts val="0"/>
-              </a:spcAft>
-              <a:buNone/>
-            </a:pPr>
-            <a:r>
-              <a:rPr lang="en-US" sz="1000">
-                <a:solidFill>
-                  <a:srgbClr val="13294B"/>
-                </a:solidFill>
-                <a:latin typeface="Calibri"/>
-                <a:ea typeface="Calibri"/>
-                <a:cs typeface="Calibri"/>
-                <a:sym typeface="Calibri"/>
-              </a:rPr>
-              <a:t>science/article/pii/S002954931930024X.</a:t>
-            </a:r>
-            <a:endParaRPr sz="1000">
-              <a:solidFill>
-                <a:srgbClr val="13294B"/>
-              </a:solidFill>
-              <a:latin typeface="Calibri"/>
-              <a:ea typeface="Calibri"/>
-              <a:cs typeface="Calibri"/>
-              <a:sym typeface="Calibri"/>
-            </a:endParaRPr>
-          </a:p>
-          <a:p>
-            <a:pPr indent="0" lvl="0" marL="0" rtl="0" algn="l">
-              <a:spcBef>
-                <a:spcPts val="0"/>
-              </a:spcBef>
-              <a:spcAft>
-                <a:spcPts val="0"/>
-              </a:spcAft>
-              <a:buNone/>
-            </a:pPr>
-            <a:r>
-              <a:rPr lang="en-US" sz="1000">
-                <a:solidFill>
-                  <a:srgbClr val="13294B"/>
-                </a:solidFill>
-                <a:latin typeface="Calibri"/>
-                <a:ea typeface="Calibri"/>
-                <a:cs typeface="Calibri"/>
-                <a:sym typeface="Calibri"/>
-              </a:rPr>
-              <a:t>[17] IAEA. Non-baseload Operation in Nuclear Power Plants: Load Following and Frequency Control</a:t>
-            </a:r>
-            <a:endParaRPr sz="1000">
-              <a:solidFill>
-                <a:srgbClr val="13294B"/>
-              </a:solidFill>
-              <a:latin typeface="Calibri"/>
-              <a:ea typeface="Calibri"/>
-              <a:cs typeface="Calibri"/>
-              <a:sym typeface="Calibri"/>
-            </a:endParaRPr>
-          </a:p>
-          <a:p>
-            <a:pPr indent="0" lvl="0" marL="0" rtl="0" algn="l">
-              <a:spcBef>
-                <a:spcPts val="0"/>
-              </a:spcBef>
-              <a:spcAft>
-                <a:spcPts val="0"/>
-              </a:spcAft>
-              <a:buNone/>
-            </a:pPr>
-            <a:r>
-              <a:rPr lang="en-US" sz="1000">
-                <a:solidFill>
-                  <a:srgbClr val="13294B"/>
-                </a:solidFill>
-                <a:latin typeface="Calibri"/>
-                <a:ea typeface="Calibri"/>
-                <a:cs typeface="Calibri"/>
-                <a:sym typeface="Calibri"/>
-              </a:rPr>
-              <a:t>Modes of Flexible Operation. Tech. rep. IAEA, 2018.</a:t>
-            </a:r>
-            <a:endParaRPr sz="1000">
-              <a:solidFill>
-                <a:srgbClr val="13294B"/>
-              </a:solidFill>
-              <a:latin typeface="Calibri"/>
-              <a:ea typeface="Calibri"/>
-              <a:cs typeface="Calibri"/>
-              <a:sym typeface="Calibri"/>
-            </a:endParaRPr>
-          </a:p>
-          <a:p>
-            <a:pPr indent="0" lvl="0" marL="0" marR="0" rtl="0" algn="l">
-              <a:lnSpc>
-                <a:spcPct val="100000"/>
-              </a:lnSpc>
-              <a:spcBef>
-                <a:spcPts val="0"/>
-              </a:spcBef>
-              <a:spcAft>
-                <a:spcPts val="0"/>
-              </a:spcAft>
-              <a:buNone/>
-            </a:pPr>
-            <a:r>
-              <a:t/>
             </a:r>
             <a:endParaRPr sz="3000">
               <a:solidFill>
@@ -11757,7 +10448,1730 @@
       </p:grpSpPr>
       <p:sp>
         <p:nvSpPr>
-          <p:cNvPr id="138" name="Google Shape;138;g34a116c0306_2_10"/>
+          <p:cNvPr id="138" name="Google Shape;138;g34a116c0306_2_20"/>
+          <p:cNvSpPr txBox="1"/>
+          <p:nvPr>
+            <p:ph idx="4294967295" type="title"/>
+          </p:nvPr>
+        </p:nvSpPr>
+        <p:spPr>
+          <a:xfrm>
+            <a:off x="709625" y="365125"/>
+            <a:ext cx="10995300" cy="1325700"/>
+          </a:xfrm>
+          <a:prstGeom prst="rect">
+            <a:avLst/>
+          </a:prstGeom>
+          <a:noFill/>
+          <a:ln>
+            <a:noFill/>
+          </a:ln>
+        </p:spPr>
+        <p:txBody>
+          <a:bodyPr anchorCtr="0" anchor="ctr" bIns="45700" lIns="91425" spcFirstLastPara="1" rIns="91425" wrap="square" tIns="45700">
+            <a:normAutofit/>
+          </a:bodyPr>
+          <a:lstStyle/>
+          <a:p>
+            <a:pPr indent="0" lvl="0" marL="0" rtl="0" algn="l">
+              <a:lnSpc>
+                <a:spcPct val="90000"/>
+              </a:lnSpc>
+              <a:spcBef>
+                <a:spcPts val="0"/>
+              </a:spcBef>
+              <a:spcAft>
+                <a:spcPts val="0"/>
+              </a:spcAft>
+              <a:buClr>
+                <a:srgbClr val="E84A27"/>
+              </a:buClr>
+              <a:buSzPts val="4400"/>
+              <a:buFont typeface="Georgia"/>
+              <a:buNone/>
+            </a:pPr>
+            <a:r>
+              <a:rPr lang="en-US"/>
+              <a:t>References</a:t>
+            </a:r>
+            <a:endParaRPr/>
+          </a:p>
+        </p:txBody>
+      </p:sp>
+      <p:sp>
+        <p:nvSpPr>
+          <p:cNvPr id="139" name="Google Shape;139;g34a116c0306_2_20"/>
+          <p:cNvSpPr txBox="1"/>
+          <p:nvPr/>
+        </p:nvSpPr>
+        <p:spPr>
+          <a:xfrm>
+            <a:off x="709625" y="1690825"/>
+            <a:ext cx="5506500" cy="4361700"/>
+          </a:xfrm>
+          <a:prstGeom prst="rect">
+            <a:avLst/>
+          </a:prstGeom>
+          <a:noFill/>
+          <a:ln>
+            <a:noFill/>
+          </a:ln>
+        </p:spPr>
+        <p:txBody>
+          <a:bodyPr anchorCtr="0" anchor="t" bIns="91425" lIns="91425" spcFirstLastPara="1" rIns="91425" wrap="square" tIns="91425">
+            <a:noAutofit/>
+          </a:bodyPr>
+          <a:lstStyle/>
+          <a:p>
+            <a:pPr indent="0" lvl="0" marL="0" rtl="0" algn="l">
+              <a:spcBef>
+                <a:spcPts val="0"/>
+              </a:spcBef>
+              <a:spcAft>
+                <a:spcPts val="0"/>
+              </a:spcAft>
+              <a:buNone/>
+            </a:pPr>
+            <a:r>
+              <a:rPr lang="en-US" sz="1000">
+                <a:solidFill>
+                  <a:srgbClr val="13294B"/>
+                </a:solidFill>
+                <a:latin typeface="Calibri"/>
+                <a:ea typeface="Calibri"/>
+                <a:cs typeface="Calibri"/>
+                <a:sym typeface="Calibri"/>
+              </a:rPr>
+              <a:t>[1] U. S. D. of Energy. Pathways to Commercial Liftoff: Advanced Nuclear. Tech. rep. Department</a:t>
+            </a:r>
+            <a:endParaRPr sz="1000">
+              <a:solidFill>
+                <a:srgbClr val="13294B"/>
+              </a:solidFill>
+              <a:latin typeface="Calibri"/>
+              <a:ea typeface="Calibri"/>
+              <a:cs typeface="Calibri"/>
+              <a:sym typeface="Calibri"/>
+            </a:endParaRPr>
+          </a:p>
+          <a:p>
+            <a:pPr indent="0" lvl="0" marL="0" rtl="0" algn="l">
+              <a:spcBef>
+                <a:spcPts val="0"/>
+              </a:spcBef>
+              <a:spcAft>
+                <a:spcPts val="0"/>
+              </a:spcAft>
+              <a:buNone/>
+            </a:pPr>
+            <a:r>
+              <a:rPr lang="en-US" sz="1000">
+                <a:solidFill>
+                  <a:srgbClr val="13294B"/>
+                </a:solidFill>
+                <a:latin typeface="Calibri"/>
+                <a:ea typeface="Calibri"/>
+                <a:cs typeface="Calibri"/>
+                <a:sym typeface="Calibri"/>
+              </a:rPr>
+              <a:t>of Energy, 2024.</a:t>
+            </a:r>
+            <a:endParaRPr sz="1000">
+              <a:solidFill>
+                <a:srgbClr val="13294B"/>
+              </a:solidFill>
+              <a:latin typeface="Calibri"/>
+              <a:ea typeface="Calibri"/>
+              <a:cs typeface="Calibri"/>
+              <a:sym typeface="Calibri"/>
+            </a:endParaRPr>
+          </a:p>
+          <a:p>
+            <a:pPr indent="0" lvl="0" marL="0" rtl="0" algn="l">
+              <a:spcBef>
+                <a:spcPts val="0"/>
+              </a:spcBef>
+              <a:spcAft>
+                <a:spcPts val="0"/>
+              </a:spcAft>
+              <a:buNone/>
+            </a:pPr>
+            <a:r>
+              <a:rPr lang="en-US" sz="1000">
+                <a:solidFill>
+                  <a:srgbClr val="13294B"/>
+                </a:solidFill>
+                <a:latin typeface="Calibri"/>
+                <a:ea typeface="Calibri"/>
+                <a:cs typeface="Calibri"/>
+                <a:sym typeface="Calibri"/>
+              </a:rPr>
+              <a:t>[2] A. P. P. Association. “America’s Electricity Generating Capacity”. In: (2024).</a:t>
+            </a:r>
+            <a:endParaRPr sz="1000">
+              <a:solidFill>
+                <a:srgbClr val="13294B"/>
+              </a:solidFill>
+              <a:latin typeface="Calibri"/>
+              <a:ea typeface="Calibri"/>
+              <a:cs typeface="Calibri"/>
+              <a:sym typeface="Calibri"/>
+            </a:endParaRPr>
+          </a:p>
+          <a:p>
+            <a:pPr indent="0" lvl="0" marL="0" rtl="0" algn="l">
+              <a:spcBef>
+                <a:spcPts val="0"/>
+              </a:spcBef>
+              <a:spcAft>
+                <a:spcPts val="0"/>
+              </a:spcAft>
+              <a:buNone/>
+            </a:pPr>
+            <a:r>
+              <a:rPr lang="en-US" sz="1000">
+                <a:solidFill>
+                  <a:srgbClr val="13294B"/>
+                </a:solidFill>
+                <a:latin typeface="Calibri"/>
+                <a:ea typeface="Calibri"/>
+                <a:cs typeface="Calibri"/>
+                <a:sym typeface="Calibri"/>
+              </a:rPr>
+              <a:t>[3] W. N. Association. “Nuclear Power Reactors”. In: (2025).</a:t>
+            </a:r>
+            <a:endParaRPr sz="1000">
+              <a:solidFill>
+                <a:srgbClr val="13294B"/>
+              </a:solidFill>
+              <a:latin typeface="Calibri"/>
+              <a:ea typeface="Calibri"/>
+              <a:cs typeface="Calibri"/>
+              <a:sym typeface="Calibri"/>
+            </a:endParaRPr>
+          </a:p>
+          <a:p>
+            <a:pPr indent="0" lvl="0" marL="0" rtl="0" algn="l">
+              <a:spcBef>
+                <a:spcPts val="0"/>
+              </a:spcBef>
+              <a:spcAft>
+                <a:spcPts val="0"/>
+              </a:spcAft>
+              <a:buNone/>
+            </a:pPr>
+            <a:r>
+              <a:rPr lang="en-US" sz="1000">
+                <a:solidFill>
+                  <a:srgbClr val="13294B"/>
+                </a:solidFill>
+                <a:latin typeface="Calibri"/>
+                <a:ea typeface="Calibri"/>
+                <a:cs typeface="Calibri"/>
+                <a:sym typeface="Calibri"/>
+              </a:rPr>
+              <a:t>[4] GIF R&amp;D OUTLOOK FOR GENERATION IV NUCLEAR ENERGY SYSTEMS. Tech. rep.</a:t>
+            </a:r>
+            <a:endParaRPr sz="1000">
+              <a:solidFill>
+                <a:srgbClr val="13294B"/>
+              </a:solidFill>
+              <a:latin typeface="Calibri"/>
+              <a:ea typeface="Calibri"/>
+              <a:cs typeface="Calibri"/>
+              <a:sym typeface="Calibri"/>
+            </a:endParaRPr>
+          </a:p>
+          <a:p>
+            <a:pPr indent="0" lvl="0" marL="0" rtl="0" algn="l">
+              <a:spcBef>
+                <a:spcPts val="0"/>
+              </a:spcBef>
+              <a:spcAft>
+                <a:spcPts val="0"/>
+              </a:spcAft>
+              <a:buNone/>
+            </a:pPr>
+            <a:r>
+              <a:rPr lang="en-US" sz="1000">
+                <a:solidFill>
+                  <a:srgbClr val="13294B"/>
+                </a:solidFill>
+                <a:latin typeface="Calibri"/>
+                <a:ea typeface="Calibri"/>
+                <a:cs typeface="Calibri"/>
+                <a:sym typeface="Calibri"/>
+              </a:rPr>
+              <a:t>Generation IV International Forum, 2018. url: https : / / www . gen - 4 . org / resources /</a:t>
+            </a:r>
+            <a:endParaRPr sz="1000">
+              <a:solidFill>
+                <a:srgbClr val="13294B"/>
+              </a:solidFill>
+              <a:latin typeface="Calibri"/>
+              <a:ea typeface="Calibri"/>
+              <a:cs typeface="Calibri"/>
+              <a:sym typeface="Calibri"/>
+            </a:endParaRPr>
+          </a:p>
+          <a:p>
+            <a:pPr indent="0" lvl="0" marL="0" rtl="0" algn="l">
+              <a:spcBef>
+                <a:spcPts val="0"/>
+              </a:spcBef>
+              <a:spcAft>
+                <a:spcPts val="0"/>
+              </a:spcAft>
+              <a:buNone/>
+            </a:pPr>
+            <a:r>
+              <a:rPr lang="en-US" sz="1000">
+                <a:solidFill>
+                  <a:srgbClr val="13294B"/>
+                </a:solidFill>
+                <a:latin typeface="Calibri"/>
+                <a:ea typeface="Calibri"/>
+                <a:cs typeface="Calibri"/>
+                <a:sym typeface="Calibri"/>
+              </a:rPr>
+              <a:t>reports/gif- research- and- development- outlook- generation- iv- nuclear- energy-</a:t>
+            </a:r>
+            <a:endParaRPr sz="1000">
+              <a:solidFill>
+                <a:srgbClr val="13294B"/>
+              </a:solidFill>
+              <a:latin typeface="Calibri"/>
+              <a:ea typeface="Calibri"/>
+              <a:cs typeface="Calibri"/>
+              <a:sym typeface="Calibri"/>
+            </a:endParaRPr>
+          </a:p>
+          <a:p>
+            <a:pPr indent="0" lvl="0" marL="0" rtl="0" algn="l">
+              <a:spcBef>
+                <a:spcPts val="0"/>
+              </a:spcBef>
+              <a:spcAft>
+                <a:spcPts val="0"/>
+              </a:spcAft>
+              <a:buNone/>
+            </a:pPr>
+            <a:r>
+              <a:rPr lang="en-US" sz="1000">
+                <a:solidFill>
+                  <a:srgbClr val="13294B"/>
+                </a:solidFill>
+                <a:latin typeface="Calibri"/>
+                <a:ea typeface="Calibri"/>
+                <a:cs typeface="Calibri"/>
+                <a:sym typeface="Calibri"/>
+              </a:rPr>
+              <a:t>systems-2018.</a:t>
+            </a:r>
+            <a:endParaRPr sz="1000">
+              <a:solidFill>
+                <a:srgbClr val="13294B"/>
+              </a:solidFill>
+              <a:latin typeface="Calibri"/>
+              <a:ea typeface="Calibri"/>
+              <a:cs typeface="Calibri"/>
+              <a:sym typeface="Calibri"/>
+            </a:endParaRPr>
+          </a:p>
+          <a:p>
+            <a:pPr indent="0" lvl="0" marL="0" rtl="0" algn="l">
+              <a:spcBef>
+                <a:spcPts val="0"/>
+              </a:spcBef>
+              <a:spcAft>
+                <a:spcPts val="0"/>
+              </a:spcAft>
+              <a:buNone/>
+            </a:pPr>
+            <a:r>
+              <a:rPr lang="en-US" sz="1000">
+                <a:solidFill>
+                  <a:srgbClr val="13294B"/>
+                </a:solidFill>
+                <a:latin typeface="Calibri"/>
+                <a:ea typeface="Calibri"/>
+                <a:cs typeface="Calibri"/>
+                <a:sym typeface="Calibri"/>
+              </a:rPr>
+              <a:t>[5] H. Li et al. “Study on tritium transport characteristics in fluoride-salt-cooled high-temperature</a:t>
+            </a:r>
+            <a:endParaRPr sz="1000">
+              <a:solidFill>
+                <a:srgbClr val="13294B"/>
+              </a:solidFill>
+              <a:latin typeface="Calibri"/>
+              <a:ea typeface="Calibri"/>
+              <a:cs typeface="Calibri"/>
+              <a:sym typeface="Calibri"/>
+            </a:endParaRPr>
+          </a:p>
+          <a:p>
+            <a:pPr indent="0" lvl="0" marL="0" rtl="0" algn="l">
+              <a:spcBef>
+                <a:spcPts val="0"/>
+              </a:spcBef>
+              <a:spcAft>
+                <a:spcPts val="0"/>
+              </a:spcAft>
+              <a:buNone/>
+            </a:pPr>
+            <a:r>
+              <a:rPr lang="en-US" sz="1000">
+                <a:solidFill>
+                  <a:srgbClr val="13294B"/>
+                </a:solidFill>
+                <a:latin typeface="Calibri"/>
+                <a:ea typeface="Calibri"/>
+                <a:cs typeface="Calibri"/>
+                <a:sym typeface="Calibri"/>
+              </a:rPr>
+              <a:t>advanced reactor”. In: International Journal of Hydrogen Energy 56 (2024), pp. 1101–1110.</a:t>
+            </a:r>
+            <a:endParaRPr sz="1000">
+              <a:solidFill>
+                <a:srgbClr val="13294B"/>
+              </a:solidFill>
+              <a:latin typeface="Calibri"/>
+              <a:ea typeface="Calibri"/>
+              <a:cs typeface="Calibri"/>
+              <a:sym typeface="Calibri"/>
+            </a:endParaRPr>
+          </a:p>
+          <a:p>
+            <a:pPr indent="0" lvl="0" marL="0" rtl="0" algn="l">
+              <a:spcBef>
+                <a:spcPts val="0"/>
+              </a:spcBef>
+              <a:spcAft>
+                <a:spcPts val="0"/>
+              </a:spcAft>
+              <a:buNone/>
+            </a:pPr>
+            <a:r>
+              <a:rPr lang="en-US" sz="1000">
+                <a:solidFill>
+                  <a:srgbClr val="13294B"/>
+                </a:solidFill>
+                <a:latin typeface="Calibri"/>
+                <a:ea typeface="Calibri"/>
+                <a:cs typeface="Calibri"/>
+                <a:sym typeface="Calibri"/>
+              </a:rPr>
+              <a:t>issn: 0360-3199. doi: https://doi.org/10.1016/j.ijhydene.2023.12.199. url: https:</a:t>
+            </a:r>
+            <a:endParaRPr sz="1000">
+              <a:solidFill>
+                <a:srgbClr val="13294B"/>
+              </a:solidFill>
+              <a:latin typeface="Calibri"/>
+              <a:ea typeface="Calibri"/>
+              <a:cs typeface="Calibri"/>
+              <a:sym typeface="Calibri"/>
+            </a:endParaRPr>
+          </a:p>
+          <a:p>
+            <a:pPr indent="0" lvl="0" marL="0" rtl="0" algn="l">
+              <a:spcBef>
+                <a:spcPts val="0"/>
+              </a:spcBef>
+              <a:spcAft>
+                <a:spcPts val="0"/>
+              </a:spcAft>
+              <a:buNone/>
+            </a:pPr>
+            <a:r>
+              <a:rPr lang="en-US" sz="1000">
+                <a:solidFill>
+                  <a:srgbClr val="13294B"/>
+                </a:solidFill>
+                <a:latin typeface="Calibri"/>
+                <a:ea typeface="Calibri"/>
+                <a:cs typeface="Calibri"/>
+                <a:sym typeface="Calibri"/>
+              </a:rPr>
+              <a:t>//www.sciencedirect.com/science/article/pii/S0360319923064996.</a:t>
+            </a:r>
+            <a:endParaRPr sz="1000">
+              <a:solidFill>
+                <a:srgbClr val="13294B"/>
+              </a:solidFill>
+              <a:latin typeface="Calibri"/>
+              <a:ea typeface="Calibri"/>
+              <a:cs typeface="Calibri"/>
+              <a:sym typeface="Calibri"/>
+            </a:endParaRPr>
+          </a:p>
+          <a:p>
+            <a:pPr indent="0" lvl="0" marL="0" rtl="0" algn="l">
+              <a:spcBef>
+                <a:spcPts val="0"/>
+              </a:spcBef>
+              <a:spcAft>
+                <a:spcPts val="0"/>
+              </a:spcAft>
+              <a:buNone/>
+            </a:pPr>
+            <a:r>
+              <a:rPr lang="en-US" sz="1000">
+                <a:solidFill>
+                  <a:srgbClr val="13294B"/>
+                </a:solidFill>
+                <a:latin typeface="Calibri"/>
+                <a:ea typeface="Calibri"/>
+                <a:cs typeface="Calibri"/>
+                <a:sym typeface="Calibri"/>
+              </a:rPr>
+              <a:t>[6] P. N. Haubenreich and J. R. Engel. “Experience with the Molten-Salt Reactor Experiment”.</a:t>
+            </a:r>
+            <a:endParaRPr sz="1000">
+              <a:solidFill>
+                <a:srgbClr val="13294B"/>
+              </a:solidFill>
+              <a:latin typeface="Calibri"/>
+              <a:ea typeface="Calibri"/>
+              <a:cs typeface="Calibri"/>
+              <a:sym typeface="Calibri"/>
+            </a:endParaRPr>
+          </a:p>
+          <a:p>
+            <a:pPr indent="0" lvl="0" marL="0" rtl="0" algn="l">
+              <a:spcBef>
+                <a:spcPts val="0"/>
+              </a:spcBef>
+              <a:spcAft>
+                <a:spcPts val="0"/>
+              </a:spcAft>
+              <a:buNone/>
+            </a:pPr>
+            <a:r>
+              <a:rPr lang="en-US" sz="1000">
+                <a:solidFill>
+                  <a:srgbClr val="13294B"/>
+                </a:solidFill>
+                <a:latin typeface="Calibri"/>
+                <a:ea typeface="Calibri"/>
+                <a:cs typeface="Calibri"/>
+                <a:sym typeface="Calibri"/>
+              </a:rPr>
+              <a:t>In: Nuclear Applications and Technology 8.2 (1970), pp. 118–136. doi: 10.13182/NT8-2-118.</a:t>
+            </a:r>
+            <a:endParaRPr sz="1000">
+              <a:solidFill>
+                <a:srgbClr val="13294B"/>
+              </a:solidFill>
+              <a:latin typeface="Calibri"/>
+              <a:ea typeface="Calibri"/>
+              <a:cs typeface="Calibri"/>
+              <a:sym typeface="Calibri"/>
+            </a:endParaRPr>
+          </a:p>
+          <a:p>
+            <a:pPr indent="0" lvl="0" marL="0" rtl="0" algn="l">
+              <a:spcBef>
+                <a:spcPts val="0"/>
+              </a:spcBef>
+              <a:spcAft>
+                <a:spcPts val="0"/>
+              </a:spcAft>
+              <a:buNone/>
+            </a:pPr>
+            <a:r>
+              <a:rPr lang="en-US" sz="1000">
+                <a:solidFill>
+                  <a:srgbClr val="13294B"/>
+                </a:solidFill>
+                <a:latin typeface="Calibri"/>
+                <a:ea typeface="Calibri"/>
+                <a:cs typeface="Calibri"/>
+                <a:sym typeface="Calibri"/>
+              </a:rPr>
+              <a:t>eprint: https://doi.org/10.13182/NT8-2-118. url: https://doi.org/10.13182/NT8-2-</a:t>
+            </a:r>
+            <a:endParaRPr sz="1000">
+              <a:solidFill>
+                <a:srgbClr val="13294B"/>
+              </a:solidFill>
+              <a:latin typeface="Calibri"/>
+              <a:ea typeface="Calibri"/>
+              <a:cs typeface="Calibri"/>
+              <a:sym typeface="Calibri"/>
+            </a:endParaRPr>
+          </a:p>
+          <a:p>
+            <a:pPr indent="0" lvl="0" marL="0" rtl="0" algn="l">
+              <a:spcBef>
+                <a:spcPts val="0"/>
+              </a:spcBef>
+              <a:spcAft>
+                <a:spcPts val="0"/>
+              </a:spcAft>
+              <a:buNone/>
+            </a:pPr>
+            <a:r>
+              <a:rPr lang="en-US" sz="1000">
+                <a:solidFill>
+                  <a:srgbClr val="13294B"/>
+                </a:solidFill>
+                <a:latin typeface="Calibri"/>
+                <a:ea typeface="Calibri"/>
+                <a:cs typeface="Calibri"/>
+                <a:sym typeface="Calibri"/>
+              </a:rPr>
+              <a:t>118.</a:t>
+            </a:r>
+            <a:endParaRPr sz="1000">
+              <a:solidFill>
+                <a:srgbClr val="13294B"/>
+              </a:solidFill>
+              <a:latin typeface="Calibri"/>
+              <a:ea typeface="Calibri"/>
+              <a:cs typeface="Calibri"/>
+              <a:sym typeface="Calibri"/>
+            </a:endParaRPr>
+          </a:p>
+          <a:p>
+            <a:pPr indent="0" lvl="0" marL="0" rtl="0" algn="l">
+              <a:spcBef>
+                <a:spcPts val="0"/>
+              </a:spcBef>
+              <a:spcAft>
+                <a:spcPts val="0"/>
+              </a:spcAft>
+              <a:buNone/>
+            </a:pPr>
+            <a:r>
+              <a:rPr lang="en-US" sz="1000">
+                <a:solidFill>
+                  <a:srgbClr val="13294B"/>
+                </a:solidFill>
+                <a:latin typeface="Calibri"/>
+                <a:ea typeface="Calibri"/>
+                <a:cs typeface="Calibri"/>
+                <a:sym typeface="Calibri"/>
+              </a:rPr>
+              <a:t>[7] R. C. Robertson. CONCEPTUAL DESIGN STUDY OF A SINGLE-FLUID MOLTEN-SALT</a:t>
+            </a:r>
+            <a:endParaRPr sz="1000">
+              <a:solidFill>
+                <a:srgbClr val="13294B"/>
+              </a:solidFill>
+              <a:latin typeface="Calibri"/>
+              <a:ea typeface="Calibri"/>
+              <a:cs typeface="Calibri"/>
+              <a:sym typeface="Calibri"/>
+            </a:endParaRPr>
+          </a:p>
+          <a:p>
+            <a:pPr indent="0" lvl="0" marL="0" rtl="0" algn="l">
+              <a:spcBef>
+                <a:spcPts val="0"/>
+              </a:spcBef>
+              <a:spcAft>
+                <a:spcPts val="0"/>
+              </a:spcAft>
+              <a:buNone/>
+            </a:pPr>
+            <a:r>
+              <a:rPr lang="en-US" sz="1000">
+                <a:solidFill>
+                  <a:srgbClr val="13294B"/>
+                </a:solidFill>
+                <a:latin typeface="Calibri"/>
+                <a:ea typeface="Calibri"/>
+                <a:cs typeface="Calibri"/>
+                <a:sym typeface="Calibri"/>
+              </a:rPr>
+              <a:t>BREEDER REACTOR. Tech. rep. comp.; Oak Ridge National Lab. (ORNL), Oak Ridge, TN</a:t>
+            </a:r>
+            <a:endParaRPr sz="1000">
+              <a:solidFill>
+                <a:srgbClr val="13294B"/>
+              </a:solidFill>
+              <a:latin typeface="Calibri"/>
+              <a:ea typeface="Calibri"/>
+              <a:cs typeface="Calibri"/>
+              <a:sym typeface="Calibri"/>
+            </a:endParaRPr>
+          </a:p>
+          <a:p>
+            <a:pPr indent="0" lvl="0" marL="0" rtl="0" algn="l">
+              <a:spcBef>
+                <a:spcPts val="0"/>
+              </a:spcBef>
+              <a:spcAft>
+                <a:spcPts val="0"/>
+              </a:spcAft>
+              <a:buNone/>
+            </a:pPr>
+            <a:r>
+              <a:rPr lang="en-US" sz="1000">
+                <a:solidFill>
+                  <a:srgbClr val="13294B"/>
+                </a:solidFill>
+                <a:latin typeface="Calibri"/>
+                <a:ea typeface="Calibri"/>
+                <a:cs typeface="Calibri"/>
+                <a:sym typeface="Calibri"/>
+              </a:rPr>
+              <a:t>(United States), Jan. 1971. doi: 10.2172/4030941. url: https://www.osti.gov/biblio/</a:t>
+            </a:r>
+            <a:endParaRPr sz="1000">
+              <a:solidFill>
+                <a:srgbClr val="13294B"/>
+              </a:solidFill>
+              <a:latin typeface="Calibri"/>
+              <a:ea typeface="Calibri"/>
+              <a:cs typeface="Calibri"/>
+              <a:sym typeface="Calibri"/>
+            </a:endParaRPr>
+          </a:p>
+          <a:p>
+            <a:pPr indent="0" lvl="0" marL="0" rtl="0" algn="l">
+              <a:spcBef>
+                <a:spcPts val="0"/>
+              </a:spcBef>
+              <a:spcAft>
+                <a:spcPts val="0"/>
+              </a:spcAft>
+              <a:buNone/>
+            </a:pPr>
+            <a:r>
+              <a:rPr lang="en-US" sz="1000">
+                <a:solidFill>
+                  <a:srgbClr val="13294B"/>
+                </a:solidFill>
+                <a:latin typeface="Calibri"/>
+                <a:ea typeface="Calibri"/>
+                <a:cs typeface="Calibri"/>
+                <a:sym typeface="Calibri"/>
+              </a:rPr>
+              <a:t>4030941.</a:t>
+            </a:r>
+            <a:endParaRPr sz="1000">
+              <a:solidFill>
+                <a:srgbClr val="13294B"/>
+              </a:solidFill>
+              <a:latin typeface="Calibri"/>
+              <a:ea typeface="Calibri"/>
+              <a:cs typeface="Calibri"/>
+              <a:sym typeface="Calibri"/>
+            </a:endParaRPr>
+          </a:p>
+          <a:p>
+            <a:pPr indent="0" lvl="0" marL="0" rtl="0" algn="l">
+              <a:spcBef>
+                <a:spcPts val="0"/>
+              </a:spcBef>
+              <a:spcAft>
+                <a:spcPts val="0"/>
+              </a:spcAft>
+              <a:buNone/>
+            </a:pPr>
+            <a:r>
+              <a:rPr lang="en-US" sz="1000">
+                <a:solidFill>
+                  <a:srgbClr val="13294B"/>
+                </a:solidFill>
+                <a:latin typeface="Calibri"/>
+                <a:ea typeface="Calibri"/>
+                <a:cs typeface="Calibri"/>
+                <a:sym typeface="Calibri"/>
+              </a:rPr>
+              <a:t>18</a:t>
+            </a:r>
+            <a:endParaRPr sz="1000">
+              <a:solidFill>
+                <a:srgbClr val="13294B"/>
+              </a:solidFill>
+              <a:latin typeface="Calibri"/>
+              <a:ea typeface="Calibri"/>
+              <a:cs typeface="Calibri"/>
+              <a:sym typeface="Calibri"/>
+            </a:endParaRPr>
+          </a:p>
+          <a:p>
+            <a:pPr indent="0" lvl="0" marL="0" rtl="0" algn="l">
+              <a:spcBef>
+                <a:spcPts val="0"/>
+              </a:spcBef>
+              <a:spcAft>
+                <a:spcPts val="0"/>
+              </a:spcAft>
+              <a:buNone/>
+            </a:pPr>
+            <a:r>
+              <a:rPr lang="en-US" sz="1000">
+                <a:solidFill>
+                  <a:srgbClr val="13294B"/>
+                </a:solidFill>
+                <a:latin typeface="Calibri"/>
+                <a:ea typeface="Calibri"/>
+                <a:cs typeface="Calibri"/>
+                <a:sym typeface="Calibri"/>
+              </a:rPr>
+              <a:t>[8] Molten Salt Reactors and Thorium Energy. en. Elsevier, 2024. isbn: 9780323993555. doi:</a:t>
+            </a:r>
+            <a:endParaRPr sz="1000">
+              <a:solidFill>
+                <a:srgbClr val="13294B"/>
+              </a:solidFill>
+              <a:latin typeface="Calibri"/>
+              <a:ea typeface="Calibri"/>
+              <a:cs typeface="Calibri"/>
+              <a:sym typeface="Calibri"/>
+            </a:endParaRPr>
+          </a:p>
+          <a:p>
+            <a:pPr indent="0" lvl="0" marL="0" rtl="0" algn="l">
+              <a:spcBef>
+                <a:spcPts val="0"/>
+              </a:spcBef>
+              <a:spcAft>
+                <a:spcPts val="0"/>
+              </a:spcAft>
+              <a:buNone/>
+            </a:pPr>
+            <a:r>
+              <a:rPr lang="en-US" sz="1000">
+                <a:solidFill>
+                  <a:srgbClr val="13294B"/>
+                </a:solidFill>
+                <a:latin typeface="Calibri"/>
+                <a:ea typeface="Calibri"/>
+                <a:cs typeface="Calibri"/>
+                <a:sym typeface="Calibri"/>
+              </a:rPr>
+              <a:t>10.1016/C2021- 0- 01689- 8. url: https://linkinghub.elsevier.com/retrieve/pii/</a:t>
+            </a:r>
+            <a:endParaRPr sz="1000">
+              <a:solidFill>
+                <a:srgbClr val="13294B"/>
+              </a:solidFill>
+              <a:latin typeface="Calibri"/>
+              <a:ea typeface="Calibri"/>
+              <a:cs typeface="Calibri"/>
+              <a:sym typeface="Calibri"/>
+            </a:endParaRPr>
+          </a:p>
+          <a:p>
+            <a:pPr indent="0" lvl="0" marL="0" rtl="0" algn="l">
+              <a:spcBef>
+                <a:spcPts val="0"/>
+              </a:spcBef>
+              <a:spcAft>
+                <a:spcPts val="0"/>
+              </a:spcAft>
+              <a:buNone/>
+            </a:pPr>
+            <a:r>
+              <a:rPr lang="en-US" sz="1000">
+                <a:solidFill>
+                  <a:srgbClr val="13294B"/>
+                </a:solidFill>
+                <a:latin typeface="Calibri"/>
+                <a:ea typeface="Calibri"/>
+                <a:cs typeface="Calibri"/>
+                <a:sym typeface="Calibri"/>
+              </a:rPr>
+              <a:t>C20210016898 (visited on 03/22/2025).</a:t>
+            </a:r>
+            <a:endParaRPr sz="1000">
+              <a:solidFill>
+                <a:srgbClr val="13294B"/>
+              </a:solidFill>
+              <a:latin typeface="Calibri"/>
+              <a:ea typeface="Calibri"/>
+              <a:cs typeface="Calibri"/>
+              <a:sym typeface="Calibri"/>
+            </a:endParaRPr>
+          </a:p>
+          <a:p>
+            <a:pPr indent="0" lvl="0" marL="0" rtl="0" algn="l">
+              <a:spcBef>
+                <a:spcPts val="0"/>
+              </a:spcBef>
+              <a:spcAft>
+                <a:spcPts val="0"/>
+              </a:spcAft>
+              <a:buNone/>
+            </a:pPr>
+            <a:r>
+              <a:rPr lang="en-US" sz="1000">
+                <a:solidFill>
+                  <a:srgbClr val="13294B"/>
+                </a:solidFill>
+                <a:latin typeface="Calibri"/>
+                <a:ea typeface="Calibri"/>
+                <a:cs typeface="Calibri"/>
+                <a:sym typeface="Calibri"/>
+              </a:rPr>
+              <a:t>[9] Advanced Nuclear. en-US. url: https : / / liftoff . energy . gov / advanced - nuclear - 2/</a:t>
+            </a:r>
+            <a:endParaRPr sz="1000">
+              <a:solidFill>
+                <a:srgbClr val="13294B"/>
+              </a:solidFill>
+              <a:latin typeface="Calibri"/>
+              <a:ea typeface="Calibri"/>
+              <a:cs typeface="Calibri"/>
+              <a:sym typeface="Calibri"/>
+            </a:endParaRPr>
+          </a:p>
+          <a:p>
+            <a:pPr indent="0" lvl="0" marL="0" rtl="0" algn="l">
+              <a:spcBef>
+                <a:spcPts val="0"/>
+              </a:spcBef>
+              <a:spcAft>
+                <a:spcPts val="0"/>
+              </a:spcAft>
+              <a:buNone/>
+            </a:pPr>
+            <a:r>
+              <a:rPr lang="en-US" sz="1000">
+                <a:solidFill>
+                  <a:srgbClr val="13294B"/>
+                </a:solidFill>
+                <a:latin typeface="Calibri"/>
+                <a:ea typeface="Calibri"/>
+                <a:cs typeface="Calibri"/>
+                <a:sym typeface="Calibri"/>
+              </a:rPr>
+              <a:t>(visited on 03/22/2025).</a:t>
+            </a:r>
+            <a:endParaRPr sz="3000">
+              <a:solidFill>
+                <a:srgbClr val="13294B"/>
+              </a:solidFill>
+              <a:latin typeface="Calibri"/>
+              <a:ea typeface="Calibri"/>
+              <a:cs typeface="Calibri"/>
+              <a:sym typeface="Calibri"/>
+            </a:endParaRPr>
+          </a:p>
+        </p:txBody>
+      </p:sp>
+      <p:sp>
+        <p:nvSpPr>
+          <p:cNvPr id="140" name="Google Shape;140;g34a116c0306_2_20"/>
+          <p:cNvSpPr txBox="1"/>
+          <p:nvPr/>
+        </p:nvSpPr>
+        <p:spPr>
+          <a:xfrm>
+            <a:off x="6216125" y="1690825"/>
+            <a:ext cx="5506500" cy="4361700"/>
+          </a:xfrm>
+          <a:prstGeom prst="rect">
+            <a:avLst/>
+          </a:prstGeom>
+          <a:noFill/>
+          <a:ln>
+            <a:noFill/>
+          </a:ln>
+        </p:spPr>
+        <p:txBody>
+          <a:bodyPr anchorCtr="0" anchor="t" bIns="91425" lIns="91425" spcFirstLastPara="1" rIns="91425" wrap="square" tIns="91425">
+            <a:noAutofit/>
+          </a:bodyPr>
+          <a:lstStyle/>
+          <a:p>
+            <a:pPr indent="0" lvl="0" marL="0" rtl="0" algn="l">
+              <a:spcBef>
+                <a:spcPts val="0"/>
+              </a:spcBef>
+              <a:spcAft>
+                <a:spcPts val="0"/>
+              </a:spcAft>
+              <a:buNone/>
+            </a:pPr>
+            <a:r>
+              <a:rPr lang="en-US" sz="1000">
+                <a:solidFill>
+                  <a:srgbClr val="13294B"/>
+                </a:solidFill>
+                <a:latin typeface="Calibri"/>
+                <a:ea typeface="Calibri"/>
+                <a:cs typeface="Calibri"/>
+                <a:sym typeface="Calibri"/>
+              </a:rPr>
+              <a:t>[10] U. A. E. C. D. of Reactor Development and Technology. AN EVALUATION OF THE MOLTEN</a:t>
+            </a:r>
+            <a:endParaRPr sz="1000">
+              <a:solidFill>
+                <a:srgbClr val="13294B"/>
+              </a:solidFill>
+              <a:latin typeface="Calibri"/>
+              <a:ea typeface="Calibri"/>
+              <a:cs typeface="Calibri"/>
+              <a:sym typeface="Calibri"/>
+            </a:endParaRPr>
+          </a:p>
+          <a:p>
+            <a:pPr indent="0" lvl="0" marL="0" rtl="0" algn="l">
+              <a:spcBef>
+                <a:spcPts val="0"/>
+              </a:spcBef>
+              <a:spcAft>
+                <a:spcPts val="0"/>
+              </a:spcAft>
+              <a:buNone/>
+            </a:pPr>
+            <a:r>
+              <a:rPr lang="en-US" sz="1000">
+                <a:solidFill>
+                  <a:srgbClr val="13294B"/>
+                </a:solidFill>
+                <a:latin typeface="Calibri"/>
+                <a:ea typeface="Calibri"/>
+                <a:cs typeface="Calibri"/>
+                <a:sym typeface="Calibri"/>
+              </a:rPr>
+              <a:t>SALT BREEDER REACTOR. Tech. rep. US ATOMIC ENERGY COMISSION, 1972.</a:t>
+            </a:r>
+            <a:endParaRPr sz="1000">
+              <a:solidFill>
+                <a:srgbClr val="13294B"/>
+              </a:solidFill>
+              <a:latin typeface="Calibri"/>
+              <a:ea typeface="Calibri"/>
+              <a:cs typeface="Calibri"/>
+              <a:sym typeface="Calibri"/>
+            </a:endParaRPr>
+          </a:p>
+          <a:p>
+            <a:pPr indent="0" lvl="0" marL="0" rtl="0" algn="l">
+              <a:spcBef>
+                <a:spcPts val="0"/>
+              </a:spcBef>
+              <a:spcAft>
+                <a:spcPts val="0"/>
+              </a:spcAft>
+              <a:buNone/>
+            </a:pPr>
+            <a:r>
+              <a:rPr lang="en-US" sz="1000">
+                <a:solidFill>
+                  <a:srgbClr val="13294B"/>
+                </a:solidFill>
+                <a:latin typeface="Calibri"/>
+                <a:ea typeface="Calibri"/>
+                <a:cs typeface="Calibri"/>
+                <a:sym typeface="Calibri"/>
+              </a:rPr>
+              <a:t>[11] V. Dostál. “A supercritical carbon dioxide cycle for next generation nuclear reactors /”. In:</a:t>
+            </a:r>
+            <a:endParaRPr sz="1000">
+              <a:solidFill>
+                <a:srgbClr val="13294B"/>
+              </a:solidFill>
+              <a:latin typeface="Calibri"/>
+              <a:ea typeface="Calibri"/>
+              <a:cs typeface="Calibri"/>
+              <a:sym typeface="Calibri"/>
+            </a:endParaRPr>
+          </a:p>
+          <a:p>
+            <a:pPr indent="0" lvl="0" marL="0" rtl="0" algn="l">
+              <a:spcBef>
+                <a:spcPts val="0"/>
+              </a:spcBef>
+              <a:spcAft>
+                <a:spcPts val="0"/>
+              </a:spcAft>
+              <a:buNone/>
+            </a:pPr>
+            <a:r>
+              <a:rPr lang="en-US" sz="1000">
+                <a:solidFill>
+                  <a:srgbClr val="13294B"/>
+                </a:solidFill>
+                <a:latin typeface="Calibri"/>
+                <a:ea typeface="Calibri"/>
+                <a:cs typeface="Calibri"/>
+                <a:sym typeface="Calibri"/>
+              </a:rPr>
+              <a:t>154 (June 2005).</a:t>
+            </a:r>
+            <a:endParaRPr sz="1000">
+              <a:solidFill>
+                <a:srgbClr val="13294B"/>
+              </a:solidFill>
+              <a:latin typeface="Calibri"/>
+              <a:ea typeface="Calibri"/>
+              <a:cs typeface="Calibri"/>
+              <a:sym typeface="Calibri"/>
+            </a:endParaRPr>
+          </a:p>
+          <a:p>
+            <a:pPr indent="0" lvl="0" marL="0" rtl="0" algn="l">
+              <a:spcBef>
+                <a:spcPts val="0"/>
+              </a:spcBef>
+              <a:spcAft>
+                <a:spcPts val="0"/>
+              </a:spcAft>
+              <a:buNone/>
+            </a:pPr>
+            <a:r>
+              <a:rPr lang="en-US" sz="1000">
+                <a:solidFill>
+                  <a:srgbClr val="13294B"/>
+                </a:solidFill>
+                <a:latin typeface="Calibri"/>
+                <a:ea typeface="Calibri"/>
+                <a:cs typeface="Calibri"/>
+                <a:sym typeface="Calibri"/>
+              </a:rPr>
+              <a:t>[12] C. W. Forsberg et al. “Tritium Control and Capture in Salt-Cooled Fission and Fusion</a:t>
+            </a:r>
+            <a:endParaRPr sz="1000">
+              <a:solidFill>
+                <a:srgbClr val="13294B"/>
+              </a:solidFill>
+              <a:latin typeface="Calibri"/>
+              <a:ea typeface="Calibri"/>
+              <a:cs typeface="Calibri"/>
+              <a:sym typeface="Calibri"/>
+            </a:endParaRPr>
+          </a:p>
+          <a:p>
+            <a:pPr indent="0" lvl="0" marL="0" rtl="0" algn="l">
+              <a:spcBef>
+                <a:spcPts val="0"/>
+              </a:spcBef>
+              <a:spcAft>
+                <a:spcPts val="0"/>
+              </a:spcAft>
+              <a:buNone/>
+            </a:pPr>
+            <a:r>
+              <a:rPr lang="en-US" sz="1000">
+                <a:solidFill>
+                  <a:srgbClr val="13294B"/>
+                </a:solidFill>
+                <a:latin typeface="Calibri"/>
+                <a:ea typeface="Calibri"/>
+                <a:cs typeface="Calibri"/>
+                <a:sym typeface="Calibri"/>
+              </a:rPr>
+              <a:t>Reactors: Status, Challenges, and Path Forward”. In: Nuclear Technology 197.2 (2017), pp. 119–139.</a:t>
+            </a:r>
+            <a:endParaRPr sz="1000">
+              <a:solidFill>
+                <a:srgbClr val="13294B"/>
+              </a:solidFill>
+              <a:latin typeface="Calibri"/>
+              <a:ea typeface="Calibri"/>
+              <a:cs typeface="Calibri"/>
+              <a:sym typeface="Calibri"/>
+            </a:endParaRPr>
+          </a:p>
+          <a:p>
+            <a:pPr indent="0" lvl="0" marL="0" rtl="0" algn="l">
+              <a:spcBef>
+                <a:spcPts val="0"/>
+              </a:spcBef>
+              <a:spcAft>
+                <a:spcPts val="0"/>
+              </a:spcAft>
+              <a:buNone/>
+            </a:pPr>
+            <a:r>
+              <a:rPr lang="en-US" sz="1000">
+                <a:solidFill>
+                  <a:srgbClr val="13294B"/>
+                </a:solidFill>
+                <a:latin typeface="Calibri"/>
+                <a:ea typeface="Calibri"/>
+                <a:cs typeface="Calibri"/>
+                <a:sym typeface="Calibri"/>
+              </a:rPr>
+              <a:t>doi: 10.13182/NT16-101. url: https://doi.org/10.13182/NT16-101.</a:t>
+            </a:r>
+            <a:endParaRPr sz="1000">
+              <a:solidFill>
+                <a:srgbClr val="13294B"/>
+              </a:solidFill>
+              <a:latin typeface="Calibri"/>
+              <a:ea typeface="Calibri"/>
+              <a:cs typeface="Calibri"/>
+              <a:sym typeface="Calibri"/>
+            </a:endParaRPr>
+          </a:p>
+          <a:p>
+            <a:pPr indent="0" lvl="0" marL="0" rtl="0" algn="l">
+              <a:spcBef>
+                <a:spcPts val="0"/>
+              </a:spcBef>
+              <a:spcAft>
+                <a:spcPts val="0"/>
+              </a:spcAft>
+              <a:buNone/>
+            </a:pPr>
+            <a:r>
+              <a:rPr lang="en-US" sz="1000">
+                <a:solidFill>
+                  <a:srgbClr val="13294B"/>
+                </a:solidFill>
+                <a:latin typeface="Calibri"/>
+                <a:ea typeface="Calibri"/>
+                <a:cs typeface="Calibri"/>
+                <a:sym typeface="Calibri"/>
+              </a:rPr>
+              <a:t>[13] M. C. Cannon et al. “Adsorption of Xenon and Argon on Graphite”. In: Nuclear Science and</a:t>
+            </a:r>
+            <a:endParaRPr sz="1000">
+              <a:solidFill>
+                <a:srgbClr val="13294B"/>
+              </a:solidFill>
+              <a:latin typeface="Calibri"/>
+              <a:ea typeface="Calibri"/>
+              <a:cs typeface="Calibri"/>
+              <a:sym typeface="Calibri"/>
+            </a:endParaRPr>
+          </a:p>
+          <a:p>
+            <a:pPr indent="0" lvl="0" marL="0" rtl="0" algn="l">
+              <a:spcBef>
+                <a:spcPts val="0"/>
+              </a:spcBef>
+              <a:spcAft>
+                <a:spcPts val="0"/>
+              </a:spcAft>
+              <a:buNone/>
+            </a:pPr>
+            <a:r>
+              <a:rPr lang="en-US" sz="1000">
+                <a:solidFill>
+                  <a:srgbClr val="13294B"/>
+                </a:solidFill>
+                <a:latin typeface="Calibri"/>
+                <a:ea typeface="Calibri"/>
+                <a:cs typeface="Calibri"/>
+                <a:sym typeface="Calibri"/>
+              </a:rPr>
+              <a:t>Engineering 12.1 (1962), pp. 4–9. doi: 10.13182/NSE62-A25362.</a:t>
+            </a:r>
+            <a:endParaRPr sz="1000">
+              <a:solidFill>
+                <a:srgbClr val="13294B"/>
+              </a:solidFill>
+              <a:latin typeface="Calibri"/>
+              <a:ea typeface="Calibri"/>
+              <a:cs typeface="Calibri"/>
+              <a:sym typeface="Calibri"/>
+            </a:endParaRPr>
+          </a:p>
+          <a:p>
+            <a:pPr indent="0" lvl="0" marL="0" rtl="0" algn="l">
+              <a:spcBef>
+                <a:spcPts val="0"/>
+              </a:spcBef>
+              <a:spcAft>
+                <a:spcPts val="0"/>
+              </a:spcAft>
+              <a:buNone/>
+            </a:pPr>
+            <a:r>
+              <a:rPr lang="en-US" sz="1000">
+                <a:solidFill>
+                  <a:srgbClr val="13294B"/>
+                </a:solidFill>
+                <a:latin typeface="Calibri"/>
+                <a:ea typeface="Calibri"/>
+                <a:cs typeface="Calibri"/>
+                <a:sym typeface="Calibri"/>
+              </a:rPr>
+              <a:t>[14] V. Ignatiev et al. “Intergranular tellurium cracking of nickel-based alloys in molten Li, Be,</a:t>
+            </a:r>
+            <a:endParaRPr sz="1000">
+              <a:solidFill>
+                <a:srgbClr val="13294B"/>
+              </a:solidFill>
+              <a:latin typeface="Calibri"/>
+              <a:ea typeface="Calibri"/>
+              <a:cs typeface="Calibri"/>
+              <a:sym typeface="Calibri"/>
+            </a:endParaRPr>
+          </a:p>
+          <a:p>
+            <a:pPr indent="0" lvl="0" marL="0" rtl="0" algn="l">
+              <a:spcBef>
+                <a:spcPts val="0"/>
+              </a:spcBef>
+              <a:spcAft>
+                <a:spcPts val="0"/>
+              </a:spcAft>
+              <a:buNone/>
+            </a:pPr>
+            <a:r>
+              <a:rPr lang="en-US" sz="1000">
+                <a:solidFill>
+                  <a:srgbClr val="13294B"/>
+                </a:solidFill>
+                <a:latin typeface="Calibri"/>
+                <a:ea typeface="Calibri"/>
+                <a:cs typeface="Calibri"/>
+                <a:sym typeface="Calibri"/>
+              </a:rPr>
+              <a:t>Th, U/F salt mixture”. In: Journal of Nuclear Materials 440.1 (2013), pp. 243–249. issn:</a:t>
+            </a:r>
+            <a:endParaRPr sz="1000">
+              <a:solidFill>
+                <a:srgbClr val="13294B"/>
+              </a:solidFill>
+              <a:latin typeface="Calibri"/>
+              <a:ea typeface="Calibri"/>
+              <a:cs typeface="Calibri"/>
+              <a:sym typeface="Calibri"/>
+            </a:endParaRPr>
+          </a:p>
+          <a:p>
+            <a:pPr indent="0" lvl="0" marL="0" rtl="0" algn="l">
+              <a:spcBef>
+                <a:spcPts val="0"/>
+              </a:spcBef>
+              <a:spcAft>
+                <a:spcPts val="0"/>
+              </a:spcAft>
+              <a:buNone/>
+            </a:pPr>
+            <a:r>
+              <a:rPr lang="en-US" sz="1000">
+                <a:solidFill>
+                  <a:srgbClr val="13294B"/>
+                </a:solidFill>
+                <a:latin typeface="Calibri"/>
+                <a:ea typeface="Calibri"/>
+                <a:cs typeface="Calibri"/>
+                <a:sym typeface="Calibri"/>
+              </a:rPr>
+              <a:t>0022-3115. doi: https : / / doi . org / 10 . 1016 / j . jnucmat . 2013 . 05 . 001. url: https :</a:t>
+            </a:r>
+            <a:endParaRPr sz="1000">
+              <a:solidFill>
+                <a:srgbClr val="13294B"/>
+              </a:solidFill>
+              <a:latin typeface="Calibri"/>
+              <a:ea typeface="Calibri"/>
+              <a:cs typeface="Calibri"/>
+              <a:sym typeface="Calibri"/>
+            </a:endParaRPr>
+          </a:p>
+          <a:p>
+            <a:pPr indent="0" lvl="0" marL="0" rtl="0" algn="l">
+              <a:spcBef>
+                <a:spcPts val="0"/>
+              </a:spcBef>
+              <a:spcAft>
+                <a:spcPts val="0"/>
+              </a:spcAft>
+              <a:buNone/>
+            </a:pPr>
+            <a:r>
+              <a:rPr lang="en-US" sz="1000">
+                <a:solidFill>
+                  <a:srgbClr val="13294B"/>
+                </a:solidFill>
+                <a:latin typeface="Calibri"/>
+                <a:ea typeface="Calibri"/>
+                <a:cs typeface="Calibri"/>
+                <a:sym typeface="Calibri"/>
+              </a:rPr>
+              <a:t>//www.sciencedirect.com/science/article/pii/S0022311513007071.</a:t>
+            </a:r>
+            <a:endParaRPr sz="1000">
+              <a:solidFill>
+                <a:srgbClr val="13294B"/>
+              </a:solidFill>
+              <a:latin typeface="Calibri"/>
+              <a:ea typeface="Calibri"/>
+              <a:cs typeface="Calibri"/>
+              <a:sym typeface="Calibri"/>
+            </a:endParaRPr>
+          </a:p>
+          <a:p>
+            <a:pPr indent="0" lvl="0" marL="0" rtl="0" algn="l">
+              <a:spcBef>
+                <a:spcPts val="0"/>
+              </a:spcBef>
+              <a:spcAft>
+                <a:spcPts val="0"/>
+              </a:spcAft>
+              <a:buNone/>
+            </a:pPr>
+            <a:r>
+              <a:rPr lang="en-US" sz="1000">
+                <a:solidFill>
+                  <a:srgbClr val="13294B"/>
+                </a:solidFill>
+                <a:latin typeface="Calibri"/>
+                <a:ea typeface="Calibri"/>
+                <a:cs typeface="Calibri"/>
+                <a:sym typeface="Calibri"/>
+              </a:rPr>
+              <a:t>[15] B. Gurovich et al. “Fractographic studies and tensile strength of MPG-6 graphite based on</a:t>
+            </a:r>
+            <a:endParaRPr sz="1000">
+              <a:solidFill>
+                <a:srgbClr val="13294B"/>
+              </a:solidFill>
+              <a:latin typeface="Calibri"/>
+              <a:ea typeface="Calibri"/>
+              <a:cs typeface="Calibri"/>
+              <a:sym typeface="Calibri"/>
+            </a:endParaRPr>
+          </a:p>
+          <a:p>
+            <a:pPr indent="0" lvl="0" marL="0" rtl="0" algn="l">
+              <a:spcBef>
+                <a:spcPts val="0"/>
+              </a:spcBef>
+              <a:spcAft>
+                <a:spcPts val="0"/>
+              </a:spcAft>
+              <a:buNone/>
+            </a:pPr>
+            <a:r>
+              <a:rPr lang="en-US" sz="1000">
+                <a:solidFill>
+                  <a:srgbClr val="13294B"/>
+                </a:solidFill>
+                <a:latin typeface="Calibri"/>
+                <a:ea typeface="Calibri"/>
+                <a:cs typeface="Calibri"/>
+                <a:sym typeface="Calibri"/>
+              </a:rPr>
+              <a:t>uncalcined coke, neutron-irradiated at a high temperature”. In: Nuclear Materials and Energy</a:t>
+            </a:r>
+            <a:endParaRPr sz="1000">
+              <a:solidFill>
+                <a:srgbClr val="13294B"/>
+              </a:solidFill>
+              <a:latin typeface="Calibri"/>
+              <a:ea typeface="Calibri"/>
+              <a:cs typeface="Calibri"/>
+              <a:sym typeface="Calibri"/>
+            </a:endParaRPr>
+          </a:p>
+          <a:p>
+            <a:pPr indent="0" lvl="0" marL="0" rtl="0" algn="l">
+              <a:spcBef>
+                <a:spcPts val="0"/>
+              </a:spcBef>
+              <a:spcAft>
+                <a:spcPts val="0"/>
+              </a:spcAft>
+              <a:buNone/>
+            </a:pPr>
+            <a:r>
+              <a:rPr lang="en-US" sz="1000">
+                <a:solidFill>
+                  <a:srgbClr val="13294B"/>
+                </a:solidFill>
+                <a:latin typeface="Calibri"/>
+                <a:ea typeface="Calibri"/>
+                <a:cs typeface="Calibri"/>
+                <a:sym typeface="Calibri"/>
+              </a:rPr>
+              <a:t>35 (2023), p. 101453. issn: 2352-1791. doi: https://doi.org/10.1016/j.nme.2023.101453.</a:t>
+            </a:r>
+            <a:endParaRPr sz="1000">
+              <a:solidFill>
+                <a:srgbClr val="13294B"/>
+              </a:solidFill>
+              <a:latin typeface="Calibri"/>
+              <a:ea typeface="Calibri"/>
+              <a:cs typeface="Calibri"/>
+              <a:sym typeface="Calibri"/>
+            </a:endParaRPr>
+          </a:p>
+          <a:p>
+            <a:pPr indent="0" lvl="0" marL="0" rtl="0" algn="l">
+              <a:spcBef>
+                <a:spcPts val="0"/>
+              </a:spcBef>
+              <a:spcAft>
+                <a:spcPts val="0"/>
+              </a:spcAft>
+              <a:buNone/>
+            </a:pPr>
+            <a:r>
+              <a:rPr lang="en-US" sz="1000">
+                <a:solidFill>
+                  <a:srgbClr val="13294B"/>
+                </a:solidFill>
+                <a:latin typeface="Calibri"/>
+                <a:ea typeface="Calibri"/>
+                <a:cs typeface="Calibri"/>
+                <a:sym typeface="Calibri"/>
+              </a:rPr>
+              <a:t>url: https://www.sciencedirect.com/science/article/pii/S2352179123000923.</a:t>
+            </a:r>
+            <a:endParaRPr sz="1000">
+              <a:solidFill>
+                <a:srgbClr val="13294B"/>
+              </a:solidFill>
+              <a:latin typeface="Calibri"/>
+              <a:ea typeface="Calibri"/>
+              <a:cs typeface="Calibri"/>
+              <a:sym typeface="Calibri"/>
+            </a:endParaRPr>
+          </a:p>
+          <a:p>
+            <a:pPr indent="0" lvl="0" marL="0" rtl="0" algn="l">
+              <a:spcBef>
+                <a:spcPts val="0"/>
+              </a:spcBef>
+              <a:spcAft>
+                <a:spcPts val="0"/>
+              </a:spcAft>
+              <a:buNone/>
+            </a:pPr>
+            <a:r>
+              <a:rPr lang="en-US" sz="1000">
+                <a:solidFill>
+                  <a:srgbClr val="13294B"/>
+                </a:solidFill>
+                <a:latin typeface="Calibri"/>
+                <a:ea typeface="Calibri"/>
+                <a:cs typeface="Calibri"/>
+                <a:sym typeface="Calibri"/>
+              </a:rPr>
+              <a:t>[16] B. J. Riley et al. “Molten salt reactor waste and effluent management strategies: A review”.</a:t>
+            </a:r>
+            <a:endParaRPr sz="1000">
+              <a:solidFill>
+                <a:srgbClr val="13294B"/>
+              </a:solidFill>
+              <a:latin typeface="Calibri"/>
+              <a:ea typeface="Calibri"/>
+              <a:cs typeface="Calibri"/>
+              <a:sym typeface="Calibri"/>
+            </a:endParaRPr>
+          </a:p>
+          <a:p>
+            <a:pPr indent="0" lvl="0" marL="0" rtl="0" algn="l">
+              <a:spcBef>
+                <a:spcPts val="0"/>
+              </a:spcBef>
+              <a:spcAft>
+                <a:spcPts val="0"/>
+              </a:spcAft>
+              <a:buNone/>
+            </a:pPr>
+            <a:r>
+              <a:rPr lang="en-US" sz="1000">
+                <a:solidFill>
+                  <a:srgbClr val="13294B"/>
+                </a:solidFill>
+                <a:latin typeface="Calibri"/>
+                <a:ea typeface="Calibri"/>
+                <a:cs typeface="Calibri"/>
+                <a:sym typeface="Calibri"/>
+              </a:rPr>
+              <a:t>In: Nuclear Engineering and Design 345 (2019), pp. 94–109. issn: 0029-5493. doi: https:</a:t>
+            </a:r>
+            <a:endParaRPr sz="1000">
+              <a:solidFill>
+                <a:srgbClr val="13294B"/>
+              </a:solidFill>
+              <a:latin typeface="Calibri"/>
+              <a:ea typeface="Calibri"/>
+              <a:cs typeface="Calibri"/>
+              <a:sym typeface="Calibri"/>
+            </a:endParaRPr>
+          </a:p>
+          <a:p>
+            <a:pPr indent="0" lvl="0" marL="0" rtl="0" algn="l">
+              <a:spcBef>
+                <a:spcPts val="0"/>
+              </a:spcBef>
+              <a:spcAft>
+                <a:spcPts val="0"/>
+              </a:spcAft>
+              <a:buNone/>
+            </a:pPr>
+            <a:r>
+              <a:rPr lang="en-US" sz="1000">
+                <a:solidFill>
+                  <a:srgbClr val="13294B"/>
+                </a:solidFill>
+                <a:latin typeface="Calibri"/>
+                <a:ea typeface="Calibri"/>
+                <a:cs typeface="Calibri"/>
+                <a:sym typeface="Calibri"/>
+              </a:rPr>
+              <a:t>//doi.org/10.1016/j.nucengdes.2019.02.002. url: https://www.sciencedirect.com/</a:t>
+            </a:r>
+            <a:endParaRPr sz="1000">
+              <a:solidFill>
+                <a:srgbClr val="13294B"/>
+              </a:solidFill>
+              <a:latin typeface="Calibri"/>
+              <a:ea typeface="Calibri"/>
+              <a:cs typeface="Calibri"/>
+              <a:sym typeface="Calibri"/>
+            </a:endParaRPr>
+          </a:p>
+          <a:p>
+            <a:pPr indent="0" lvl="0" marL="0" rtl="0" algn="l">
+              <a:spcBef>
+                <a:spcPts val="0"/>
+              </a:spcBef>
+              <a:spcAft>
+                <a:spcPts val="0"/>
+              </a:spcAft>
+              <a:buNone/>
+            </a:pPr>
+            <a:r>
+              <a:rPr lang="en-US" sz="1000">
+                <a:solidFill>
+                  <a:srgbClr val="13294B"/>
+                </a:solidFill>
+                <a:latin typeface="Calibri"/>
+                <a:ea typeface="Calibri"/>
+                <a:cs typeface="Calibri"/>
+                <a:sym typeface="Calibri"/>
+              </a:rPr>
+              <a:t>science/article/pii/S002954931930024X.</a:t>
+            </a:r>
+            <a:endParaRPr sz="1000">
+              <a:solidFill>
+                <a:srgbClr val="13294B"/>
+              </a:solidFill>
+              <a:latin typeface="Calibri"/>
+              <a:ea typeface="Calibri"/>
+              <a:cs typeface="Calibri"/>
+              <a:sym typeface="Calibri"/>
+            </a:endParaRPr>
+          </a:p>
+          <a:p>
+            <a:pPr indent="0" lvl="0" marL="0" rtl="0" algn="l">
+              <a:spcBef>
+                <a:spcPts val="0"/>
+              </a:spcBef>
+              <a:spcAft>
+                <a:spcPts val="0"/>
+              </a:spcAft>
+              <a:buNone/>
+            </a:pPr>
+            <a:r>
+              <a:rPr lang="en-US" sz="1000">
+                <a:solidFill>
+                  <a:srgbClr val="13294B"/>
+                </a:solidFill>
+                <a:latin typeface="Calibri"/>
+                <a:ea typeface="Calibri"/>
+                <a:cs typeface="Calibri"/>
+                <a:sym typeface="Calibri"/>
+              </a:rPr>
+              <a:t>[17] IAEA. Non-baseload Operation in Nuclear Power Plants: Load Following and Frequency Control</a:t>
+            </a:r>
+            <a:endParaRPr sz="1000">
+              <a:solidFill>
+                <a:srgbClr val="13294B"/>
+              </a:solidFill>
+              <a:latin typeface="Calibri"/>
+              <a:ea typeface="Calibri"/>
+              <a:cs typeface="Calibri"/>
+              <a:sym typeface="Calibri"/>
+            </a:endParaRPr>
+          </a:p>
+          <a:p>
+            <a:pPr indent="0" lvl="0" marL="0" rtl="0" algn="l">
+              <a:spcBef>
+                <a:spcPts val="0"/>
+              </a:spcBef>
+              <a:spcAft>
+                <a:spcPts val="0"/>
+              </a:spcAft>
+              <a:buNone/>
+            </a:pPr>
+            <a:r>
+              <a:rPr lang="en-US" sz="1000">
+                <a:solidFill>
+                  <a:srgbClr val="13294B"/>
+                </a:solidFill>
+                <a:latin typeface="Calibri"/>
+                <a:ea typeface="Calibri"/>
+                <a:cs typeface="Calibri"/>
+                <a:sym typeface="Calibri"/>
+              </a:rPr>
+              <a:t>Modes of Flexible Operation. Tech. rep. IAEA, 2018.</a:t>
+            </a:r>
+            <a:endParaRPr sz="1000">
+              <a:solidFill>
+                <a:srgbClr val="13294B"/>
+              </a:solidFill>
+              <a:latin typeface="Calibri"/>
+              <a:ea typeface="Calibri"/>
+              <a:cs typeface="Calibri"/>
+              <a:sym typeface="Calibri"/>
+            </a:endParaRPr>
+          </a:p>
+          <a:p>
+            <a:pPr indent="0" lvl="0" marL="0" marR="0" rtl="0" algn="l">
+              <a:lnSpc>
+                <a:spcPct val="100000"/>
+              </a:lnSpc>
+              <a:spcBef>
+                <a:spcPts val="0"/>
+              </a:spcBef>
+              <a:spcAft>
+                <a:spcPts val="0"/>
+              </a:spcAft>
+              <a:buNone/>
+            </a:pPr>
+            <a:r>
+              <a:t/>
+            </a:r>
+            <a:endParaRPr sz="3000">
+              <a:solidFill>
+                <a:srgbClr val="13294B"/>
+              </a:solidFill>
+              <a:latin typeface="Calibri"/>
+              <a:ea typeface="Calibri"/>
+              <a:cs typeface="Calibri"/>
+              <a:sym typeface="Calibri"/>
+            </a:endParaRPr>
+          </a:p>
+        </p:txBody>
+      </p:sp>
+    </p:spTree>
+  </p:cSld>
+  <p:clrMapOvr>
+    <a:masterClrMapping/>
+  </p:clrMapOvr>
+</p:sld>
+</file>
+
+<file path=ppt/slides/slide19.xml><?xml version="1.0" encoding="utf-8"?>
+<p:sld xmlns:a="http://schemas.openxmlformats.org/drawingml/2006/main" xmlns:r="http://schemas.openxmlformats.org/officeDocument/2006/relationships" xmlns:mc="http://schemas.openxmlformats.org/markup-compatibility/2006" xmlns:mv="urn:schemas-microsoft-com:mac:vml" xmlns:p="http://schemas.openxmlformats.org/presentationml/2006/main" xmlns:c="http://schemas.openxmlformats.org/drawingml/2006/chart" xmlns:dgm="http://schemas.openxmlformats.org/drawingml/2006/diagram" xmlns:o="urn:schemas-microsoft-com:office:office" xmlns:v="urn:schemas-microsoft-com:vml" xmlns:pvml="urn:schemas-microsoft-com:office:powerpoint" xmlns:com="http://schemas.openxmlformats.org/drawingml/2006/compatibility" xmlns:p14="http://schemas.microsoft.com/office/powerpoint/2010/main" xmlns:p15="http://schemas.microsoft.com/office/powerpoint/2012/main" xmlns:ahyp="http://schemas.microsoft.com/office/drawing/2018/hyperlinkcolor">
+  <p:cSld>
+    <p:spTree>
+      <p:nvGrpSpPr>
+        <p:cNvPr id="144" name="Shape 144"/>
+        <p:cNvGrpSpPr/>
+        <p:nvPr/>
+      </p:nvGrpSpPr>
+      <p:grpSpPr>
+        <a:xfrm>
+          <a:off x="0" y="0"/>
+          <a:ext cx="0" cy="0"/>
+          <a:chOff x="0" y="0"/>
+          <a:chExt cx="0" cy="0"/>
+        </a:xfrm>
+      </p:grpSpPr>
+      <p:sp>
+        <p:nvSpPr>
+          <p:cNvPr id="145" name="Google Shape;145;g34a116c0306_2_10"/>
           <p:cNvSpPr txBox="1"/>
           <p:nvPr/>
         </p:nvSpPr>
@@ -11848,7 +12262,139 @@
       </p:grpSpPr>
       <p:sp>
         <p:nvSpPr>
-          <p:cNvPr id="39" name="Google Shape;39;g33b43524e75_0_25"/>
+          <p:cNvPr id="39" name="Google Shape;39;g34a0d171e5d_0_68"/>
+          <p:cNvSpPr txBox="1"/>
+          <p:nvPr>
+            <p:ph idx="4294967295" type="title"/>
+          </p:nvPr>
+        </p:nvSpPr>
+        <p:spPr>
+          <a:xfrm>
+            <a:off x="6993900" y="521000"/>
+            <a:ext cx="5198100" cy="1325700"/>
+          </a:xfrm>
+          <a:prstGeom prst="rect">
+            <a:avLst/>
+          </a:prstGeom>
+          <a:noFill/>
+          <a:ln>
+            <a:noFill/>
+          </a:ln>
+        </p:spPr>
+        <p:txBody>
+          <a:bodyPr anchorCtr="0" anchor="ctr" bIns="45700" lIns="91425" spcFirstLastPara="1" rIns="91425" wrap="square" tIns="45700">
+            <a:normAutofit/>
+          </a:bodyPr>
+          <a:lstStyle/>
+          <a:p>
+            <a:pPr indent="0" lvl="0" marL="0" rtl="0" algn="ctr">
+              <a:lnSpc>
+                <a:spcPct val="90000"/>
+              </a:lnSpc>
+              <a:spcBef>
+                <a:spcPts val="0"/>
+              </a:spcBef>
+              <a:spcAft>
+                <a:spcPts val="0"/>
+              </a:spcAft>
+              <a:buClr>
+                <a:srgbClr val="E84A27"/>
+              </a:buClr>
+              <a:buSzPts val="4400"/>
+              <a:buFont typeface="Georgia"/>
+              <a:buNone/>
+            </a:pPr>
+            <a:r>
+              <a:rPr lang="en-US"/>
+              <a:t>Student Conference</a:t>
+            </a:r>
+            <a:endParaRPr/>
+          </a:p>
+        </p:txBody>
+      </p:sp>
+      <p:pic>
+        <p:nvPicPr>
+          <p:cNvPr id="40" name="Google Shape;40;g34a0d171e5d_0_68" title="IMG_5191.jpg"/>
+          <p:cNvPicPr preferRelativeResize="0"/>
+          <p:nvPr/>
+        </p:nvPicPr>
+        <p:blipFill rotWithShape="1">
+          <a:blip r:embed="rId3">
+            <a:alphaModFix/>
+          </a:blip>
+          <a:srcRect b="32076" l="2407" r="5706" t="16610"/>
+          <a:stretch/>
+        </p:blipFill>
+        <p:spPr>
+          <a:xfrm>
+            <a:off x="6993900" y="2142315"/>
+            <a:ext cx="5198100" cy="3870561"/>
+          </a:xfrm>
+          <a:prstGeom prst="rect">
+            <a:avLst/>
+          </a:prstGeom>
+          <a:noFill/>
+          <a:ln>
+            <a:noFill/>
+          </a:ln>
+        </p:spPr>
+      </p:pic>
+      <p:pic>
+        <p:nvPicPr>
+          <p:cNvPr id="41" name="Google Shape;41;g34a0d171e5d_0_68"/>
+          <p:cNvPicPr preferRelativeResize="0"/>
+          <p:nvPr/>
+        </p:nvPicPr>
+        <p:blipFill>
+          <a:blip r:embed="rId4">
+            <a:alphaModFix/>
+          </a:blip>
+          <a:stretch>
+            <a:fillRect/>
+          </a:stretch>
+        </p:blipFill>
+        <p:spPr>
+          <a:xfrm>
+            <a:off x="0" y="0"/>
+            <a:ext cx="6993911" cy="6012874"/>
+          </a:xfrm>
+          <a:prstGeom prst="rect">
+            <a:avLst/>
+          </a:prstGeom>
+          <a:noFill/>
+          <a:ln>
+            <a:noFill/>
+          </a:ln>
+        </p:spPr>
+      </p:pic>
+    </p:spTree>
+  </p:cSld>
+  <p:clrMapOvr>
+    <a:masterClrMapping/>
+  </p:clrMapOvr>
+</p:sld>
+</file>
+
+<file path=ppt/slides/slide3.xml><?xml version="1.0" encoding="utf-8"?>
+<p:sld xmlns:a="http://schemas.openxmlformats.org/drawingml/2006/main" xmlns:r="http://schemas.openxmlformats.org/officeDocument/2006/relationships" xmlns:mc="http://schemas.openxmlformats.org/markup-compatibility/2006" xmlns:mv="urn:schemas-microsoft-com:mac:vml" xmlns:p="http://schemas.openxmlformats.org/presentationml/2006/main" xmlns:c="http://schemas.openxmlformats.org/drawingml/2006/chart" xmlns:dgm="http://schemas.openxmlformats.org/drawingml/2006/diagram" xmlns:o="urn:schemas-microsoft-com:office:office" xmlns:v="urn:schemas-microsoft-com:vml" xmlns:pvml="urn:schemas-microsoft-com:office:powerpoint" xmlns:com="http://schemas.openxmlformats.org/drawingml/2006/compatibility" xmlns:p14="http://schemas.microsoft.com/office/powerpoint/2010/main" xmlns:p15="http://schemas.microsoft.com/office/powerpoint/2012/main" xmlns:ahyp="http://schemas.microsoft.com/office/drawing/2018/hyperlinkcolor">
+  <p:cSld>
+    <p:spTree>
+      <p:nvGrpSpPr>
+        <p:cNvPr id="45" name="Shape 45"/>
+        <p:cNvGrpSpPr/>
+        <p:nvPr/>
+      </p:nvGrpSpPr>
+      <p:grpSpPr>
+        <a:xfrm>
+          <a:off x="0" y="0"/>
+          <a:ext cx="0" cy="0"/>
+          <a:chOff x="0" y="0"/>
+          <a:chExt cx="0" cy="0"/>
+        </a:xfrm>
+      </p:grpSpPr>
+      <p:sp>
+        <p:nvSpPr>
+          <p:cNvPr id="46" name="Google Shape;46;g33b43524e75_0_25"/>
           <p:cNvSpPr txBox="1"/>
           <p:nvPr/>
         </p:nvSpPr>
@@ -11920,12 +12466,12 @@
 </p:sld>
 </file>
 
-<file path=ppt/slides/slide3.xml><?xml version="1.0" encoding="utf-8"?>
+<file path=ppt/slides/slide4.xml><?xml version="1.0" encoding="utf-8"?>
 <p:sld xmlns:a="http://schemas.openxmlformats.org/drawingml/2006/main" xmlns:r="http://schemas.openxmlformats.org/officeDocument/2006/relationships" xmlns:mc="http://schemas.openxmlformats.org/markup-compatibility/2006" xmlns:mv="urn:schemas-microsoft-com:mac:vml" xmlns:p="http://schemas.openxmlformats.org/presentationml/2006/main" xmlns:c="http://schemas.openxmlformats.org/drawingml/2006/chart" xmlns:dgm="http://schemas.openxmlformats.org/drawingml/2006/diagram" xmlns:o="urn:schemas-microsoft-com:office:office" xmlns:v="urn:schemas-microsoft-com:vml" xmlns:pvml="urn:schemas-microsoft-com:office:powerpoint" xmlns:com="http://schemas.openxmlformats.org/drawingml/2006/compatibility" xmlns:p14="http://schemas.microsoft.com/office/powerpoint/2010/main" xmlns:p15="http://schemas.microsoft.com/office/powerpoint/2012/main" xmlns:ahyp="http://schemas.microsoft.com/office/drawing/2018/hyperlinkcolor">
   <p:cSld>
     <p:spTree>
       <p:nvGrpSpPr>
-        <p:cNvPr id="43" name="Shape 43"/>
+        <p:cNvPr id="50" name="Shape 50"/>
         <p:cNvGrpSpPr/>
         <p:nvPr/>
       </p:nvGrpSpPr>
@@ -11939,7 +12485,7 @@
       </p:grpSpPr>
       <p:sp>
         <p:nvSpPr>
-          <p:cNvPr id="44" name="Google Shape;44;p2"/>
+          <p:cNvPr id="51" name="Google Shape;51;p2"/>
           <p:cNvSpPr txBox="1"/>
           <p:nvPr>
             <p:ph idx="4294967295" type="title"/>
@@ -11991,7 +12537,7 @@
       </p:sp>
       <p:sp>
         <p:nvSpPr>
-          <p:cNvPr id="45" name="Google Shape;45;p2"/>
+          <p:cNvPr id="52" name="Google Shape;52;p2"/>
           <p:cNvSpPr txBox="1"/>
           <p:nvPr/>
         </p:nvSpPr>
@@ -12343,12 +12889,12 @@
 </p:sld>
 </file>
 
-<file path=ppt/slides/slide4.xml><?xml version="1.0" encoding="utf-8"?>
+<file path=ppt/slides/slide5.xml><?xml version="1.0" encoding="utf-8"?>
 <p:sld xmlns:a="http://schemas.openxmlformats.org/drawingml/2006/main" xmlns:r="http://schemas.openxmlformats.org/officeDocument/2006/relationships" xmlns:mc="http://schemas.openxmlformats.org/markup-compatibility/2006" xmlns:mv="urn:schemas-microsoft-com:mac:vml" xmlns:p="http://schemas.openxmlformats.org/presentationml/2006/main" xmlns:c="http://schemas.openxmlformats.org/drawingml/2006/chart" xmlns:dgm="http://schemas.openxmlformats.org/drawingml/2006/diagram" xmlns:o="urn:schemas-microsoft-com:office:office" xmlns:v="urn:schemas-microsoft-com:vml" xmlns:pvml="urn:schemas-microsoft-com:office:powerpoint" xmlns:com="http://schemas.openxmlformats.org/drawingml/2006/compatibility" xmlns:p14="http://schemas.microsoft.com/office/powerpoint/2010/main" xmlns:p15="http://schemas.microsoft.com/office/powerpoint/2012/main" xmlns:ahyp="http://schemas.microsoft.com/office/drawing/2018/hyperlinkcolor">
   <p:cSld>
     <p:spTree>
       <p:nvGrpSpPr>
-        <p:cNvPr id="49" name="Shape 49"/>
+        <p:cNvPr id="56" name="Shape 56"/>
         <p:cNvGrpSpPr/>
         <p:nvPr/>
       </p:nvGrpSpPr>
@@ -12362,7 +12908,7 @@
       </p:grpSpPr>
       <p:sp>
         <p:nvSpPr>
-          <p:cNvPr id="50" name="Google Shape;50;g33b43524e75_0_0"/>
+          <p:cNvPr id="57" name="Google Shape;57;g33b43524e75_0_0"/>
           <p:cNvSpPr txBox="1"/>
           <p:nvPr>
             <p:ph idx="4294967295" type="title"/>
@@ -12414,7 +12960,7 @@
       </p:sp>
       <p:sp>
         <p:nvSpPr>
-          <p:cNvPr id="51" name="Google Shape;51;g33b43524e75_0_0"/>
+          <p:cNvPr id="58" name="Google Shape;58;g33b43524e75_0_0"/>
           <p:cNvSpPr txBox="1"/>
           <p:nvPr/>
         </p:nvSpPr>
@@ -12686,12 +13232,12 @@
 </p:sld>
 </file>
 
-<file path=ppt/slides/slide5.xml><?xml version="1.0" encoding="utf-8"?>
+<file path=ppt/slides/slide6.xml><?xml version="1.0" encoding="utf-8"?>
 <p:sld xmlns:a="http://schemas.openxmlformats.org/drawingml/2006/main" xmlns:r="http://schemas.openxmlformats.org/officeDocument/2006/relationships" xmlns:mc="http://schemas.openxmlformats.org/markup-compatibility/2006" xmlns:mv="urn:schemas-microsoft-com:mac:vml" xmlns:p="http://schemas.openxmlformats.org/presentationml/2006/main" xmlns:c="http://schemas.openxmlformats.org/drawingml/2006/chart" xmlns:dgm="http://schemas.openxmlformats.org/drawingml/2006/diagram" xmlns:o="urn:schemas-microsoft-com:office:office" xmlns:v="urn:schemas-microsoft-com:vml" xmlns:pvml="urn:schemas-microsoft-com:office:powerpoint" xmlns:com="http://schemas.openxmlformats.org/drawingml/2006/compatibility" xmlns:p14="http://schemas.microsoft.com/office/powerpoint/2010/main" xmlns:p15="http://schemas.microsoft.com/office/powerpoint/2012/main" xmlns:ahyp="http://schemas.microsoft.com/office/drawing/2018/hyperlinkcolor">
   <p:cSld>
     <p:spTree>
       <p:nvGrpSpPr>
-        <p:cNvPr id="55" name="Shape 55"/>
+        <p:cNvPr id="62" name="Shape 62"/>
         <p:cNvGrpSpPr/>
         <p:nvPr/>
       </p:nvGrpSpPr>
@@ -12705,7 +13251,7 @@
       </p:grpSpPr>
       <p:pic>
         <p:nvPicPr>
-          <p:cNvPr id="56" name="Google Shape;56;g33b43524e75_0_74" title="reprocessing_page-0001.jpg"/>
+          <p:cNvPr id="63" name="Google Shape;63;g33b43524e75_0_74" title="reprocessing_page-0001.jpg"/>
           <p:cNvPicPr preferRelativeResize="0"/>
           <p:nvPr/>
         </p:nvPicPr>
@@ -12732,7 +13278,7 @@
       </p:pic>
       <p:sp>
         <p:nvSpPr>
-          <p:cNvPr id="57" name="Google Shape;57;g33b43524e75_0_74"/>
+          <p:cNvPr id="64" name="Google Shape;64;g33b43524e75_0_74"/>
           <p:cNvSpPr txBox="1"/>
           <p:nvPr/>
         </p:nvSpPr>
@@ -12804,12 +13350,12 @@
 </p:sld>
 </file>
 
-<file path=ppt/slides/slide6.xml><?xml version="1.0" encoding="utf-8"?>
+<file path=ppt/slides/slide7.xml><?xml version="1.0" encoding="utf-8"?>
 <p:sld xmlns:a="http://schemas.openxmlformats.org/drawingml/2006/main" xmlns:r="http://schemas.openxmlformats.org/officeDocument/2006/relationships" xmlns:mc="http://schemas.openxmlformats.org/markup-compatibility/2006" xmlns:mv="urn:schemas-microsoft-com:mac:vml" xmlns:p="http://schemas.openxmlformats.org/presentationml/2006/main" xmlns:c="http://schemas.openxmlformats.org/drawingml/2006/chart" xmlns:dgm="http://schemas.openxmlformats.org/drawingml/2006/diagram" xmlns:o="urn:schemas-microsoft-com:office:office" xmlns:v="urn:schemas-microsoft-com:vml" xmlns:pvml="urn:schemas-microsoft-com:office:powerpoint" xmlns:com="http://schemas.openxmlformats.org/drawingml/2006/compatibility" xmlns:p14="http://schemas.microsoft.com/office/powerpoint/2010/main" xmlns:p15="http://schemas.microsoft.com/office/powerpoint/2012/main" xmlns:ahyp="http://schemas.microsoft.com/office/drawing/2018/hyperlinkcolor">
   <p:cSld>
     <p:spTree>
       <p:nvGrpSpPr>
-        <p:cNvPr id="61" name="Shape 61"/>
+        <p:cNvPr id="68" name="Shape 68"/>
         <p:cNvGrpSpPr/>
         <p:nvPr/>
       </p:nvGrpSpPr>
@@ -12823,7 +13369,7 @@
       </p:grpSpPr>
       <p:sp>
         <p:nvSpPr>
-          <p:cNvPr id="62" name="Google Shape;62;g33b4860b625_1_51"/>
+          <p:cNvPr id="69" name="Google Shape;69;g33b4860b625_1_51"/>
           <p:cNvSpPr txBox="1"/>
           <p:nvPr/>
         </p:nvSpPr>
@@ -12895,12 +13441,12 @@
 </p:sld>
 </file>
 
-<file path=ppt/slides/slide7.xml><?xml version="1.0" encoding="utf-8"?>
+<file path=ppt/slides/slide8.xml><?xml version="1.0" encoding="utf-8"?>
 <p:sld xmlns:a="http://schemas.openxmlformats.org/drawingml/2006/main" xmlns:r="http://schemas.openxmlformats.org/officeDocument/2006/relationships" xmlns:mc="http://schemas.openxmlformats.org/markup-compatibility/2006" xmlns:mv="urn:schemas-microsoft-com:mac:vml" xmlns:p="http://schemas.openxmlformats.org/presentationml/2006/main" xmlns:c="http://schemas.openxmlformats.org/drawingml/2006/chart" xmlns:dgm="http://schemas.openxmlformats.org/drawingml/2006/diagram" xmlns:o="urn:schemas-microsoft-com:office:office" xmlns:v="urn:schemas-microsoft-com:vml" xmlns:pvml="urn:schemas-microsoft-com:office:powerpoint" xmlns:com="http://schemas.openxmlformats.org/drawingml/2006/compatibility" xmlns:p14="http://schemas.microsoft.com/office/powerpoint/2010/main" xmlns:p15="http://schemas.microsoft.com/office/powerpoint/2012/main" xmlns:ahyp="http://schemas.microsoft.com/office/drawing/2018/hyperlinkcolor">
   <p:cSld>
     <p:spTree>
       <p:nvGrpSpPr>
-        <p:cNvPr id="66" name="Shape 66"/>
+        <p:cNvPr id="73" name="Shape 73"/>
         <p:cNvGrpSpPr/>
         <p:nvPr/>
       </p:nvGrpSpPr>
@@ -12914,7 +13460,7 @@
       </p:grpSpPr>
       <p:sp>
         <p:nvSpPr>
-          <p:cNvPr id="67" name="Google Shape;67;g33b4860b625_1_69"/>
+          <p:cNvPr id="74" name="Google Shape;74;g33b4860b625_1_69"/>
           <p:cNvSpPr txBox="1"/>
           <p:nvPr>
             <p:ph idx="4294967295" type="title"/>
@@ -12966,7 +13512,7 @@
       </p:sp>
       <p:sp>
         <p:nvSpPr>
-          <p:cNvPr id="68" name="Google Shape;68;g33b4860b625_1_69"/>
+          <p:cNvPr id="75" name="Google Shape;75;g33b4860b625_1_69"/>
           <p:cNvSpPr txBox="1"/>
           <p:nvPr/>
         </p:nvSpPr>
@@ -13290,12 +13836,12 @@
 </p:sld>
 </file>
 
-<file path=ppt/slides/slide8.xml><?xml version="1.0" encoding="utf-8"?>
+<file path=ppt/slides/slide9.xml><?xml version="1.0" encoding="utf-8"?>
 <p:sld xmlns:a="http://schemas.openxmlformats.org/drawingml/2006/main" xmlns:r="http://schemas.openxmlformats.org/officeDocument/2006/relationships" xmlns:mc="http://schemas.openxmlformats.org/markup-compatibility/2006" xmlns:mv="urn:schemas-microsoft-com:mac:vml" xmlns:p="http://schemas.openxmlformats.org/presentationml/2006/main" xmlns:c="http://schemas.openxmlformats.org/drawingml/2006/chart" xmlns:dgm="http://schemas.openxmlformats.org/drawingml/2006/diagram" xmlns:o="urn:schemas-microsoft-com:office:office" xmlns:v="urn:schemas-microsoft-com:vml" xmlns:pvml="urn:schemas-microsoft-com:office:powerpoint" xmlns:com="http://schemas.openxmlformats.org/drawingml/2006/compatibility" xmlns:p14="http://schemas.microsoft.com/office/powerpoint/2010/main" xmlns:p15="http://schemas.microsoft.com/office/powerpoint/2012/main" xmlns:ahyp="http://schemas.microsoft.com/office/drawing/2018/hyperlinkcolor">
   <p:cSld>
     <p:spTree>
       <p:nvGrpSpPr>
-        <p:cNvPr id="72" name="Shape 72"/>
+        <p:cNvPr id="79" name="Shape 79"/>
         <p:cNvGrpSpPr/>
         <p:nvPr/>
       </p:nvGrpSpPr>
@@ -13309,7 +13855,7 @@
       </p:grpSpPr>
       <p:sp>
         <p:nvSpPr>
-          <p:cNvPr id="73" name="Google Shape;73;g34389be0845_0_17"/>
+          <p:cNvPr id="80" name="Google Shape;80;g34389be0845_0_17"/>
           <p:cNvSpPr txBox="1"/>
           <p:nvPr>
             <p:ph idx="4294967295" type="title"/>
@@ -13361,7 +13907,7 @@
       </p:sp>
       <p:graphicFrame>
         <p:nvGraphicFramePr>
-          <p:cNvPr id="74" name="Google Shape;74;g34389be0845_0_17"/>
+          <p:cNvPr id="81" name="Google Shape;81;g34389be0845_0_17"/>
           <p:cNvGraphicFramePr/>
           <p:nvPr/>
         </p:nvGraphicFramePr>
@@ -13374,7 +13920,7 @@
             <a:tbl>
               <a:tblPr>
                 <a:noFill/>
-                <a:tableStyleId>{F9EC3657-6032-47B4-A23F-CED738F98C1E}</a:tableStyleId>
+                <a:tableStyleId>{15463169-912C-499D-A2BA-DB38008B5916}</a:tableStyleId>
               </a:tblPr>
               <a:tblGrid>
                 <a:gridCol w="2199050"/>
@@ -14223,334 +14769,286 @@
 </p:sld>
 </file>
 
-<file path=ppt/slides/slide9.xml><?xml version="1.0" encoding="utf-8"?>
-<p:sld xmlns:a="http://schemas.openxmlformats.org/drawingml/2006/main" xmlns:r="http://schemas.openxmlformats.org/officeDocument/2006/relationships" xmlns:mc="http://schemas.openxmlformats.org/markup-compatibility/2006" xmlns:mv="urn:schemas-microsoft-com:mac:vml" xmlns:p="http://schemas.openxmlformats.org/presentationml/2006/main" xmlns:c="http://schemas.openxmlformats.org/drawingml/2006/chart" xmlns:dgm="http://schemas.openxmlformats.org/drawingml/2006/diagram" xmlns:o="urn:schemas-microsoft-com:office:office" xmlns:v="urn:schemas-microsoft-com:vml" xmlns:pvml="urn:schemas-microsoft-com:office:powerpoint" xmlns:com="http://schemas.openxmlformats.org/drawingml/2006/compatibility" xmlns:p14="http://schemas.microsoft.com/office/powerpoint/2010/main" xmlns:p15="http://schemas.microsoft.com/office/powerpoint/2012/main" xmlns:ahyp="http://schemas.microsoft.com/office/drawing/2018/hyperlinkcolor">
-  <p:cSld>
-    <p:spTree>
-      <p:nvGrpSpPr>
-        <p:cNvPr id="78" name="Shape 78"/>
-        <p:cNvGrpSpPr/>
-        <p:nvPr/>
-      </p:nvGrpSpPr>
-      <p:grpSpPr>
-        <a:xfrm>
-          <a:off x="0" y="0"/>
-          <a:ext cx="0" cy="0"/>
-          <a:chOff x="0" y="0"/>
-          <a:chExt cx="0" cy="0"/>
-        </a:xfrm>
-      </p:grpSpPr>
-      <p:sp>
-        <p:nvSpPr>
-          <p:cNvPr id="79" name="Google Shape;79;g34a0d171e5d_0_8"/>
-          <p:cNvSpPr txBox="1"/>
-          <p:nvPr>
-            <p:ph idx="4294967295" type="title"/>
-          </p:nvPr>
-        </p:nvSpPr>
-        <p:spPr>
-          <a:xfrm>
-            <a:off x="709625" y="365125"/>
-            <a:ext cx="10995300" cy="1325700"/>
-          </a:xfrm>
-          <a:prstGeom prst="rect">
-            <a:avLst/>
-          </a:prstGeom>
-          <a:noFill/>
-          <a:ln>
-            <a:noFill/>
-          </a:ln>
-        </p:spPr>
-        <p:txBody>
-          <a:bodyPr anchorCtr="0" anchor="ctr" bIns="45700" lIns="91425" spcFirstLastPara="1" rIns="91425" wrap="square" tIns="45700">
-            <a:normAutofit/>
-          </a:bodyPr>
-          <a:lstStyle/>
-          <a:p>
-            <a:pPr indent="0" lvl="0" marL="0" rtl="0" algn="l">
-              <a:lnSpc>
-                <a:spcPct val="90000"/>
-              </a:lnSpc>
-              <a:spcBef>
-                <a:spcPts val="0"/>
-              </a:spcBef>
-              <a:spcAft>
-                <a:spcPts val="0"/>
-              </a:spcAft>
-              <a:buClr>
-                <a:srgbClr val="E84A27"/>
-              </a:buClr>
-              <a:buSzPts val="4400"/>
-              <a:buFont typeface="Georgia"/>
-              <a:buNone/>
-            </a:pPr>
-            <a:r>
-              <a:rPr lang="en-US"/>
-              <a:t>Noble Metal Removal</a:t>
-            </a:r>
-            <a:endParaRPr/>
-          </a:p>
-        </p:txBody>
-      </p:sp>
-      <p:sp>
-        <p:nvSpPr>
-          <p:cNvPr id="80" name="Google Shape;80;g34a0d171e5d_0_8"/>
-          <p:cNvSpPr txBox="1"/>
-          <p:nvPr/>
-        </p:nvSpPr>
-        <p:spPr>
-          <a:xfrm>
-            <a:off x="709625" y="1690825"/>
-            <a:ext cx="10995300" cy="4361700"/>
-          </a:xfrm>
-          <a:prstGeom prst="rect">
-            <a:avLst/>
-          </a:prstGeom>
-          <a:noFill/>
-          <a:ln>
-            <a:noFill/>
-          </a:ln>
-        </p:spPr>
-        <p:txBody>
-          <a:bodyPr anchorCtr="0" anchor="t" bIns="91425" lIns="91425" spcFirstLastPara="1" rIns="91425" wrap="square" tIns="91425">
-            <a:noAutofit/>
-          </a:bodyPr>
-          <a:lstStyle/>
-          <a:p>
-            <a:pPr indent="-419100" lvl="0" marL="457200" marR="0" rtl="0" algn="l">
-              <a:lnSpc>
-                <a:spcPct val="100000"/>
-              </a:lnSpc>
-              <a:spcBef>
-                <a:spcPts val="0"/>
-              </a:spcBef>
-              <a:spcAft>
-                <a:spcPts val="0"/>
-              </a:spcAft>
-              <a:buClr>
-                <a:srgbClr val="13294B"/>
-              </a:buClr>
-              <a:buSzPts val="3000"/>
-              <a:buFont typeface="Calibri"/>
-              <a:buChar char="●"/>
-            </a:pPr>
-            <a:r>
-              <a:rPr lang="en-US" sz="3000">
-                <a:solidFill>
-                  <a:srgbClr val="13294B"/>
-                </a:solidFill>
-                <a:latin typeface="Calibri"/>
-                <a:ea typeface="Calibri"/>
-                <a:cs typeface="Calibri"/>
-                <a:sym typeface="Calibri"/>
-              </a:rPr>
-              <a:t>High surface area </a:t>
-            </a:r>
-            <a:r>
-              <a:rPr lang="en-US" sz="3000">
-                <a:solidFill>
-                  <a:srgbClr val="13294B"/>
-                </a:solidFill>
-                <a:latin typeface="Calibri"/>
-                <a:ea typeface="Calibri"/>
-                <a:cs typeface="Calibri"/>
-                <a:sym typeface="Calibri"/>
-              </a:rPr>
-              <a:t>nickel</a:t>
-            </a:r>
-            <a:r>
-              <a:rPr lang="en-US" sz="3000">
-                <a:solidFill>
-                  <a:srgbClr val="13294B"/>
-                </a:solidFill>
-                <a:latin typeface="Calibri"/>
-                <a:ea typeface="Calibri"/>
-                <a:cs typeface="Calibri"/>
-                <a:sym typeface="Calibri"/>
-              </a:rPr>
-              <a:t> “sponge”</a:t>
-            </a:r>
-            <a:endParaRPr sz="3000">
-              <a:solidFill>
-                <a:srgbClr val="13294B"/>
-              </a:solidFill>
-              <a:latin typeface="Calibri"/>
-              <a:ea typeface="Calibri"/>
-              <a:cs typeface="Calibri"/>
-              <a:sym typeface="Calibri"/>
-            </a:endParaRPr>
-          </a:p>
-          <a:p>
-            <a:pPr indent="-419100" lvl="0" marL="457200" marR="0" rtl="0" algn="l">
-              <a:lnSpc>
-                <a:spcPct val="100000"/>
-              </a:lnSpc>
-              <a:spcBef>
-                <a:spcPts val="0"/>
-              </a:spcBef>
-              <a:spcAft>
-                <a:spcPts val="0"/>
-              </a:spcAft>
-              <a:buClr>
-                <a:srgbClr val="13294B"/>
-              </a:buClr>
-              <a:buSzPts val="3000"/>
-              <a:buFont typeface="Calibri"/>
-              <a:buChar char="●"/>
-            </a:pPr>
-            <a:r>
-              <a:rPr lang="en-US" sz="3000">
-                <a:solidFill>
-                  <a:srgbClr val="13294B"/>
-                </a:solidFill>
-                <a:latin typeface="Calibri"/>
-                <a:ea typeface="Calibri"/>
-                <a:cs typeface="Calibri"/>
-                <a:sym typeface="Calibri"/>
-              </a:rPr>
-              <a:t>most of noble metals settle to the bottom of molten salt	</a:t>
-            </a:r>
-            <a:endParaRPr sz="3000">
-              <a:solidFill>
-                <a:srgbClr val="13294B"/>
-              </a:solidFill>
-              <a:latin typeface="Calibri"/>
-              <a:ea typeface="Calibri"/>
-              <a:cs typeface="Calibri"/>
-              <a:sym typeface="Calibri"/>
-            </a:endParaRPr>
-          </a:p>
-          <a:p>
-            <a:pPr indent="-419100" lvl="1" marL="914400" marR="0" rtl="0" algn="l">
-              <a:lnSpc>
-                <a:spcPct val="100000"/>
-              </a:lnSpc>
-              <a:spcBef>
-                <a:spcPts val="0"/>
-              </a:spcBef>
-              <a:spcAft>
-                <a:spcPts val="0"/>
-              </a:spcAft>
-              <a:buClr>
-                <a:srgbClr val="13294B"/>
-              </a:buClr>
-              <a:buSzPts val="3000"/>
-              <a:buFont typeface="Calibri"/>
-              <a:buChar char="○"/>
-            </a:pPr>
-            <a:r>
-              <a:rPr lang="en-US" sz="3000">
-                <a:solidFill>
-                  <a:srgbClr val="13294B"/>
-                </a:solidFill>
-                <a:latin typeface="Calibri"/>
-                <a:ea typeface="Calibri"/>
-                <a:cs typeface="Calibri"/>
-                <a:sym typeface="Calibri"/>
-              </a:rPr>
-              <a:t>They are typically insoluble in FLiBe, form particulates</a:t>
-            </a:r>
-            <a:endParaRPr sz="3000">
-              <a:solidFill>
-                <a:srgbClr val="13294B"/>
-              </a:solidFill>
-              <a:latin typeface="Calibri"/>
-              <a:ea typeface="Calibri"/>
-              <a:cs typeface="Calibri"/>
-              <a:sym typeface="Calibri"/>
-            </a:endParaRPr>
-          </a:p>
-          <a:p>
-            <a:pPr indent="-419100" lvl="0" marL="457200" marR="0" rtl="0" algn="l">
-              <a:lnSpc>
-                <a:spcPct val="100000"/>
-              </a:lnSpc>
-              <a:spcBef>
-                <a:spcPts val="0"/>
-              </a:spcBef>
-              <a:spcAft>
-                <a:spcPts val="0"/>
-              </a:spcAft>
-              <a:buClr>
-                <a:srgbClr val="13294B"/>
-              </a:buClr>
-              <a:buSzPts val="3000"/>
-              <a:buFont typeface="Calibri"/>
-              <a:buChar char="●"/>
-            </a:pPr>
-            <a:r>
-              <a:rPr lang="en-US" sz="3000">
-                <a:solidFill>
-                  <a:srgbClr val="13294B"/>
-                </a:solidFill>
-                <a:latin typeface="Calibri"/>
-                <a:ea typeface="Calibri"/>
-                <a:cs typeface="Calibri"/>
-                <a:sym typeface="Calibri"/>
-              </a:rPr>
-              <a:t>forms alloys with noble metals</a:t>
-            </a:r>
-            <a:endParaRPr sz="3000">
-              <a:solidFill>
-                <a:srgbClr val="13294B"/>
-              </a:solidFill>
-              <a:latin typeface="Calibri"/>
-              <a:ea typeface="Calibri"/>
-              <a:cs typeface="Calibri"/>
-              <a:sym typeface="Calibri"/>
-            </a:endParaRPr>
-          </a:p>
-          <a:p>
-            <a:pPr indent="-419100" lvl="0" marL="457200" marR="0" rtl="0" algn="l">
-              <a:lnSpc>
-                <a:spcPct val="100000"/>
-              </a:lnSpc>
-              <a:spcBef>
-                <a:spcPts val="0"/>
-              </a:spcBef>
-              <a:spcAft>
-                <a:spcPts val="0"/>
-              </a:spcAft>
-              <a:buClr>
-                <a:srgbClr val="13294B"/>
-              </a:buClr>
-              <a:buSzPts val="3000"/>
-              <a:buFont typeface="Calibri"/>
-              <a:buChar char="●"/>
-            </a:pPr>
-            <a:r>
-              <a:rPr lang="en-US" sz="3000">
-                <a:solidFill>
-                  <a:srgbClr val="13294B"/>
-                </a:solidFill>
-                <a:latin typeface="Calibri"/>
-                <a:ea typeface="Calibri"/>
-                <a:cs typeface="Calibri"/>
-                <a:sym typeface="Calibri"/>
-              </a:rPr>
-              <a:t>Nickel is corrosion resistant</a:t>
-            </a:r>
-            <a:endParaRPr sz="3000">
-              <a:solidFill>
-                <a:srgbClr val="13294B"/>
-              </a:solidFill>
-              <a:latin typeface="Calibri"/>
-              <a:ea typeface="Calibri"/>
-              <a:cs typeface="Calibri"/>
-              <a:sym typeface="Calibri"/>
-            </a:endParaRPr>
-          </a:p>
-        </p:txBody>
-      </p:sp>
-    </p:spTree>
-  </p:cSld>
-  <p:clrMapOvr>
-    <a:masterClrMapping/>
-  </p:clrMapOvr>
-</p:sld>
+<file path=ppt/theme/theme1.xml><?xml version="1.0" encoding="utf-8"?>
+<a:theme xmlns:a="http://schemas.openxmlformats.org/drawingml/2006/main" xmlns:r="http://schemas.openxmlformats.org/officeDocument/2006/relationships" name="Office Theme">
+  <a:themeElements>
+    <a:clrScheme name="Office">
+      <a:dk1>
+        <a:srgbClr val="000000"/>
+      </a:dk1>
+      <a:lt1>
+        <a:srgbClr val="FFFFFF"/>
+      </a:lt1>
+      <a:dk2>
+        <a:srgbClr val="44546A"/>
+      </a:dk2>
+      <a:lt2>
+        <a:srgbClr val="E7E6E6"/>
+      </a:lt2>
+      <a:accent1>
+        <a:srgbClr val="4472C4"/>
+      </a:accent1>
+      <a:accent2>
+        <a:srgbClr val="ED7D31"/>
+      </a:accent2>
+      <a:accent3>
+        <a:srgbClr val="A5A5A5"/>
+      </a:accent3>
+      <a:accent4>
+        <a:srgbClr val="FFC000"/>
+      </a:accent4>
+      <a:accent5>
+        <a:srgbClr val="5B9BD5"/>
+      </a:accent5>
+      <a:accent6>
+        <a:srgbClr val="70AD47"/>
+      </a:accent6>
+      <a:hlink>
+        <a:srgbClr val="0563C1"/>
+      </a:hlink>
+      <a:folHlink>
+        <a:srgbClr val="954F72"/>
+      </a:folHlink>
+    </a:clrScheme>
+    <a:fontScheme name="Office">
+      <a:majorFont>
+        <a:latin typeface="Arial"/>
+        <a:ea typeface=""/>
+        <a:cs typeface=""/>
+        <a:font script="Jpan" typeface="ＭＳ Ｐゴシック"/>
+        <a:font script="Hang" typeface="맑은 고딕"/>
+        <a:font script="Hans" typeface="宋体"/>
+        <a:font script="Hant" typeface="新細明體"/>
+        <a:font script="Arab" typeface="Times New Roman"/>
+        <a:font script="Hebr" typeface="Times New Roman"/>
+        <a:font script="Thai" typeface="Angsana New"/>
+        <a:font script="Ethi" typeface="Nyala"/>
+        <a:font script="Beng" typeface="Vrinda"/>
+        <a:font script="Gujr" typeface="Shruti"/>
+        <a:font script="Khmr" typeface="MoolBoran"/>
+        <a:font script="Knda" typeface="Tunga"/>
+        <a:font script="Guru" typeface="Raavi"/>
+        <a:font script="Cans" typeface="Euphemia"/>
+        <a:font script="Cher" typeface="Plantagenet Cherokee"/>
+        <a:font script="Yiii" typeface="Microsoft Yi Baiti"/>
+        <a:font script="Tibt" typeface="Microsoft Himalaya"/>
+        <a:font script="Thaa" typeface="MV Boli"/>
+        <a:font script="Deva" typeface="Mangal"/>
+        <a:font script="Telu" typeface="Gautami"/>
+        <a:font script="Taml" typeface="Latha"/>
+        <a:font script="Syrc" typeface="Estrangelo Edessa"/>
+        <a:font script="Orya" typeface="Kalinga"/>
+        <a:font script="Mlym" typeface="Kartika"/>
+        <a:font script="Laoo" typeface="DokChampa"/>
+        <a:font script="Sinh" typeface="Iskoola Pota"/>
+        <a:font script="Mong" typeface="Mongolian Baiti"/>
+        <a:font script="Viet" typeface="Times New Roman"/>
+        <a:font script="Uigh" typeface="Microsoft Uighur"/>
+        <a:font script="Geor" typeface="Sylfaen"/>
+      </a:majorFont>
+      <a:minorFont>
+        <a:latin typeface="Arial"/>
+        <a:ea typeface=""/>
+        <a:cs typeface=""/>
+        <a:font script="Jpan" typeface="ＭＳ Ｐゴシック"/>
+        <a:font script="Hang" typeface="맑은 고딕"/>
+        <a:font script="Hans" typeface="宋体"/>
+        <a:font script="Hant" typeface="新細明體"/>
+        <a:font script="Arab" typeface="Arial"/>
+        <a:font script="Hebr" typeface="Arial"/>
+        <a:font script="Thai" typeface="Cordia New"/>
+        <a:font script="Ethi" typeface="Nyala"/>
+        <a:font script="Beng" typeface="Vrinda"/>
+        <a:font script="Gujr" typeface="Shruti"/>
+        <a:font script="Khmr" typeface="DaunPenh"/>
+        <a:font script="Knda" typeface="Tunga"/>
+        <a:font script="Guru" typeface="Raavi"/>
+        <a:font script="Cans" typeface="Euphemia"/>
+        <a:font script="Cher" typeface="Plantagenet Cherokee"/>
+        <a:font script="Yiii" typeface="Microsoft Yi Baiti"/>
+        <a:font script="Tibt" typeface="Microsoft Himalaya"/>
+        <a:font script="Thaa" typeface="MV Boli"/>
+        <a:font script="Deva" typeface="Mangal"/>
+        <a:font script="Telu" typeface="Gautami"/>
+        <a:font script="Taml" typeface="Latha"/>
+        <a:font script="Syrc" typeface="Estrangelo Edessa"/>
+        <a:font script="Orya" typeface="Kalinga"/>
+        <a:font script="Mlym" typeface="Kartika"/>
+        <a:font script="Laoo" typeface="DokChampa"/>
+        <a:font script="Sinh" typeface="Iskoola Pota"/>
+        <a:font script="Mong" typeface="Mongolian Baiti"/>
+        <a:font script="Viet" typeface="Arial"/>
+        <a:font script="Uigh" typeface="Microsoft Uighur"/>
+        <a:font script="Geor" typeface="Sylfaen"/>
+      </a:minorFont>
+    </a:fontScheme>
+    <a:fmtScheme name="Office">
+      <a:fillStyleLst>
+        <a:solidFill>
+          <a:schemeClr val="phClr"/>
+        </a:solidFill>
+        <a:gradFill rotWithShape="1">
+          <a:gsLst>
+            <a:gs pos="0">
+              <a:schemeClr val="phClr">
+                <a:tint val="50000"/>
+                <a:satMod val="300000"/>
+              </a:schemeClr>
+            </a:gs>
+            <a:gs pos="35000">
+              <a:schemeClr val="phClr">
+                <a:tint val="37000"/>
+                <a:satMod val="300000"/>
+              </a:schemeClr>
+            </a:gs>
+            <a:gs pos="100000">
+              <a:schemeClr val="phClr">
+                <a:tint val="15000"/>
+                <a:satMod val="350000"/>
+              </a:schemeClr>
+            </a:gs>
+          </a:gsLst>
+          <a:lin ang="16200000" scaled="1"/>
+        </a:gradFill>
+        <a:gradFill rotWithShape="1">
+          <a:gsLst>
+            <a:gs pos="0">
+              <a:schemeClr val="phClr">
+                <a:tint val="100000"/>
+                <a:shade val="100000"/>
+                <a:satMod val="130000"/>
+              </a:schemeClr>
+            </a:gs>
+            <a:gs pos="100000">
+              <a:schemeClr val="phClr">
+                <a:tint val="50000"/>
+                <a:shade val="100000"/>
+                <a:satMod val="350000"/>
+              </a:schemeClr>
+            </a:gs>
+          </a:gsLst>
+          <a:lin ang="16200000" scaled="0"/>
+        </a:gradFill>
+      </a:fillStyleLst>
+      <a:lnStyleLst>
+        <a:ln w="9525" cap="flat" cmpd="sng" algn="ctr">
+          <a:solidFill>
+            <a:schemeClr val="phClr">
+              <a:shade val="95000"/>
+              <a:satMod val="105000"/>
+            </a:schemeClr>
+          </a:solidFill>
+          <a:prstDash val="solid"/>
+        </a:ln>
+        <a:ln w="25400" cap="flat" cmpd="sng" algn="ctr">
+          <a:solidFill>
+            <a:schemeClr val="phClr"/>
+          </a:solidFill>
+          <a:prstDash val="solid"/>
+        </a:ln>
+        <a:ln w="38100" cap="flat" cmpd="sng" algn="ctr">
+          <a:solidFill>
+            <a:schemeClr val="phClr"/>
+          </a:solidFill>
+          <a:prstDash val="solid"/>
+        </a:ln>
+      </a:lnStyleLst>
+      <a:effectStyleLst>
+        <a:effectStyle>
+          <a:effectLst>
+            <a:outerShdw blurRad="40000" dist="20000" dir="5400000" rotWithShape="0">
+              <a:srgbClr val="000000">
+                <a:alpha val="38000"/>
+              </a:srgbClr>
+            </a:outerShdw>
+          </a:effectLst>
+        </a:effectStyle>
+        <a:effectStyle>
+          <a:effectLst>
+            <a:outerShdw blurRad="40000" dist="23000" dir="5400000" rotWithShape="0">
+              <a:srgbClr val="000000">
+                <a:alpha val="35000"/>
+              </a:srgbClr>
+            </a:outerShdw>
+          </a:effectLst>
+        </a:effectStyle>
+        <a:effectStyle>
+          <a:effectLst>
+            <a:outerShdw blurRad="40000" dist="23000" dir="5400000" rotWithShape="0">
+              <a:srgbClr val="000000">
+                <a:alpha val="35000"/>
+              </a:srgbClr>
+            </a:outerShdw>
+          </a:effectLst>
+          <a:scene3d>
+            <a:camera prst="orthographicFront">
+              <a:rot lat="0" lon="0" rev="0"/>
+            </a:camera>
+            <a:lightRig rig="threePt" dir="t">
+              <a:rot lat="0" lon="0" rev="1200000"/>
+            </a:lightRig>
+          </a:scene3d>
+          <a:sp3d>
+            <a:bevelT w="63500" h="25400"/>
+          </a:sp3d>
+        </a:effectStyle>
+      </a:effectStyleLst>
+      <a:bgFillStyleLst>
+        <a:solidFill>
+          <a:schemeClr val="phClr"/>
+        </a:solidFill>
+        <a:gradFill rotWithShape="1">
+          <a:gsLst>
+            <a:gs pos="0">
+              <a:schemeClr val="phClr">
+                <a:tint val="40000"/>
+                <a:satMod val="350000"/>
+              </a:schemeClr>
+            </a:gs>
+            <a:gs pos="40000">
+              <a:schemeClr val="phClr">
+                <a:tint val="45000"/>
+                <a:shade val="99000"/>
+                <a:satMod val="350000"/>
+              </a:schemeClr>
+            </a:gs>
+            <a:gs pos="100000">
+              <a:schemeClr val="phClr">
+                <a:shade val="20000"/>
+                <a:satMod val="255000"/>
+              </a:schemeClr>
+            </a:gs>
+          </a:gsLst>
+          <a:path path="circle">
+            <a:fillToRect l="50000" t="-80000" r="50000" b="180000"/>
+          </a:path>
+        </a:gradFill>
+        <a:gradFill rotWithShape="1">
+          <a:gsLst>
+            <a:gs pos="0">
+              <a:schemeClr val="phClr">
+                <a:tint val="80000"/>
+                <a:satMod val="300000"/>
+              </a:schemeClr>
+            </a:gs>
+            <a:gs pos="100000">
+              <a:schemeClr val="phClr">
+                <a:shade val="30000"/>
+                <a:satMod val="200000"/>
+              </a:schemeClr>
+            </a:gs>
+          </a:gsLst>
+          <a:path path="circle">
+            <a:fillToRect l="50000" t="50000" r="50000" b="50000"/>
+          </a:path>
+        </a:gradFill>
+      </a:bgFillStyleLst>
+    </a:fmtScheme>
+  </a:themeElements>
+</a:theme>
 </file>
 
-<file path=ppt/theme/theme1.xml><?xml version="1.0" encoding="utf-8"?>
+<file path=ppt/theme/theme2.xml><?xml version="1.0" encoding="utf-8"?>
 <a:theme xmlns:a="http://schemas.openxmlformats.org/drawingml/2006/main" xmlns:r="http://schemas.openxmlformats.org/officeDocument/2006/relationships" name="Custom Design">
   <a:themeElements>
     <a:clrScheme name="University of Illinois">
@@ -14827,283 +15325,4 @@
     </a:fmtScheme>
   </a:themeElements>
 </a:theme>
-</file>
-
-<file path=ppt/theme/theme2.xml><?xml version="1.0" encoding="utf-8"?>
-<a:theme xmlns:a="http://schemas.openxmlformats.org/drawingml/2006/main" xmlns:r="http://schemas.openxmlformats.org/officeDocument/2006/relationships" name="Office Theme">
-  <a:themeElements>
-    <a:clrScheme name="Office">
-      <a:dk1>
-        <a:srgbClr val="000000"/>
-      </a:dk1>
-      <a:lt1>
-        <a:srgbClr val="FFFFFF"/>
-      </a:lt1>
-      <a:dk2>
-        <a:srgbClr val="44546A"/>
-      </a:dk2>
-      <a:lt2>
-        <a:srgbClr val="E7E6E6"/>
-      </a:lt2>
-      <a:accent1>
-        <a:srgbClr val="4472C4"/>
-      </a:accent1>
-      <a:accent2>
-        <a:srgbClr val="ED7D31"/>
-      </a:accent2>
-      <a:accent3>
-        <a:srgbClr val="A5A5A5"/>
-      </a:accent3>
-      <a:accent4>
-        <a:srgbClr val="FFC000"/>
-      </a:accent4>
-      <a:accent5>
-        <a:srgbClr val="5B9BD5"/>
-      </a:accent5>
-      <a:accent6>
-        <a:srgbClr val="70AD47"/>
-      </a:accent6>
-      <a:hlink>
-        <a:srgbClr val="0563C1"/>
-      </a:hlink>
-      <a:folHlink>
-        <a:srgbClr val="954F72"/>
-      </a:folHlink>
-    </a:clrScheme>
-    <a:fontScheme name="Office">
-      <a:majorFont>
-        <a:latin typeface="Arial"/>
-        <a:ea typeface=""/>
-        <a:cs typeface=""/>
-        <a:font script="Jpan" typeface="ＭＳ Ｐゴシック"/>
-        <a:font script="Hang" typeface="맑은 고딕"/>
-        <a:font script="Hans" typeface="宋体"/>
-        <a:font script="Hant" typeface="新細明體"/>
-        <a:font script="Arab" typeface="Times New Roman"/>
-        <a:font script="Hebr" typeface="Times New Roman"/>
-        <a:font script="Thai" typeface="Angsana New"/>
-        <a:font script="Ethi" typeface="Nyala"/>
-        <a:font script="Beng" typeface="Vrinda"/>
-        <a:font script="Gujr" typeface="Shruti"/>
-        <a:font script="Khmr" typeface="MoolBoran"/>
-        <a:font script="Knda" typeface="Tunga"/>
-        <a:font script="Guru" typeface="Raavi"/>
-        <a:font script="Cans" typeface="Euphemia"/>
-        <a:font script="Cher" typeface="Plantagenet Cherokee"/>
-        <a:font script="Yiii" typeface="Microsoft Yi Baiti"/>
-        <a:font script="Tibt" typeface="Microsoft Himalaya"/>
-        <a:font script="Thaa" typeface="MV Boli"/>
-        <a:font script="Deva" typeface="Mangal"/>
-        <a:font script="Telu" typeface="Gautami"/>
-        <a:font script="Taml" typeface="Latha"/>
-        <a:font script="Syrc" typeface="Estrangelo Edessa"/>
-        <a:font script="Orya" typeface="Kalinga"/>
-        <a:font script="Mlym" typeface="Kartika"/>
-        <a:font script="Laoo" typeface="DokChampa"/>
-        <a:font script="Sinh" typeface="Iskoola Pota"/>
-        <a:font script="Mong" typeface="Mongolian Baiti"/>
-        <a:font script="Viet" typeface="Times New Roman"/>
-        <a:font script="Uigh" typeface="Microsoft Uighur"/>
-        <a:font script="Geor" typeface="Sylfaen"/>
-      </a:majorFont>
-      <a:minorFont>
-        <a:latin typeface="Arial"/>
-        <a:ea typeface=""/>
-        <a:cs typeface=""/>
-        <a:font script="Jpan" typeface="ＭＳ Ｐゴシック"/>
-        <a:font script="Hang" typeface="맑은 고딕"/>
-        <a:font script="Hans" typeface="宋体"/>
-        <a:font script="Hant" typeface="新細明體"/>
-        <a:font script="Arab" typeface="Arial"/>
-        <a:font script="Hebr" typeface="Arial"/>
-        <a:font script="Thai" typeface="Cordia New"/>
-        <a:font script="Ethi" typeface="Nyala"/>
-        <a:font script="Beng" typeface="Vrinda"/>
-        <a:font script="Gujr" typeface="Shruti"/>
-        <a:font script="Khmr" typeface="DaunPenh"/>
-        <a:font script="Knda" typeface="Tunga"/>
-        <a:font script="Guru" typeface="Raavi"/>
-        <a:font script="Cans" typeface="Euphemia"/>
-        <a:font script="Cher" typeface="Plantagenet Cherokee"/>
-        <a:font script="Yiii" typeface="Microsoft Yi Baiti"/>
-        <a:font script="Tibt" typeface="Microsoft Himalaya"/>
-        <a:font script="Thaa" typeface="MV Boli"/>
-        <a:font script="Deva" typeface="Mangal"/>
-        <a:font script="Telu" typeface="Gautami"/>
-        <a:font script="Taml" typeface="Latha"/>
-        <a:font script="Syrc" typeface="Estrangelo Edessa"/>
-        <a:font script="Orya" typeface="Kalinga"/>
-        <a:font script="Mlym" typeface="Kartika"/>
-        <a:font script="Laoo" typeface="DokChampa"/>
-        <a:font script="Sinh" typeface="Iskoola Pota"/>
-        <a:font script="Mong" typeface="Mongolian Baiti"/>
-        <a:font script="Viet" typeface="Arial"/>
-        <a:font script="Uigh" typeface="Microsoft Uighur"/>
-        <a:font script="Geor" typeface="Sylfaen"/>
-      </a:minorFont>
-    </a:fontScheme>
-    <a:fmtScheme name="Office">
-      <a:fillStyleLst>
-        <a:solidFill>
-          <a:schemeClr val="phClr"/>
-        </a:solidFill>
-        <a:gradFill rotWithShape="1">
-          <a:gsLst>
-            <a:gs pos="0">
-              <a:schemeClr val="phClr">
-                <a:tint val="50000"/>
-                <a:satMod val="300000"/>
-              </a:schemeClr>
-            </a:gs>
-            <a:gs pos="35000">
-              <a:schemeClr val="phClr">
-                <a:tint val="37000"/>
-                <a:satMod val="300000"/>
-              </a:schemeClr>
-            </a:gs>
-            <a:gs pos="100000">
-              <a:schemeClr val="phClr">
-                <a:tint val="15000"/>
-                <a:satMod val="350000"/>
-              </a:schemeClr>
-            </a:gs>
-          </a:gsLst>
-          <a:lin ang="16200000" scaled="1"/>
-        </a:gradFill>
-        <a:gradFill rotWithShape="1">
-          <a:gsLst>
-            <a:gs pos="0">
-              <a:schemeClr val="phClr">
-                <a:tint val="100000"/>
-                <a:shade val="100000"/>
-                <a:satMod val="130000"/>
-              </a:schemeClr>
-            </a:gs>
-            <a:gs pos="100000">
-              <a:schemeClr val="phClr">
-                <a:tint val="50000"/>
-                <a:shade val="100000"/>
-                <a:satMod val="350000"/>
-              </a:schemeClr>
-            </a:gs>
-          </a:gsLst>
-          <a:lin ang="16200000" scaled="0"/>
-        </a:gradFill>
-      </a:fillStyleLst>
-      <a:lnStyleLst>
-        <a:ln w="9525" cap="flat" cmpd="sng" algn="ctr">
-          <a:solidFill>
-            <a:schemeClr val="phClr">
-              <a:shade val="95000"/>
-              <a:satMod val="105000"/>
-            </a:schemeClr>
-          </a:solidFill>
-          <a:prstDash val="solid"/>
-        </a:ln>
-        <a:ln w="25400" cap="flat" cmpd="sng" algn="ctr">
-          <a:solidFill>
-            <a:schemeClr val="phClr"/>
-          </a:solidFill>
-          <a:prstDash val="solid"/>
-        </a:ln>
-        <a:ln w="38100" cap="flat" cmpd="sng" algn="ctr">
-          <a:solidFill>
-            <a:schemeClr val="phClr"/>
-          </a:solidFill>
-          <a:prstDash val="solid"/>
-        </a:ln>
-      </a:lnStyleLst>
-      <a:effectStyleLst>
-        <a:effectStyle>
-          <a:effectLst>
-            <a:outerShdw blurRad="40000" dist="20000" dir="5400000" rotWithShape="0">
-              <a:srgbClr val="000000">
-                <a:alpha val="38000"/>
-              </a:srgbClr>
-            </a:outerShdw>
-          </a:effectLst>
-        </a:effectStyle>
-        <a:effectStyle>
-          <a:effectLst>
-            <a:outerShdw blurRad="40000" dist="23000" dir="5400000" rotWithShape="0">
-              <a:srgbClr val="000000">
-                <a:alpha val="35000"/>
-              </a:srgbClr>
-            </a:outerShdw>
-          </a:effectLst>
-        </a:effectStyle>
-        <a:effectStyle>
-          <a:effectLst>
-            <a:outerShdw blurRad="40000" dist="23000" dir="5400000" rotWithShape="0">
-              <a:srgbClr val="000000">
-                <a:alpha val="35000"/>
-              </a:srgbClr>
-            </a:outerShdw>
-          </a:effectLst>
-          <a:scene3d>
-            <a:camera prst="orthographicFront">
-              <a:rot lat="0" lon="0" rev="0"/>
-            </a:camera>
-            <a:lightRig rig="threePt" dir="t">
-              <a:rot lat="0" lon="0" rev="1200000"/>
-            </a:lightRig>
-          </a:scene3d>
-          <a:sp3d>
-            <a:bevelT w="63500" h="25400"/>
-          </a:sp3d>
-        </a:effectStyle>
-      </a:effectStyleLst>
-      <a:bgFillStyleLst>
-        <a:solidFill>
-          <a:schemeClr val="phClr"/>
-        </a:solidFill>
-        <a:gradFill rotWithShape="1">
-          <a:gsLst>
-            <a:gs pos="0">
-              <a:schemeClr val="phClr">
-                <a:tint val="40000"/>
-                <a:satMod val="350000"/>
-              </a:schemeClr>
-            </a:gs>
-            <a:gs pos="40000">
-              <a:schemeClr val="phClr">
-                <a:tint val="45000"/>
-                <a:shade val="99000"/>
-                <a:satMod val="350000"/>
-              </a:schemeClr>
-            </a:gs>
-            <a:gs pos="100000">
-              <a:schemeClr val="phClr">
-                <a:shade val="20000"/>
-                <a:satMod val="255000"/>
-              </a:schemeClr>
-            </a:gs>
-          </a:gsLst>
-          <a:path path="circle">
-            <a:fillToRect l="50000" t="-80000" r="50000" b="180000"/>
-          </a:path>
-        </a:gradFill>
-        <a:gradFill rotWithShape="1">
-          <a:gsLst>
-            <a:gs pos="0">
-              <a:schemeClr val="phClr">
-                <a:tint val="80000"/>
-                <a:satMod val="300000"/>
-              </a:schemeClr>
-            </a:gs>
-            <a:gs pos="100000">
-              <a:schemeClr val="phClr">
-                <a:shade val="30000"/>
-                <a:satMod val="200000"/>
-              </a:schemeClr>
-            </a:gs>
-          </a:gsLst>
-          <a:path path="circle">
-            <a:fillToRect l="50000" t="50000" r="50000" b="50000"/>
-          </a:path>
-        </a:gradFill>
-      </a:bgFillStyleLst>
-    </a:fmtScheme>
-  </a:themeElements>
-</a:theme>
 </file>